--- a/01 Classes/Aula 03 - Algoritmos e Complexidade - Recursividade.pptx
+++ b/01 Classes/Aula 03 - Algoritmos e Complexidade - Recursividade.pptx
@@ -5,17 +5,32 @@
     <p:sldMasterId id="2147483648" r:id="rId1"/>
   </p:sldMasterIdLst>
   <p:notesMasterIdLst>
-    <p:notesMasterId r:id="rId10"/>
+    <p:notesMasterId r:id="rId25"/>
   </p:notesMasterIdLst>
   <p:sldIdLst>
     <p:sldId id="256" r:id="rId2"/>
     <p:sldId id="291" r:id="rId3"/>
-    <p:sldId id="331" r:id="rId4"/>
-    <p:sldId id="333" r:id="rId5"/>
-    <p:sldId id="323" r:id="rId6"/>
-    <p:sldId id="334" r:id="rId7"/>
-    <p:sldId id="337" r:id="rId8"/>
-    <p:sldId id="309" r:id="rId9"/>
+    <p:sldId id="345" r:id="rId4"/>
+    <p:sldId id="331" r:id="rId5"/>
+    <p:sldId id="338" r:id="rId6"/>
+    <p:sldId id="339" r:id="rId7"/>
+    <p:sldId id="346" r:id="rId8"/>
+    <p:sldId id="340" r:id="rId9"/>
+    <p:sldId id="342" r:id="rId10"/>
+    <p:sldId id="343" r:id="rId11"/>
+    <p:sldId id="347" r:id="rId12"/>
+    <p:sldId id="348" r:id="rId13"/>
+    <p:sldId id="341" r:id="rId14"/>
+    <p:sldId id="350" r:id="rId15"/>
+    <p:sldId id="351" r:id="rId16"/>
+    <p:sldId id="352" r:id="rId17"/>
+    <p:sldId id="349" r:id="rId18"/>
+    <p:sldId id="344" r:id="rId19"/>
+    <p:sldId id="333" r:id="rId20"/>
+    <p:sldId id="323" r:id="rId21"/>
+    <p:sldId id="334" r:id="rId22"/>
+    <p:sldId id="337" r:id="rId23"/>
+    <p:sldId id="309" r:id="rId24"/>
   </p:sldIdLst>
   <p:sldSz cx="9144000" cy="5143500" type="screen16x9"/>
   <p:notesSz cx="6858000" cy="9144000"/>
@@ -562,7 +577,679 @@
 </p:notes>
 </file>
 
-<file path=ppt/notesSlides/notesSlide2.xml><?xml version="1.0" encoding="utf-8"?>
+<file path=ppt/notesSlides/notesSlide10.xml><?xml version="1.0" encoding="utf-8"?>
+<p:notes xmlns:a="http://schemas.openxmlformats.org/drawingml/2006/main" xmlns:r="http://schemas.openxmlformats.org/officeDocument/2006/relationships" xmlns:p="http://schemas.openxmlformats.org/presentationml/2006/main">
+  <p:cSld>
+    <p:spTree>
+      <p:nvGrpSpPr>
+        <p:cNvPr id="1" name="">
+          <a:extLst>
+            <a:ext uri="{FF2B5EF4-FFF2-40B4-BE49-F238E27FC236}">
+              <a16:creationId xmlns:a16="http://schemas.microsoft.com/office/drawing/2014/main" id="{9FCA5DC1-BDC7-7FE4-DF1F-01D41C3F568A}"/>
+            </a:ext>
+          </a:extLst>
+        </p:cNvPr>
+        <p:cNvGrpSpPr/>
+        <p:nvPr/>
+      </p:nvGrpSpPr>
+      <p:grpSpPr>
+        <a:xfrm>
+          <a:off x="0" y="0"/>
+          <a:ext cx="0" cy="0"/>
+          <a:chOff x="0" y="0"/>
+          <a:chExt cx="0" cy="0"/>
+        </a:xfrm>
+      </p:grpSpPr>
+      <p:sp>
+        <p:nvSpPr>
+          <p:cNvPr id="2" name="Espaço Reservado para Imagem de Slide 1">
+            <a:extLst>
+              <a:ext uri="{FF2B5EF4-FFF2-40B4-BE49-F238E27FC236}">
+                <a16:creationId xmlns:a16="http://schemas.microsoft.com/office/drawing/2014/main" id="{3B0510D7-99C7-EED0-1EFE-96CC36F52963}"/>
+              </a:ext>
+            </a:extLst>
+          </p:cNvPr>
+          <p:cNvSpPr>
+            <a:spLocks noGrp="1" noRot="1" noChangeAspect="1"/>
+          </p:cNvSpPr>
+          <p:nvPr>
+            <p:ph type="sldImg"/>
+          </p:nvPr>
+        </p:nvSpPr>
+        <p:spPr>
+          <a:xfrm>
+            <a:off x="381000" y="685800"/>
+            <a:ext cx="6096000" cy="3429000"/>
+          </a:xfrm>
+        </p:spPr>
+      </p:sp>
+      <p:sp>
+        <p:nvSpPr>
+          <p:cNvPr id="3" name="Espaço Reservado para Anotações 2">
+            <a:extLst>
+              <a:ext uri="{FF2B5EF4-FFF2-40B4-BE49-F238E27FC236}">
+                <a16:creationId xmlns:a16="http://schemas.microsoft.com/office/drawing/2014/main" id="{B3D66C10-4A86-B355-82D3-856F1015B3F2}"/>
+              </a:ext>
+            </a:extLst>
+          </p:cNvPr>
+          <p:cNvSpPr>
+            <a:spLocks noGrp="1"/>
+          </p:cNvSpPr>
+          <p:nvPr>
+            <p:ph type="body" idx="1"/>
+          </p:nvPr>
+        </p:nvSpPr>
+        <p:spPr/>
+        <p:txBody>
+          <a:bodyPr/>
+          <a:lstStyle/>
+          <a:p>
+            <a:endParaRPr lang="pt-BR" dirty="0"/>
+          </a:p>
+        </p:txBody>
+      </p:sp>
+    </p:spTree>
+    <p:extLst>
+      <p:ext uri="{BB962C8B-B14F-4D97-AF65-F5344CB8AC3E}">
+        <p14:creationId xmlns:p14="http://schemas.microsoft.com/office/powerpoint/2010/main" val="1605355472"/>
+      </p:ext>
+    </p:extLst>
+  </p:cSld>
+  <p:clrMapOvr>
+    <a:masterClrMapping/>
+  </p:clrMapOvr>
+</p:notes>
+</file>
+
+<file path=ppt/notesSlides/notesSlide11.xml><?xml version="1.0" encoding="utf-8"?>
+<p:notes xmlns:a="http://schemas.openxmlformats.org/drawingml/2006/main" xmlns:r="http://schemas.openxmlformats.org/officeDocument/2006/relationships" xmlns:p="http://schemas.openxmlformats.org/presentationml/2006/main">
+  <p:cSld>
+    <p:spTree>
+      <p:nvGrpSpPr>
+        <p:cNvPr id="1" name="">
+          <a:extLst>
+            <a:ext uri="{FF2B5EF4-FFF2-40B4-BE49-F238E27FC236}">
+              <a16:creationId xmlns:a16="http://schemas.microsoft.com/office/drawing/2014/main" id="{DA2EC88E-067F-7D9C-CF72-A2BDD811CFF8}"/>
+            </a:ext>
+          </a:extLst>
+        </p:cNvPr>
+        <p:cNvGrpSpPr/>
+        <p:nvPr/>
+      </p:nvGrpSpPr>
+      <p:grpSpPr>
+        <a:xfrm>
+          <a:off x="0" y="0"/>
+          <a:ext cx="0" cy="0"/>
+          <a:chOff x="0" y="0"/>
+          <a:chExt cx="0" cy="0"/>
+        </a:xfrm>
+      </p:grpSpPr>
+      <p:sp>
+        <p:nvSpPr>
+          <p:cNvPr id="2" name="Espaço Reservado para Imagem de Slide 1">
+            <a:extLst>
+              <a:ext uri="{FF2B5EF4-FFF2-40B4-BE49-F238E27FC236}">
+                <a16:creationId xmlns:a16="http://schemas.microsoft.com/office/drawing/2014/main" id="{0B9867EE-E878-9157-3501-F6E5DF665713}"/>
+              </a:ext>
+            </a:extLst>
+          </p:cNvPr>
+          <p:cNvSpPr>
+            <a:spLocks noGrp="1" noRot="1" noChangeAspect="1"/>
+          </p:cNvSpPr>
+          <p:nvPr>
+            <p:ph type="sldImg"/>
+          </p:nvPr>
+        </p:nvSpPr>
+        <p:spPr>
+          <a:xfrm>
+            <a:off x="381000" y="685800"/>
+            <a:ext cx="6096000" cy="3429000"/>
+          </a:xfrm>
+        </p:spPr>
+      </p:sp>
+      <p:sp>
+        <p:nvSpPr>
+          <p:cNvPr id="3" name="Espaço Reservado para Anotações 2">
+            <a:extLst>
+              <a:ext uri="{FF2B5EF4-FFF2-40B4-BE49-F238E27FC236}">
+                <a16:creationId xmlns:a16="http://schemas.microsoft.com/office/drawing/2014/main" id="{E86EB561-37A2-1A52-E3DB-E93FD78346DD}"/>
+              </a:ext>
+            </a:extLst>
+          </p:cNvPr>
+          <p:cNvSpPr>
+            <a:spLocks noGrp="1"/>
+          </p:cNvSpPr>
+          <p:nvPr>
+            <p:ph type="body" idx="1"/>
+          </p:nvPr>
+        </p:nvSpPr>
+        <p:spPr/>
+        <p:txBody>
+          <a:bodyPr/>
+          <a:lstStyle/>
+          <a:p>
+            <a:endParaRPr lang="pt-BR" dirty="0"/>
+          </a:p>
+        </p:txBody>
+      </p:sp>
+    </p:spTree>
+    <p:extLst>
+      <p:ext uri="{BB962C8B-B14F-4D97-AF65-F5344CB8AC3E}">
+        <p14:creationId xmlns:p14="http://schemas.microsoft.com/office/powerpoint/2010/main" val="1428545274"/>
+      </p:ext>
+    </p:extLst>
+  </p:cSld>
+  <p:clrMapOvr>
+    <a:masterClrMapping/>
+  </p:clrMapOvr>
+</p:notes>
+</file>
+
+<file path=ppt/notesSlides/notesSlide12.xml><?xml version="1.0" encoding="utf-8"?>
+<p:notes xmlns:a="http://schemas.openxmlformats.org/drawingml/2006/main" xmlns:r="http://schemas.openxmlformats.org/officeDocument/2006/relationships" xmlns:p="http://schemas.openxmlformats.org/presentationml/2006/main">
+  <p:cSld>
+    <p:spTree>
+      <p:nvGrpSpPr>
+        <p:cNvPr id="1" name="">
+          <a:extLst>
+            <a:ext uri="{FF2B5EF4-FFF2-40B4-BE49-F238E27FC236}">
+              <a16:creationId xmlns:a16="http://schemas.microsoft.com/office/drawing/2014/main" id="{01B23B9F-CB94-519D-87EE-ECF808B6CA57}"/>
+            </a:ext>
+          </a:extLst>
+        </p:cNvPr>
+        <p:cNvGrpSpPr/>
+        <p:nvPr/>
+      </p:nvGrpSpPr>
+      <p:grpSpPr>
+        <a:xfrm>
+          <a:off x="0" y="0"/>
+          <a:ext cx="0" cy="0"/>
+          <a:chOff x="0" y="0"/>
+          <a:chExt cx="0" cy="0"/>
+        </a:xfrm>
+      </p:grpSpPr>
+      <p:sp>
+        <p:nvSpPr>
+          <p:cNvPr id="2" name="Espaço Reservado para Imagem de Slide 1">
+            <a:extLst>
+              <a:ext uri="{FF2B5EF4-FFF2-40B4-BE49-F238E27FC236}">
+                <a16:creationId xmlns:a16="http://schemas.microsoft.com/office/drawing/2014/main" id="{1CDD8346-03F4-AACB-E017-FB3718779B3E}"/>
+              </a:ext>
+            </a:extLst>
+          </p:cNvPr>
+          <p:cNvSpPr>
+            <a:spLocks noGrp="1" noRot="1" noChangeAspect="1"/>
+          </p:cNvSpPr>
+          <p:nvPr>
+            <p:ph type="sldImg"/>
+          </p:nvPr>
+        </p:nvSpPr>
+        <p:spPr>
+          <a:xfrm>
+            <a:off x="381000" y="685800"/>
+            <a:ext cx="6096000" cy="3429000"/>
+          </a:xfrm>
+        </p:spPr>
+      </p:sp>
+      <p:sp>
+        <p:nvSpPr>
+          <p:cNvPr id="3" name="Espaço Reservado para Anotações 2">
+            <a:extLst>
+              <a:ext uri="{FF2B5EF4-FFF2-40B4-BE49-F238E27FC236}">
+                <a16:creationId xmlns:a16="http://schemas.microsoft.com/office/drawing/2014/main" id="{FE05EF39-8522-C452-9058-CBCBF622CD72}"/>
+              </a:ext>
+            </a:extLst>
+          </p:cNvPr>
+          <p:cNvSpPr>
+            <a:spLocks noGrp="1"/>
+          </p:cNvSpPr>
+          <p:nvPr>
+            <p:ph type="body" idx="1"/>
+          </p:nvPr>
+        </p:nvSpPr>
+        <p:spPr/>
+        <p:txBody>
+          <a:bodyPr/>
+          <a:lstStyle/>
+          <a:p>
+            <a:endParaRPr lang="pt-BR" dirty="0"/>
+          </a:p>
+        </p:txBody>
+      </p:sp>
+    </p:spTree>
+    <p:extLst>
+      <p:ext uri="{BB962C8B-B14F-4D97-AF65-F5344CB8AC3E}">
+        <p14:creationId xmlns:p14="http://schemas.microsoft.com/office/powerpoint/2010/main" val="1279222348"/>
+      </p:ext>
+    </p:extLst>
+  </p:cSld>
+  <p:clrMapOvr>
+    <a:masterClrMapping/>
+  </p:clrMapOvr>
+</p:notes>
+</file>
+
+<file path=ppt/notesSlides/notesSlide13.xml><?xml version="1.0" encoding="utf-8"?>
+<p:notes xmlns:a="http://schemas.openxmlformats.org/drawingml/2006/main" xmlns:r="http://schemas.openxmlformats.org/officeDocument/2006/relationships" xmlns:p="http://schemas.openxmlformats.org/presentationml/2006/main">
+  <p:cSld>
+    <p:spTree>
+      <p:nvGrpSpPr>
+        <p:cNvPr id="1" name="">
+          <a:extLst>
+            <a:ext uri="{FF2B5EF4-FFF2-40B4-BE49-F238E27FC236}">
+              <a16:creationId xmlns:a16="http://schemas.microsoft.com/office/drawing/2014/main" id="{4446D2A7-B7DD-DBB3-B249-51500C1FA303}"/>
+            </a:ext>
+          </a:extLst>
+        </p:cNvPr>
+        <p:cNvGrpSpPr/>
+        <p:nvPr/>
+      </p:nvGrpSpPr>
+      <p:grpSpPr>
+        <a:xfrm>
+          <a:off x="0" y="0"/>
+          <a:ext cx="0" cy="0"/>
+          <a:chOff x="0" y="0"/>
+          <a:chExt cx="0" cy="0"/>
+        </a:xfrm>
+      </p:grpSpPr>
+      <p:sp>
+        <p:nvSpPr>
+          <p:cNvPr id="2" name="Espaço Reservado para Imagem de Slide 1">
+            <a:extLst>
+              <a:ext uri="{FF2B5EF4-FFF2-40B4-BE49-F238E27FC236}">
+                <a16:creationId xmlns:a16="http://schemas.microsoft.com/office/drawing/2014/main" id="{4809F8A1-6823-288A-FA10-034EE5B27F14}"/>
+              </a:ext>
+            </a:extLst>
+          </p:cNvPr>
+          <p:cNvSpPr>
+            <a:spLocks noGrp="1" noRot="1" noChangeAspect="1"/>
+          </p:cNvSpPr>
+          <p:nvPr>
+            <p:ph type="sldImg"/>
+          </p:nvPr>
+        </p:nvSpPr>
+        <p:spPr>
+          <a:xfrm>
+            <a:off x="381000" y="685800"/>
+            <a:ext cx="6096000" cy="3429000"/>
+          </a:xfrm>
+        </p:spPr>
+      </p:sp>
+      <p:sp>
+        <p:nvSpPr>
+          <p:cNvPr id="3" name="Espaço Reservado para Anotações 2">
+            <a:extLst>
+              <a:ext uri="{FF2B5EF4-FFF2-40B4-BE49-F238E27FC236}">
+                <a16:creationId xmlns:a16="http://schemas.microsoft.com/office/drawing/2014/main" id="{A0B36B4E-759F-2441-54E6-6DAD2107A3FD}"/>
+              </a:ext>
+            </a:extLst>
+          </p:cNvPr>
+          <p:cNvSpPr>
+            <a:spLocks noGrp="1"/>
+          </p:cNvSpPr>
+          <p:nvPr>
+            <p:ph type="body" idx="1"/>
+          </p:nvPr>
+        </p:nvSpPr>
+        <p:spPr/>
+        <p:txBody>
+          <a:bodyPr/>
+          <a:lstStyle/>
+          <a:p>
+            <a:endParaRPr lang="pt-BR" dirty="0"/>
+          </a:p>
+        </p:txBody>
+      </p:sp>
+    </p:spTree>
+    <p:extLst>
+      <p:ext uri="{BB962C8B-B14F-4D97-AF65-F5344CB8AC3E}">
+        <p14:creationId xmlns:p14="http://schemas.microsoft.com/office/powerpoint/2010/main" val="3968338052"/>
+      </p:ext>
+    </p:extLst>
+  </p:cSld>
+  <p:clrMapOvr>
+    <a:masterClrMapping/>
+  </p:clrMapOvr>
+</p:notes>
+</file>
+
+<file path=ppt/notesSlides/notesSlide14.xml><?xml version="1.0" encoding="utf-8"?>
+<p:notes xmlns:a="http://schemas.openxmlformats.org/drawingml/2006/main" xmlns:r="http://schemas.openxmlformats.org/officeDocument/2006/relationships" xmlns:p="http://schemas.openxmlformats.org/presentationml/2006/main">
+  <p:cSld>
+    <p:spTree>
+      <p:nvGrpSpPr>
+        <p:cNvPr id="1" name="">
+          <a:extLst>
+            <a:ext uri="{FF2B5EF4-FFF2-40B4-BE49-F238E27FC236}">
+              <a16:creationId xmlns:a16="http://schemas.microsoft.com/office/drawing/2014/main" id="{903C0C7F-8CF9-4458-EDDA-CF7D63BA9AC0}"/>
+            </a:ext>
+          </a:extLst>
+        </p:cNvPr>
+        <p:cNvGrpSpPr/>
+        <p:nvPr/>
+      </p:nvGrpSpPr>
+      <p:grpSpPr>
+        <a:xfrm>
+          <a:off x="0" y="0"/>
+          <a:ext cx="0" cy="0"/>
+          <a:chOff x="0" y="0"/>
+          <a:chExt cx="0" cy="0"/>
+        </a:xfrm>
+      </p:grpSpPr>
+      <p:sp>
+        <p:nvSpPr>
+          <p:cNvPr id="2" name="Espaço Reservado para Imagem de Slide 1">
+            <a:extLst>
+              <a:ext uri="{FF2B5EF4-FFF2-40B4-BE49-F238E27FC236}">
+                <a16:creationId xmlns:a16="http://schemas.microsoft.com/office/drawing/2014/main" id="{ED17FF80-F5B8-4F8F-5F58-97C2BD1B935C}"/>
+              </a:ext>
+            </a:extLst>
+          </p:cNvPr>
+          <p:cNvSpPr>
+            <a:spLocks noGrp="1" noRot="1" noChangeAspect="1"/>
+          </p:cNvSpPr>
+          <p:nvPr>
+            <p:ph type="sldImg"/>
+          </p:nvPr>
+        </p:nvSpPr>
+        <p:spPr>
+          <a:xfrm>
+            <a:off x="381000" y="685800"/>
+            <a:ext cx="6096000" cy="3429000"/>
+          </a:xfrm>
+        </p:spPr>
+      </p:sp>
+      <p:sp>
+        <p:nvSpPr>
+          <p:cNvPr id="3" name="Espaço Reservado para Anotações 2">
+            <a:extLst>
+              <a:ext uri="{FF2B5EF4-FFF2-40B4-BE49-F238E27FC236}">
+                <a16:creationId xmlns:a16="http://schemas.microsoft.com/office/drawing/2014/main" id="{92D9C313-48FD-99FA-AF88-2D1FF2395586}"/>
+              </a:ext>
+            </a:extLst>
+          </p:cNvPr>
+          <p:cNvSpPr>
+            <a:spLocks noGrp="1"/>
+          </p:cNvSpPr>
+          <p:nvPr>
+            <p:ph type="body" idx="1"/>
+          </p:nvPr>
+        </p:nvSpPr>
+        <p:spPr/>
+        <p:txBody>
+          <a:bodyPr/>
+          <a:lstStyle/>
+          <a:p>
+            <a:endParaRPr lang="pt-BR" dirty="0"/>
+          </a:p>
+        </p:txBody>
+      </p:sp>
+    </p:spTree>
+    <p:extLst>
+      <p:ext uri="{BB962C8B-B14F-4D97-AF65-F5344CB8AC3E}">
+        <p14:creationId xmlns:p14="http://schemas.microsoft.com/office/powerpoint/2010/main" val="2046889032"/>
+      </p:ext>
+    </p:extLst>
+  </p:cSld>
+  <p:clrMapOvr>
+    <a:masterClrMapping/>
+  </p:clrMapOvr>
+</p:notes>
+</file>
+
+<file path=ppt/notesSlides/notesSlide15.xml><?xml version="1.0" encoding="utf-8"?>
+<p:notes xmlns:a="http://schemas.openxmlformats.org/drawingml/2006/main" xmlns:r="http://schemas.openxmlformats.org/officeDocument/2006/relationships" xmlns:p="http://schemas.openxmlformats.org/presentationml/2006/main">
+  <p:cSld>
+    <p:spTree>
+      <p:nvGrpSpPr>
+        <p:cNvPr id="1" name="">
+          <a:extLst>
+            <a:ext uri="{FF2B5EF4-FFF2-40B4-BE49-F238E27FC236}">
+              <a16:creationId xmlns:a16="http://schemas.microsoft.com/office/drawing/2014/main" id="{0DF895B2-A998-D0C1-418C-2CC93D3EE927}"/>
+            </a:ext>
+          </a:extLst>
+        </p:cNvPr>
+        <p:cNvGrpSpPr/>
+        <p:nvPr/>
+      </p:nvGrpSpPr>
+      <p:grpSpPr>
+        <a:xfrm>
+          <a:off x="0" y="0"/>
+          <a:ext cx="0" cy="0"/>
+          <a:chOff x="0" y="0"/>
+          <a:chExt cx="0" cy="0"/>
+        </a:xfrm>
+      </p:grpSpPr>
+      <p:sp>
+        <p:nvSpPr>
+          <p:cNvPr id="2" name="Espaço Reservado para Imagem de Slide 1">
+            <a:extLst>
+              <a:ext uri="{FF2B5EF4-FFF2-40B4-BE49-F238E27FC236}">
+                <a16:creationId xmlns:a16="http://schemas.microsoft.com/office/drawing/2014/main" id="{C1A4536E-A0A2-B0DD-69DB-C923124C6906}"/>
+              </a:ext>
+            </a:extLst>
+          </p:cNvPr>
+          <p:cNvSpPr>
+            <a:spLocks noGrp="1" noRot="1" noChangeAspect="1"/>
+          </p:cNvSpPr>
+          <p:nvPr>
+            <p:ph type="sldImg"/>
+          </p:nvPr>
+        </p:nvSpPr>
+        <p:spPr>
+          <a:xfrm>
+            <a:off x="381000" y="685800"/>
+            <a:ext cx="6096000" cy="3429000"/>
+          </a:xfrm>
+        </p:spPr>
+      </p:sp>
+      <p:sp>
+        <p:nvSpPr>
+          <p:cNvPr id="3" name="Espaço Reservado para Anotações 2">
+            <a:extLst>
+              <a:ext uri="{FF2B5EF4-FFF2-40B4-BE49-F238E27FC236}">
+                <a16:creationId xmlns:a16="http://schemas.microsoft.com/office/drawing/2014/main" id="{CCCF4608-A826-86D1-ADD7-529F4C1416FE}"/>
+              </a:ext>
+            </a:extLst>
+          </p:cNvPr>
+          <p:cNvSpPr>
+            <a:spLocks noGrp="1"/>
+          </p:cNvSpPr>
+          <p:nvPr>
+            <p:ph type="body" idx="1"/>
+          </p:nvPr>
+        </p:nvSpPr>
+        <p:spPr/>
+        <p:txBody>
+          <a:bodyPr/>
+          <a:lstStyle/>
+          <a:p>
+            <a:endParaRPr lang="pt-BR" dirty="0"/>
+          </a:p>
+        </p:txBody>
+      </p:sp>
+    </p:spTree>
+    <p:extLst>
+      <p:ext uri="{BB962C8B-B14F-4D97-AF65-F5344CB8AC3E}">
+        <p14:creationId xmlns:p14="http://schemas.microsoft.com/office/powerpoint/2010/main" val="2642728389"/>
+      </p:ext>
+    </p:extLst>
+  </p:cSld>
+  <p:clrMapOvr>
+    <a:masterClrMapping/>
+  </p:clrMapOvr>
+</p:notes>
+</file>
+
+<file path=ppt/notesSlides/notesSlide16.xml><?xml version="1.0" encoding="utf-8"?>
+<p:notes xmlns:a="http://schemas.openxmlformats.org/drawingml/2006/main" xmlns:r="http://schemas.openxmlformats.org/officeDocument/2006/relationships" xmlns:p="http://schemas.openxmlformats.org/presentationml/2006/main">
+  <p:cSld>
+    <p:spTree>
+      <p:nvGrpSpPr>
+        <p:cNvPr id="1" name="">
+          <a:extLst>
+            <a:ext uri="{FF2B5EF4-FFF2-40B4-BE49-F238E27FC236}">
+              <a16:creationId xmlns:a16="http://schemas.microsoft.com/office/drawing/2014/main" id="{15F29551-E663-6594-B1DE-349482C56D57}"/>
+            </a:ext>
+          </a:extLst>
+        </p:cNvPr>
+        <p:cNvGrpSpPr/>
+        <p:nvPr/>
+      </p:nvGrpSpPr>
+      <p:grpSpPr>
+        <a:xfrm>
+          <a:off x="0" y="0"/>
+          <a:ext cx="0" cy="0"/>
+          <a:chOff x="0" y="0"/>
+          <a:chExt cx="0" cy="0"/>
+        </a:xfrm>
+      </p:grpSpPr>
+      <p:sp>
+        <p:nvSpPr>
+          <p:cNvPr id="2" name="Espaço Reservado para Imagem de Slide 1">
+            <a:extLst>
+              <a:ext uri="{FF2B5EF4-FFF2-40B4-BE49-F238E27FC236}">
+                <a16:creationId xmlns:a16="http://schemas.microsoft.com/office/drawing/2014/main" id="{16ED20BE-ACF1-67A1-EC89-E1597DB573D1}"/>
+              </a:ext>
+            </a:extLst>
+          </p:cNvPr>
+          <p:cNvSpPr>
+            <a:spLocks noGrp="1" noRot="1" noChangeAspect="1"/>
+          </p:cNvSpPr>
+          <p:nvPr>
+            <p:ph type="sldImg"/>
+          </p:nvPr>
+        </p:nvSpPr>
+        <p:spPr>
+          <a:xfrm>
+            <a:off x="381000" y="685800"/>
+            <a:ext cx="6096000" cy="3429000"/>
+          </a:xfrm>
+        </p:spPr>
+      </p:sp>
+      <p:sp>
+        <p:nvSpPr>
+          <p:cNvPr id="3" name="Espaço Reservado para Anotações 2">
+            <a:extLst>
+              <a:ext uri="{FF2B5EF4-FFF2-40B4-BE49-F238E27FC236}">
+                <a16:creationId xmlns:a16="http://schemas.microsoft.com/office/drawing/2014/main" id="{E335542A-8F50-C3F8-EE71-9E0D04AB479D}"/>
+              </a:ext>
+            </a:extLst>
+          </p:cNvPr>
+          <p:cNvSpPr>
+            <a:spLocks noGrp="1"/>
+          </p:cNvSpPr>
+          <p:nvPr>
+            <p:ph type="body" idx="1"/>
+          </p:nvPr>
+        </p:nvSpPr>
+        <p:spPr/>
+        <p:txBody>
+          <a:bodyPr/>
+          <a:lstStyle/>
+          <a:p>
+            <a:endParaRPr lang="pt-BR" dirty="0"/>
+          </a:p>
+        </p:txBody>
+      </p:sp>
+    </p:spTree>
+    <p:extLst>
+      <p:ext uri="{BB962C8B-B14F-4D97-AF65-F5344CB8AC3E}">
+        <p14:creationId xmlns:p14="http://schemas.microsoft.com/office/powerpoint/2010/main" val="4075872667"/>
+      </p:ext>
+    </p:extLst>
+  </p:cSld>
+  <p:clrMapOvr>
+    <a:masterClrMapping/>
+  </p:clrMapOvr>
+</p:notes>
+</file>
+
+<file path=ppt/notesSlides/notesSlide17.xml><?xml version="1.0" encoding="utf-8"?>
+<p:notes xmlns:a="http://schemas.openxmlformats.org/drawingml/2006/main" xmlns:r="http://schemas.openxmlformats.org/officeDocument/2006/relationships" xmlns:p="http://schemas.openxmlformats.org/presentationml/2006/main">
+  <p:cSld>
+    <p:spTree>
+      <p:nvGrpSpPr>
+        <p:cNvPr id="1" name="">
+          <a:extLst>
+            <a:ext uri="{FF2B5EF4-FFF2-40B4-BE49-F238E27FC236}">
+              <a16:creationId xmlns:a16="http://schemas.microsoft.com/office/drawing/2014/main" id="{B50E0FA5-2F68-38AF-DF50-D5B93F228F7D}"/>
+            </a:ext>
+          </a:extLst>
+        </p:cNvPr>
+        <p:cNvGrpSpPr/>
+        <p:nvPr/>
+      </p:nvGrpSpPr>
+      <p:grpSpPr>
+        <a:xfrm>
+          <a:off x="0" y="0"/>
+          <a:ext cx="0" cy="0"/>
+          <a:chOff x="0" y="0"/>
+          <a:chExt cx="0" cy="0"/>
+        </a:xfrm>
+      </p:grpSpPr>
+      <p:sp>
+        <p:nvSpPr>
+          <p:cNvPr id="2" name="Espaço Reservado para Imagem de Slide 1">
+            <a:extLst>
+              <a:ext uri="{FF2B5EF4-FFF2-40B4-BE49-F238E27FC236}">
+                <a16:creationId xmlns:a16="http://schemas.microsoft.com/office/drawing/2014/main" id="{3FF27446-CE13-A1D3-CAF8-468994AC6C62}"/>
+              </a:ext>
+            </a:extLst>
+          </p:cNvPr>
+          <p:cNvSpPr>
+            <a:spLocks noGrp="1" noRot="1" noChangeAspect="1"/>
+          </p:cNvSpPr>
+          <p:nvPr>
+            <p:ph type="sldImg"/>
+          </p:nvPr>
+        </p:nvSpPr>
+        <p:spPr>
+          <a:xfrm>
+            <a:off x="381000" y="685800"/>
+            <a:ext cx="6096000" cy="3429000"/>
+          </a:xfrm>
+        </p:spPr>
+      </p:sp>
+      <p:sp>
+        <p:nvSpPr>
+          <p:cNvPr id="3" name="Espaço Reservado para Anotações 2">
+            <a:extLst>
+              <a:ext uri="{FF2B5EF4-FFF2-40B4-BE49-F238E27FC236}">
+                <a16:creationId xmlns:a16="http://schemas.microsoft.com/office/drawing/2014/main" id="{C3FEA4AD-0C58-56C4-7795-B20B84B58F59}"/>
+              </a:ext>
+            </a:extLst>
+          </p:cNvPr>
+          <p:cNvSpPr>
+            <a:spLocks noGrp="1"/>
+          </p:cNvSpPr>
+          <p:nvPr>
+            <p:ph type="body" idx="1"/>
+          </p:nvPr>
+        </p:nvSpPr>
+        <p:spPr/>
+        <p:txBody>
+          <a:bodyPr/>
+          <a:lstStyle/>
+          <a:p>
+            <a:endParaRPr lang="pt-BR" dirty="0"/>
+          </a:p>
+        </p:txBody>
+      </p:sp>
+    </p:spTree>
+    <p:extLst>
+      <p:ext uri="{BB962C8B-B14F-4D97-AF65-F5344CB8AC3E}">
+        <p14:creationId xmlns:p14="http://schemas.microsoft.com/office/powerpoint/2010/main" val="3781745386"/>
+      </p:ext>
+    </p:extLst>
+  </p:cSld>
+  <p:clrMapOvr>
+    <a:masterClrMapping/>
+  </p:clrMapOvr>
+</p:notes>
+</file>
+
+<file path=ppt/notesSlides/notesSlide18.xml><?xml version="1.0" encoding="utf-8"?>
 <p:notes xmlns:a="http://schemas.openxmlformats.org/drawingml/2006/main" xmlns:r="http://schemas.openxmlformats.org/officeDocument/2006/relationships" xmlns:p="http://schemas.openxmlformats.org/presentationml/2006/main">
   <p:cSld>
     <p:spTree>
@@ -618,7 +1305,289 @@
     </p:spTree>
     <p:extLst>
       <p:ext uri="{BB962C8B-B14F-4D97-AF65-F5344CB8AC3E}">
-        <p14:creationId xmlns:p14="http://schemas.microsoft.com/office/powerpoint/2010/main" val="3035753547"/>
+        <p14:creationId xmlns:p14="http://schemas.microsoft.com/office/powerpoint/2010/main" val="585304384"/>
+      </p:ext>
+    </p:extLst>
+  </p:cSld>
+  <p:clrMapOvr>
+    <a:masterClrMapping/>
+  </p:clrMapOvr>
+</p:notes>
+</file>
+
+<file path=ppt/notesSlides/notesSlide19.xml><?xml version="1.0" encoding="utf-8"?>
+<p:notes xmlns:a="http://schemas.openxmlformats.org/drawingml/2006/main" xmlns:r="http://schemas.openxmlformats.org/officeDocument/2006/relationships" xmlns:p="http://schemas.openxmlformats.org/presentationml/2006/main">
+  <p:cSld>
+    <p:spTree>
+      <p:nvGrpSpPr>
+        <p:cNvPr id="1" name=""/>
+        <p:cNvGrpSpPr/>
+        <p:nvPr/>
+      </p:nvGrpSpPr>
+      <p:grpSpPr>
+        <a:xfrm>
+          <a:off x="0" y="0"/>
+          <a:ext cx="0" cy="0"/>
+          <a:chOff x="0" y="0"/>
+          <a:chExt cx="0" cy="0"/>
+        </a:xfrm>
+      </p:grpSpPr>
+      <p:sp>
+        <p:nvSpPr>
+          <p:cNvPr id="2" name="Espaço Reservado para Imagem de Slide 1"/>
+          <p:cNvSpPr>
+            <a:spLocks noGrp="1" noRot="1" noChangeAspect="1"/>
+          </p:cNvSpPr>
+          <p:nvPr>
+            <p:ph type="sldImg"/>
+          </p:nvPr>
+        </p:nvSpPr>
+        <p:spPr>
+          <a:xfrm>
+            <a:off x="381000" y="685800"/>
+            <a:ext cx="6096000" cy="3429000"/>
+          </a:xfrm>
+        </p:spPr>
+      </p:sp>
+      <p:sp>
+        <p:nvSpPr>
+          <p:cNvPr id="3" name="Espaço Reservado para Anotações 2"/>
+          <p:cNvSpPr>
+            <a:spLocks noGrp="1"/>
+          </p:cNvSpPr>
+          <p:nvPr>
+            <p:ph type="body" idx="1"/>
+          </p:nvPr>
+        </p:nvSpPr>
+        <p:spPr/>
+        <p:txBody>
+          <a:bodyPr/>
+          <a:lstStyle/>
+          <a:p>
+            <a:endParaRPr lang="pt-BR" dirty="0"/>
+          </a:p>
+        </p:txBody>
+      </p:sp>
+    </p:spTree>
+    <p:extLst>
+      <p:ext uri="{BB962C8B-B14F-4D97-AF65-F5344CB8AC3E}">
+        <p14:creationId xmlns:p14="http://schemas.microsoft.com/office/powerpoint/2010/main" val="2709569597"/>
+      </p:ext>
+    </p:extLst>
+  </p:cSld>
+  <p:clrMapOvr>
+    <a:masterClrMapping/>
+  </p:clrMapOvr>
+</p:notes>
+</file>
+
+<file path=ppt/notesSlides/notesSlide2.xml><?xml version="1.0" encoding="utf-8"?>
+<p:notes xmlns:a="http://schemas.openxmlformats.org/drawingml/2006/main" xmlns:r="http://schemas.openxmlformats.org/officeDocument/2006/relationships" xmlns:p="http://schemas.openxmlformats.org/presentationml/2006/main">
+  <p:cSld>
+    <p:spTree>
+      <p:nvGrpSpPr>
+        <p:cNvPr id="1" name="">
+          <a:extLst>
+            <a:ext uri="{FF2B5EF4-FFF2-40B4-BE49-F238E27FC236}">
+              <a16:creationId xmlns:a16="http://schemas.microsoft.com/office/drawing/2014/main" id="{A020A552-1182-D18B-F988-B4D45467246D}"/>
+            </a:ext>
+          </a:extLst>
+        </p:cNvPr>
+        <p:cNvGrpSpPr/>
+        <p:nvPr/>
+      </p:nvGrpSpPr>
+      <p:grpSpPr>
+        <a:xfrm>
+          <a:off x="0" y="0"/>
+          <a:ext cx="0" cy="0"/>
+          <a:chOff x="0" y="0"/>
+          <a:chExt cx="0" cy="0"/>
+        </a:xfrm>
+      </p:grpSpPr>
+      <p:sp>
+        <p:nvSpPr>
+          <p:cNvPr id="2" name="Espaço Reservado para Imagem de Slide 1">
+            <a:extLst>
+              <a:ext uri="{FF2B5EF4-FFF2-40B4-BE49-F238E27FC236}">
+                <a16:creationId xmlns:a16="http://schemas.microsoft.com/office/drawing/2014/main" id="{507127E5-19DE-5C45-BE94-97239A815F3D}"/>
+              </a:ext>
+            </a:extLst>
+          </p:cNvPr>
+          <p:cNvSpPr>
+            <a:spLocks noGrp="1" noRot="1" noChangeAspect="1"/>
+          </p:cNvSpPr>
+          <p:nvPr>
+            <p:ph type="sldImg"/>
+          </p:nvPr>
+        </p:nvSpPr>
+        <p:spPr>
+          <a:xfrm>
+            <a:off x="381000" y="685800"/>
+            <a:ext cx="6096000" cy="3429000"/>
+          </a:xfrm>
+        </p:spPr>
+      </p:sp>
+      <p:sp>
+        <p:nvSpPr>
+          <p:cNvPr id="3" name="Espaço Reservado para Anotações 2">
+            <a:extLst>
+              <a:ext uri="{FF2B5EF4-FFF2-40B4-BE49-F238E27FC236}">
+                <a16:creationId xmlns:a16="http://schemas.microsoft.com/office/drawing/2014/main" id="{DF80B1A8-6F0A-B4EF-2DA4-3E674AD39E1E}"/>
+              </a:ext>
+            </a:extLst>
+          </p:cNvPr>
+          <p:cNvSpPr>
+            <a:spLocks noGrp="1"/>
+          </p:cNvSpPr>
+          <p:nvPr>
+            <p:ph type="body" idx="1"/>
+          </p:nvPr>
+        </p:nvSpPr>
+        <p:spPr/>
+        <p:txBody>
+          <a:bodyPr/>
+          <a:lstStyle/>
+          <a:p>
+            <a:endParaRPr lang="pt-BR" dirty="0"/>
+          </a:p>
+        </p:txBody>
+      </p:sp>
+    </p:spTree>
+    <p:extLst>
+      <p:ext uri="{BB962C8B-B14F-4D97-AF65-F5344CB8AC3E}">
+        <p14:creationId xmlns:p14="http://schemas.microsoft.com/office/powerpoint/2010/main" val="1794452040"/>
+      </p:ext>
+    </p:extLst>
+  </p:cSld>
+  <p:clrMapOvr>
+    <a:masterClrMapping/>
+  </p:clrMapOvr>
+</p:notes>
+</file>
+
+<file path=ppt/notesSlides/notesSlide20.xml><?xml version="1.0" encoding="utf-8"?>
+<p:notes xmlns:a="http://schemas.openxmlformats.org/drawingml/2006/main" xmlns:r="http://schemas.openxmlformats.org/officeDocument/2006/relationships" xmlns:p="http://schemas.openxmlformats.org/presentationml/2006/main">
+  <p:cSld>
+    <p:spTree>
+      <p:nvGrpSpPr>
+        <p:cNvPr id="1" name=""/>
+        <p:cNvGrpSpPr/>
+        <p:nvPr/>
+      </p:nvGrpSpPr>
+      <p:grpSpPr>
+        <a:xfrm>
+          <a:off x="0" y="0"/>
+          <a:ext cx="0" cy="0"/>
+          <a:chOff x="0" y="0"/>
+          <a:chExt cx="0" cy="0"/>
+        </a:xfrm>
+      </p:grpSpPr>
+      <p:sp>
+        <p:nvSpPr>
+          <p:cNvPr id="2" name="Espaço Reservado para Imagem de Slide 1"/>
+          <p:cNvSpPr>
+            <a:spLocks noGrp="1" noRot="1" noChangeAspect="1"/>
+          </p:cNvSpPr>
+          <p:nvPr>
+            <p:ph type="sldImg"/>
+          </p:nvPr>
+        </p:nvSpPr>
+        <p:spPr>
+          <a:xfrm>
+            <a:off x="381000" y="685800"/>
+            <a:ext cx="6096000" cy="3429000"/>
+          </a:xfrm>
+        </p:spPr>
+      </p:sp>
+      <p:sp>
+        <p:nvSpPr>
+          <p:cNvPr id="3" name="Espaço Reservado para Anotações 2"/>
+          <p:cNvSpPr>
+            <a:spLocks noGrp="1"/>
+          </p:cNvSpPr>
+          <p:nvPr>
+            <p:ph type="body" idx="1"/>
+          </p:nvPr>
+        </p:nvSpPr>
+        <p:spPr/>
+        <p:txBody>
+          <a:bodyPr/>
+          <a:lstStyle/>
+          <a:p>
+            <a:endParaRPr lang="pt-BR" dirty="0"/>
+          </a:p>
+        </p:txBody>
+      </p:sp>
+    </p:spTree>
+    <p:extLst>
+      <p:ext uri="{BB962C8B-B14F-4D97-AF65-F5344CB8AC3E}">
+        <p14:creationId xmlns:p14="http://schemas.microsoft.com/office/powerpoint/2010/main" val="2296249050"/>
+      </p:ext>
+    </p:extLst>
+  </p:cSld>
+  <p:clrMapOvr>
+    <a:masterClrMapping/>
+  </p:clrMapOvr>
+</p:notes>
+</file>
+
+<file path=ppt/notesSlides/notesSlide21.xml><?xml version="1.0" encoding="utf-8"?>
+<p:notes xmlns:a="http://schemas.openxmlformats.org/drawingml/2006/main" xmlns:r="http://schemas.openxmlformats.org/officeDocument/2006/relationships" xmlns:p="http://schemas.openxmlformats.org/presentationml/2006/main">
+  <p:cSld>
+    <p:spTree>
+      <p:nvGrpSpPr>
+        <p:cNvPr id="1" name=""/>
+        <p:cNvGrpSpPr/>
+        <p:nvPr/>
+      </p:nvGrpSpPr>
+      <p:grpSpPr>
+        <a:xfrm>
+          <a:off x="0" y="0"/>
+          <a:ext cx="0" cy="0"/>
+          <a:chOff x="0" y="0"/>
+          <a:chExt cx="0" cy="0"/>
+        </a:xfrm>
+      </p:grpSpPr>
+      <p:sp>
+        <p:nvSpPr>
+          <p:cNvPr id="2" name="Espaço Reservado para Imagem de Slide 1"/>
+          <p:cNvSpPr>
+            <a:spLocks noGrp="1" noRot="1" noChangeAspect="1"/>
+          </p:cNvSpPr>
+          <p:nvPr>
+            <p:ph type="sldImg"/>
+          </p:nvPr>
+        </p:nvSpPr>
+        <p:spPr>
+          <a:xfrm>
+            <a:off x="381000" y="685800"/>
+            <a:ext cx="6096000" cy="3429000"/>
+          </a:xfrm>
+        </p:spPr>
+      </p:sp>
+      <p:sp>
+        <p:nvSpPr>
+          <p:cNvPr id="3" name="Espaço Reservado para Anotações 2"/>
+          <p:cNvSpPr>
+            <a:spLocks noGrp="1"/>
+          </p:cNvSpPr>
+          <p:nvPr>
+            <p:ph type="body" idx="1"/>
+          </p:nvPr>
+        </p:nvSpPr>
+        <p:spPr/>
+        <p:txBody>
+          <a:bodyPr/>
+          <a:lstStyle/>
+          <a:p>
+            <a:endParaRPr lang="pt-BR" dirty="0"/>
+          </a:p>
+        </p:txBody>
+      </p:sp>
+    </p:spTree>
+    <p:extLst>
+      <p:ext uri="{BB962C8B-B14F-4D97-AF65-F5344CB8AC3E}">
+        <p14:creationId xmlns:p14="http://schemas.microsoft.com/office/powerpoint/2010/main" val="4290351292"/>
       </p:ext>
     </p:extLst>
   </p:cSld>
@@ -684,7 +1653,7 @@
     </p:spTree>
     <p:extLst>
       <p:ext uri="{BB962C8B-B14F-4D97-AF65-F5344CB8AC3E}">
-        <p14:creationId xmlns:p14="http://schemas.microsoft.com/office/powerpoint/2010/main" val="585304384"/>
+        <p14:creationId xmlns:p14="http://schemas.microsoft.com/office/powerpoint/2010/main" val="3035753547"/>
       </p:ext>
     </p:extLst>
   </p:cSld>
@@ -699,7 +1668,13 @@
   <p:cSld>
     <p:spTree>
       <p:nvGrpSpPr>
-        <p:cNvPr id="1" name=""/>
+        <p:cNvPr id="1" name="">
+          <a:extLst>
+            <a:ext uri="{FF2B5EF4-FFF2-40B4-BE49-F238E27FC236}">
+              <a16:creationId xmlns:a16="http://schemas.microsoft.com/office/drawing/2014/main" id="{CF46C7FA-4EEF-C43D-692E-C391C927DFBF}"/>
+            </a:ext>
+          </a:extLst>
+        </p:cNvPr>
         <p:cNvGrpSpPr/>
         <p:nvPr/>
       </p:nvGrpSpPr>
@@ -713,7 +1688,13 @@
       </p:grpSpPr>
       <p:sp>
         <p:nvSpPr>
-          <p:cNvPr id="2" name="Espaço Reservado para Imagem de Slide 1"/>
+          <p:cNvPr id="2" name="Espaço Reservado para Imagem de Slide 1">
+            <a:extLst>
+              <a:ext uri="{FF2B5EF4-FFF2-40B4-BE49-F238E27FC236}">
+                <a16:creationId xmlns:a16="http://schemas.microsoft.com/office/drawing/2014/main" id="{2AB3B6B8-0DFD-189B-DB58-383B20A065FB}"/>
+              </a:ext>
+            </a:extLst>
+          </p:cNvPr>
           <p:cNvSpPr>
             <a:spLocks noGrp="1" noRot="1" noChangeAspect="1"/>
           </p:cNvSpPr>
@@ -730,7 +1711,13 @@
       </p:sp>
       <p:sp>
         <p:nvSpPr>
-          <p:cNvPr id="3" name="Espaço Reservado para Anotações 2"/>
+          <p:cNvPr id="3" name="Espaço Reservado para Anotações 2">
+            <a:extLst>
+              <a:ext uri="{FF2B5EF4-FFF2-40B4-BE49-F238E27FC236}">
+                <a16:creationId xmlns:a16="http://schemas.microsoft.com/office/drawing/2014/main" id="{64B420E1-1657-0DE9-7D3F-70DAC4A46FBE}"/>
+              </a:ext>
+            </a:extLst>
+          </p:cNvPr>
           <p:cNvSpPr>
             <a:spLocks noGrp="1"/>
           </p:cNvSpPr>
@@ -750,7 +1737,7 @@
     </p:spTree>
     <p:extLst>
       <p:ext uri="{BB962C8B-B14F-4D97-AF65-F5344CB8AC3E}">
-        <p14:creationId xmlns:p14="http://schemas.microsoft.com/office/powerpoint/2010/main" val="2709569597"/>
+        <p14:creationId xmlns:p14="http://schemas.microsoft.com/office/powerpoint/2010/main" val="323433853"/>
       </p:ext>
     </p:extLst>
   </p:cSld>
@@ -765,7 +1752,13 @@
   <p:cSld>
     <p:spTree>
       <p:nvGrpSpPr>
-        <p:cNvPr id="1" name=""/>
+        <p:cNvPr id="1" name="">
+          <a:extLst>
+            <a:ext uri="{FF2B5EF4-FFF2-40B4-BE49-F238E27FC236}">
+              <a16:creationId xmlns:a16="http://schemas.microsoft.com/office/drawing/2014/main" id="{48C6FEA5-B840-D1D8-0410-5D581CFE3DC3}"/>
+            </a:ext>
+          </a:extLst>
+        </p:cNvPr>
         <p:cNvGrpSpPr/>
         <p:nvPr/>
       </p:nvGrpSpPr>
@@ -779,7 +1772,13 @@
       </p:grpSpPr>
       <p:sp>
         <p:nvSpPr>
-          <p:cNvPr id="2" name="Espaço Reservado para Imagem de Slide 1"/>
+          <p:cNvPr id="2" name="Espaço Reservado para Imagem de Slide 1">
+            <a:extLst>
+              <a:ext uri="{FF2B5EF4-FFF2-40B4-BE49-F238E27FC236}">
+                <a16:creationId xmlns:a16="http://schemas.microsoft.com/office/drawing/2014/main" id="{FC878E1D-79C3-11B6-8C8F-497E788BC627}"/>
+              </a:ext>
+            </a:extLst>
+          </p:cNvPr>
           <p:cNvSpPr>
             <a:spLocks noGrp="1" noRot="1" noChangeAspect="1"/>
           </p:cNvSpPr>
@@ -796,7 +1795,13 @@
       </p:sp>
       <p:sp>
         <p:nvSpPr>
-          <p:cNvPr id="3" name="Espaço Reservado para Anotações 2"/>
+          <p:cNvPr id="3" name="Espaço Reservado para Anotações 2">
+            <a:extLst>
+              <a:ext uri="{FF2B5EF4-FFF2-40B4-BE49-F238E27FC236}">
+                <a16:creationId xmlns:a16="http://schemas.microsoft.com/office/drawing/2014/main" id="{7533377E-F2A7-D462-FF01-2A29E216E831}"/>
+              </a:ext>
+            </a:extLst>
+          </p:cNvPr>
           <p:cNvSpPr>
             <a:spLocks noGrp="1"/>
           </p:cNvSpPr>
@@ -816,7 +1821,7 @@
     </p:spTree>
     <p:extLst>
       <p:ext uri="{BB962C8B-B14F-4D97-AF65-F5344CB8AC3E}">
-        <p14:creationId xmlns:p14="http://schemas.microsoft.com/office/powerpoint/2010/main" val="2296249050"/>
+        <p14:creationId xmlns:p14="http://schemas.microsoft.com/office/powerpoint/2010/main" val="3642371462"/>
       </p:ext>
     </p:extLst>
   </p:cSld>
@@ -831,7 +1836,13 @@
   <p:cSld>
     <p:spTree>
       <p:nvGrpSpPr>
-        <p:cNvPr id="1" name=""/>
+        <p:cNvPr id="1" name="">
+          <a:extLst>
+            <a:ext uri="{FF2B5EF4-FFF2-40B4-BE49-F238E27FC236}">
+              <a16:creationId xmlns:a16="http://schemas.microsoft.com/office/drawing/2014/main" id="{F08C20FB-20EF-22D1-C1CA-1ADF3051BFFA}"/>
+            </a:ext>
+          </a:extLst>
+        </p:cNvPr>
         <p:cNvGrpSpPr/>
         <p:nvPr/>
       </p:nvGrpSpPr>
@@ -845,7 +1856,13 @@
       </p:grpSpPr>
       <p:sp>
         <p:nvSpPr>
-          <p:cNvPr id="2" name="Espaço Reservado para Imagem de Slide 1"/>
+          <p:cNvPr id="2" name="Espaço Reservado para Imagem de Slide 1">
+            <a:extLst>
+              <a:ext uri="{FF2B5EF4-FFF2-40B4-BE49-F238E27FC236}">
+                <a16:creationId xmlns:a16="http://schemas.microsoft.com/office/drawing/2014/main" id="{9D99DA6C-81C5-4ABE-8726-BA652B0B6DEE}"/>
+              </a:ext>
+            </a:extLst>
+          </p:cNvPr>
           <p:cNvSpPr>
             <a:spLocks noGrp="1" noRot="1" noChangeAspect="1"/>
           </p:cNvSpPr>
@@ -862,7 +1879,13 @@
       </p:sp>
       <p:sp>
         <p:nvSpPr>
-          <p:cNvPr id="3" name="Espaço Reservado para Anotações 2"/>
+          <p:cNvPr id="3" name="Espaço Reservado para Anotações 2">
+            <a:extLst>
+              <a:ext uri="{FF2B5EF4-FFF2-40B4-BE49-F238E27FC236}">
+                <a16:creationId xmlns:a16="http://schemas.microsoft.com/office/drawing/2014/main" id="{1E8CB2E9-A792-ABC4-CF2B-F7E206F1C9BD}"/>
+              </a:ext>
+            </a:extLst>
+          </p:cNvPr>
           <p:cNvSpPr>
             <a:spLocks noGrp="1"/>
           </p:cNvSpPr>
@@ -882,7 +1905,259 @@
     </p:spTree>
     <p:extLst>
       <p:ext uri="{BB962C8B-B14F-4D97-AF65-F5344CB8AC3E}">
-        <p14:creationId xmlns:p14="http://schemas.microsoft.com/office/powerpoint/2010/main" val="4290351292"/>
+        <p14:creationId xmlns:p14="http://schemas.microsoft.com/office/powerpoint/2010/main" val="3227362709"/>
+      </p:ext>
+    </p:extLst>
+  </p:cSld>
+  <p:clrMapOvr>
+    <a:masterClrMapping/>
+  </p:clrMapOvr>
+</p:notes>
+</file>
+
+<file path=ppt/notesSlides/notesSlide7.xml><?xml version="1.0" encoding="utf-8"?>
+<p:notes xmlns:a="http://schemas.openxmlformats.org/drawingml/2006/main" xmlns:r="http://schemas.openxmlformats.org/officeDocument/2006/relationships" xmlns:p="http://schemas.openxmlformats.org/presentationml/2006/main">
+  <p:cSld>
+    <p:spTree>
+      <p:nvGrpSpPr>
+        <p:cNvPr id="1" name="">
+          <a:extLst>
+            <a:ext uri="{FF2B5EF4-FFF2-40B4-BE49-F238E27FC236}">
+              <a16:creationId xmlns:a16="http://schemas.microsoft.com/office/drawing/2014/main" id="{D962744B-1E96-2E8C-292E-66F6CF07D49F}"/>
+            </a:ext>
+          </a:extLst>
+        </p:cNvPr>
+        <p:cNvGrpSpPr/>
+        <p:nvPr/>
+      </p:nvGrpSpPr>
+      <p:grpSpPr>
+        <a:xfrm>
+          <a:off x="0" y="0"/>
+          <a:ext cx="0" cy="0"/>
+          <a:chOff x="0" y="0"/>
+          <a:chExt cx="0" cy="0"/>
+        </a:xfrm>
+      </p:grpSpPr>
+      <p:sp>
+        <p:nvSpPr>
+          <p:cNvPr id="2" name="Espaço Reservado para Imagem de Slide 1">
+            <a:extLst>
+              <a:ext uri="{FF2B5EF4-FFF2-40B4-BE49-F238E27FC236}">
+                <a16:creationId xmlns:a16="http://schemas.microsoft.com/office/drawing/2014/main" id="{BD32F4CF-0821-615E-422D-1B22CF908A67}"/>
+              </a:ext>
+            </a:extLst>
+          </p:cNvPr>
+          <p:cNvSpPr>
+            <a:spLocks noGrp="1" noRot="1" noChangeAspect="1"/>
+          </p:cNvSpPr>
+          <p:nvPr>
+            <p:ph type="sldImg"/>
+          </p:nvPr>
+        </p:nvSpPr>
+        <p:spPr>
+          <a:xfrm>
+            <a:off x="381000" y="685800"/>
+            <a:ext cx="6096000" cy="3429000"/>
+          </a:xfrm>
+        </p:spPr>
+      </p:sp>
+      <p:sp>
+        <p:nvSpPr>
+          <p:cNvPr id="3" name="Espaço Reservado para Anotações 2">
+            <a:extLst>
+              <a:ext uri="{FF2B5EF4-FFF2-40B4-BE49-F238E27FC236}">
+                <a16:creationId xmlns:a16="http://schemas.microsoft.com/office/drawing/2014/main" id="{F3B4D81D-C3BA-4AF8-C9A5-63F8E3751858}"/>
+              </a:ext>
+            </a:extLst>
+          </p:cNvPr>
+          <p:cNvSpPr>
+            <a:spLocks noGrp="1"/>
+          </p:cNvSpPr>
+          <p:nvPr>
+            <p:ph type="body" idx="1"/>
+          </p:nvPr>
+        </p:nvSpPr>
+        <p:spPr/>
+        <p:txBody>
+          <a:bodyPr/>
+          <a:lstStyle/>
+          <a:p>
+            <a:endParaRPr lang="pt-BR" dirty="0"/>
+          </a:p>
+        </p:txBody>
+      </p:sp>
+    </p:spTree>
+    <p:extLst>
+      <p:ext uri="{BB962C8B-B14F-4D97-AF65-F5344CB8AC3E}">
+        <p14:creationId xmlns:p14="http://schemas.microsoft.com/office/powerpoint/2010/main" val="3786110173"/>
+      </p:ext>
+    </p:extLst>
+  </p:cSld>
+  <p:clrMapOvr>
+    <a:masterClrMapping/>
+  </p:clrMapOvr>
+</p:notes>
+</file>
+
+<file path=ppt/notesSlides/notesSlide8.xml><?xml version="1.0" encoding="utf-8"?>
+<p:notes xmlns:a="http://schemas.openxmlformats.org/drawingml/2006/main" xmlns:r="http://schemas.openxmlformats.org/officeDocument/2006/relationships" xmlns:p="http://schemas.openxmlformats.org/presentationml/2006/main">
+  <p:cSld>
+    <p:spTree>
+      <p:nvGrpSpPr>
+        <p:cNvPr id="1" name="">
+          <a:extLst>
+            <a:ext uri="{FF2B5EF4-FFF2-40B4-BE49-F238E27FC236}">
+              <a16:creationId xmlns:a16="http://schemas.microsoft.com/office/drawing/2014/main" id="{FA7AAB7D-C8D9-0B2C-1CC7-38F99E797B05}"/>
+            </a:ext>
+          </a:extLst>
+        </p:cNvPr>
+        <p:cNvGrpSpPr/>
+        <p:nvPr/>
+      </p:nvGrpSpPr>
+      <p:grpSpPr>
+        <a:xfrm>
+          <a:off x="0" y="0"/>
+          <a:ext cx="0" cy="0"/>
+          <a:chOff x="0" y="0"/>
+          <a:chExt cx="0" cy="0"/>
+        </a:xfrm>
+      </p:grpSpPr>
+      <p:sp>
+        <p:nvSpPr>
+          <p:cNvPr id="2" name="Espaço Reservado para Imagem de Slide 1">
+            <a:extLst>
+              <a:ext uri="{FF2B5EF4-FFF2-40B4-BE49-F238E27FC236}">
+                <a16:creationId xmlns:a16="http://schemas.microsoft.com/office/drawing/2014/main" id="{9DA0A32E-70C1-682D-886B-9ABADF4C8578}"/>
+              </a:ext>
+            </a:extLst>
+          </p:cNvPr>
+          <p:cNvSpPr>
+            <a:spLocks noGrp="1" noRot="1" noChangeAspect="1"/>
+          </p:cNvSpPr>
+          <p:nvPr>
+            <p:ph type="sldImg"/>
+          </p:nvPr>
+        </p:nvSpPr>
+        <p:spPr>
+          <a:xfrm>
+            <a:off x="381000" y="685800"/>
+            <a:ext cx="6096000" cy="3429000"/>
+          </a:xfrm>
+        </p:spPr>
+      </p:sp>
+      <p:sp>
+        <p:nvSpPr>
+          <p:cNvPr id="3" name="Espaço Reservado para Anotações 2">
+            <a:extLst>
+              <a:ext uri="{FF2B5EF4-FFF2-40B4-BE49-F238E27FC236}">
+                <a16:creationId xmlns:a16="http://schemas.microsoft.com/office/drawing/2014/main" id="{5B43C10B-83CF-789A-F326-814FE832762D}"/>
+              </a:ext>
+            </a:extLst>
+          </p:cNvPr>
+          <p:cNvSpPr>
+            <a:spLocks noGrp="1"/>
+          </p:cNvSpPr>
+          <p:nvPr>
+            <p:ph type="body" idx="1"/>
+          </p:nvPr>
+        </p:nvSpPr>
+        <p:spPr/>
+        <p:txBody>
+          <a:bodyPr/>
+          <a:lstStyle/>
+          <a:p>
+            <a:endParaRPr lang="pt-BR" dirty="0"/>
+          </a:p>
+        </p:txBody>
+      </p:sp>
+    </p:spTree>
+    <p:extLst>
+      <p:ext uri="{BB962C8B-B14F-4D97-AF65-F5344CB8AC3E}">
+        <p14:creationId xmlns:p14="http://schemas.microsoft.com/office/powerpoint/2010/main" val="3164789804"/>
+      </p:ext>
+    </p:extLst>
+  </p:cSld>
+  <p:clrMapOvr>
+    <a:masterClrMapping/>
+  </p:clrMapOvr>
+</p:notes>
+</file>
+
+<file path=ppt/notesSlides/notesSlide9.xml><?xml version="1.0" encoding="utf-8"?>
+<p:notes xmlns:a="http://schemas.openxmlformats.org/drawingml/2006/main" xmlns:r="http://schemas.openxmlformats.org/officeDocument/2006/relationships" xmlns:p="http://schemas.openxmlformats.org/presentationml/2006/main">
+  <p:cSld>
+    <p:spTree>
+      <p:nvGrpSpPr>
+        <p:cNvPr id="1" name="">
+          <a:extLst>
+            <a:ext uri="{FF2B5EF4-FFF2-40B4-BE49-F238E27FC236}">
+              <a16:creationId xmlns:a16="http://schemas.microsoft.com/office/drawing/2014/main" id="{C0044C34-3096-EAE7-3259-E64E1CEB8DD4}"/>
+            </a:ext>
+          </a:extLst>
+        </p:cNvPr>
+        <p:cNvGrpSpPr/>
+        <p:nvPr/>
+      </p:nvGrpSpPr>
+      <p:grpSpPr>
+        <a:xfrm>
+          <a:off x="0" y="0"/>
+          <a:ext cx="0" cy="0"/>
+          <a:chOff x="0" y="0"/>
+          <a:chExt cx="0" cy="0"/>
+        </a:xfrm>
+      </p:grpSpPr>
+      <p:sp>
+        <p:nvSpPr>
+          <p:cNvPr id="2" name="Espaço Reservado para Imagem de Slide 1">
+            <a:extLst>
+              <a:ext uri="{FF2B5EF4-FFF2-40B4-BE49-F238E27FC236}">
+                <a16:creationId xmlns:a16="http://schemas.microsoft.com/office/drawing/2014/main" id="{8A5ED198-B3C3-69E6-F3EC-E504AAF38140}"/>
+              </a:ext>
+            </a:extLst>
+          </p:cNvPr>
+          <p:cNvSpPr>
+            <a:spLocks noGrp="1" noRot="1" noChangeAspect="1"/>
+          </p:cNvSpPr>
+          <p:nvPr>
+            <p:ph type="sldImg"/>
+          </p:nvPr>
+        </p:nvSpPr>
+        <p:spPr>
+          <a:xfrm>
+            <a:off x="381000" y="685800"/>
+            <a:ext cx="6096000" cy="3429000"/>
+          </a:xfrm>
+        </p:spPr>
+      </p:sp>
+      <p:sp>
+        <p:nvSpPr>
+          <p:cNvPr id="3" name="Espaço Reservado para Anotações 2">
+            <a:extLst>
+              <a:ext uri="{FF2B5EF4-FFF2-40B4-BE49-F238E27FC236}">
+                <a16:creationId xmlns:a16="http://schemas.microsoft.com/office/drawing/2014/main" id="{F66065EB-1AAF-2C83-0F1E-EB2D10530AED}"/>
+              </a:ext>
+            </a:extLst>
+          </p:cNvPr>
+          <p:cNvSpPr>
+            <a:spLocks noGrp="1"/>
+          </p:cNvSpPr>
+          <p:nvPr>
+            <p:ph type="body" idx="1"/>
+          </p:nvPr>
+        </p:nvSpPr>
+        <p:spPr/>
+        <p:txBody>
+          <a:bodyPr/>
+          <a:lstStyle/>
+          <a:p>
+            <a:endParaRPr lang="pt-BR" dirty="0"/>
+          </a:p>
+        </p:txBody>
+      </p:sp>
+    </p:spTree>
+    <p:extLst>
+      <p:ext uri="{BB962C8B-B14F-4D97-AF65-F5344CB8AC3E}">
+        <p14:creationId xmlns:p14="http://schemas.microsoft.com/office/powerpoint/2010/main" val="949696185"/>
       </p:ext>
     </p:extLst>
   </p:cSld>
@@ -3829,6 +5104,3370 @@
 </p:sld>
 </file>
 
+<file path=ppt/slides/slide10.xml><?xml version="1.0" encoding="utf-8"?>
+<p:sld xmlns:a="http://schemas.openxmlformats.org/drawingml/2006/main" xmlns:r="http://schemas.openxmlformats.org/officeDocument/2006/relationships" xmlns:p="http://schemas.openxmlformats.org/presentationml/2006/main">
+  <p:cSld>
+    <p:spTree>
+      <p:nvGrpSpPr>
+        <p:cNvPr id="1" name="">
+          <a:extLst>
+            <a:ext uri="{FF2B5EF4-FFF2-40B4-BE49-F238E27FC236}">
+              <a16:creationId xmlns:a16="http://schemas.microsoft.com/office/drawing/2014/main" id="{5BCB3FBE-6F71-656A-56CD-51C04B554747}"/>
+            </a:ext>
+          </a:extLst>
+        </p:cNvPr>
+        <p:cNvGrpSpPr/>
+        <p:nvPr/>
+      </p:nvGrpSpPr>
+      <p:grpSpPr>
+        <a:xfrm>
+          <a:off x="0" y="0"/>
+          <a:ext cx="0" cy="0"/>
+          <a:chOff x="0" y="0"/>
+          <a:chExt cx="0" cy="0"/>
+        </a:xfrm>
+      </p:grpSpPr>
+      <p:sp>
+        <p:nvSpPr>
+          <p:cNvPr id="6" name="Title 1">
+            <a:extLst>
+              <a:ext uri="{FF2B5EF4-FFF2-40B4-BE49-F238E27FC236}">
+                <a16:creationId xmlns:a16="http://schemas.microsoft.com/office/drawing/2014/main" id="{4FF71DD7-0D1E-93E0-D661-BB3B69FB1BE0}"/>
+              </a:ext>
+            </a:extLst>
+          </p:cNvPr>
+          <p:cNvSpPr>
+            <a:spLocks noGrp="1"/>
+          </p:cNvSpPr>
+          <p:nvPr>
+            <p:ph type="title"/>
+          </p:nvPr>
+        </p:nvSpPr>
+        <p:spPr>
+          <a:xfrm>
+            <a:off x="457200" y="205980"/>
+            <a:ext cx="8229600" cy="857251"/>
+          </a:xfrm>
+        </p:spPr>
+        <p:txBody>
+          <a:bodyPr>
+            <a:normAutofit/>
+          </a:bodyPr>
+          <a:lstStyle/>
+          <a:p>
+            <a:r>
+              <a:rPr lang="en-US" b="1" dirty="0" err="1">
+                <a:solidFill>
+                  <a:srgbClr val="0070C0"/>
+                </a:solidFill>
+              </a:rPr>
+              <a:t>Recursividade</a:t>
+            </a:r>
+            <a:r>
+              <a:rPr lang="en-US" b="1" dirty="0">
+                <a:solidFill>
+                  <a:srgbClr val="0070C0"/>
+                </a:solidFill>
+              </a:rPr>
+              <a:t> – </a:t>
+            </a:r>
+            <a:r>
+              <a:rPr lang="en-US" b="1" dirty="0" err="1">
+                <a:solidFill>
+                  <a:srgbClr val="0070C0"/>
+                </a:solidFill>
+              </a:rPr>
+              <a:t>Comparação</a:t>
+            </a:r>
+            <a:endParaRPr lang="en-US" b="1" dirty="0">
+              <a:solidFill>
+                <a:srgbClr val="0070C0"/>
+              </a:solidFill>
+            </a:endParaRPr>
+          </a:p>
+        </p:txBody>
+      </p:sp>
+      <p:sp>
+        <p:nvSpPr>
+          <p:cNvPr id="8" name="Text Placeholder 2">
+            <a:extLst>
+              <a:ext uri="{FF2B5EF4-FFF2-40B4-BE49-F238E27FC236}">
+                <a16:creationId xmlns:a16="http://schemas.microsoft.com/office/drawing/2014/main" id="{BB784A23-03CD-ABF7-4BFC-E7B1C8CAAB9F}"/>
+              </a:ext>
+            </a:extLst>
+          </p:cNvPr>
+          <p:cNvSpPr>
+            <a:spLocks noGrp="1"/>
+          </p:cNvSpPr>
+          <p:nvPr>
+            <p:ph type="body" sz="half" idx="1"/>
+          </p:nvPr>
+        </p:nvSpPr>
+        <p:spPr>
+          <a:xfrm>
+            <a:off x="142865" y="1200150"/>
+            <a:ext cx="8865056" cy="3737370"/>
+          </a:xfrm>
+        </p:spPr>
+        <p:txBody>
+          <a:bodyPr>
+            <a:noAutofit/>
+          </a:bodyPr>
+          <a:lstStyle/>
+          <a:p>
+            <a:pPr marL="0" indent="0" algn="just">
+              <a:buNone/>
+            </a:pPr>
+            <a:r>
+              <a:rPr lang="pt-BR" sz="2400" dirty="0">
+                <a:solidFill>
+                  <a:schemeClr val="tx1"/>
+                </a:solidFill>
+                <a:latin typeface="Times New Roman" panose="02020603050405020304" pitchFamily="18" charset="0"/>
+                <a:cs typeface="Times New Roman" panose="02020603050405020304" pitchFamily="18" charset="0"/>
+              </a:rPr>
+              <a:t>Algoritmos podem ser escritos de forma </a:t>
+            </a:r>
+            <a:r>
+              <a:rPr lang="pt-BR" sz="2400" b="1" dirty="0">
+                <a:solidFill>
+                  <a:schemeClr val="tx1"/>
+                </a:solidFill>
+                <a:latin typeface="Times New Roman" panose="02020603050405020304" pitchFamily="18" charset="0"/>
+                <a:cs typeface="Times New Roman" panose="02020603050405020304" pitchFamily="18" charset="0"/>
+              </a:rPr>
+              <a:t>iterativa</a:t>
+            </a:r>
+            <a:r>
+              <a:rPr lang="pt-BR" sz="2400" dirty="0">
+                <a:solidFill>
+                  <a:schemeClr val="tx1"/>
+                </a:solidFill>
+                <a:latin typeface="Times New Roman" panose="02020603050405020304" pitchFamily="18" charset="0"/>
+                <a:cs typeface="Times New Roman" panose="02020603050405020304" pitchFamily="18" charset="0"/>
+              </a:rPr>
+              <a:t> ou </a:t>
+            </a:r>
+            <a:r>
+              <a:rPr lang="pt-BR" sz="2400" b="1" dirty="0">
+                <a:solidFill>
+                  <a:srgbClr val="FF0000"/>
+                </a:solidFill>
+                <a:latin typeface="Times New Roman" panose="02020603050405020304" pitchFamily="18" charset="0"/>
+                <a:cs typeface="Times New Roman" panose="02020603050405020304" pitchFamily="18" charset="0"/>
+              </a:rPr>
+              <a:t>recursiva</a:t>
+            </a:r>
+            <a:r>
+              <a:rPr lang="pt-BR" sz="2400" dirty="0">
+                <a:solidFill>
+                  <a:schemeClr val="tx1"/>
+                </a:solidFill>
+                <a:latin typeface="Times New Roman" panose="02020603050405020304" pitchFamily="18" charset="0"/>
+                <a:cs typeface="Times New Roman" panose="02020603050405020304" pitchFamily="18" charset="0"/>
+              </a:rPr>
+              <a:t>:</a:t>
+            </a:r>
+          </a:p>
+          <a:p>
+            <a:pPr marL="0" indent="0" algn="just">
+              <a:buNone/>
+            </a:pPr>
+            <a:endParaRPr lang="pt-BR" sz="2400" dirty="0">
+              <a:solidFill>
+                <a:schemeClr val="tx1"/>
+              </a:solidFill>
+              <a:latin typeface="Times New Roman" panose="02020603050405020304" pitchFamily="18" charset="0"/>
+              <a:cs typeface="Times New Roman" panose="02020603050405020304" pitchFamily="18" charset="0"/>
+            </a:endParaRPr>
+          </a:p>
+          <a:p>
+            <a:pPr algn="just"/>
+            <a:r>
+              <a:rPr lang="pt-BR" sz="2400" dirty="0">
+                <a:solidFill>
+                  <a:schemeClr val="tx1"/>
+                </a:solidFill>
+                <a:latin typeface="Times New Roman" panose="02020603050405020304" pitchFamily="18" charset="0"/>
+                <a:cs typeface="Times New Roman" panose="02020603050405020304" pitchFamily="18" charset="0"/>
+              </a:rPr>
+              <a:t>Clareza de código</a:t>
+            </a:r>
+          </a:p>
+          <a:p>
+            <a:pPr algn="just"/>
+            <a:endParaRPr lang="pt-BR" sz="2400" dirty="0">
+              <a:solidFill>
+                <a:schemeClr val="tx1"/>
+              </a:solidFill>
+              <a:latin typeface="Times New Roman" panose="02020603050405020304" pitchFamily="18" charset="0"/>
+              <a:cs typeface="Times New Roman" panose="02020603050405020304" pitchFamily="18" charset="0"/>
+            </a:endParaRPr>
+          </a:p>
+          <a:p>
+            <a:pPr algn="just"/>
+            <a:r>
+              <a:rPr lang="pt-BR" sz="2400" dirty="0">
+                <a:solidFill>
+                  <a:schemeClr val="tx1"/>
+                </a:solidFill>
+                <a:latin typeface="Times New Roman" panose="02020603050405020304" pitchFamily="18" charset="0"/>
+                <a:cs typeface="Times New Roman" panose="02020603050405020304" pitchFamily="18" charset="0"/>
+              </a:rPr>
+              <a:t>Eficiência</a:t>
+            </a:r>
+          </a:p>
+          <a:p>
+            <a:pPr algn="just"/>
+            <a:endParaRPr lang="pt-BR" sz="2400" dirty="0">
+              <a:solidFill>
+                <a:schemeClr val="tx1"/>
+              </a:solidFill>
+              <a:latin typeface="Times New Roman" panose="02020603050405020304" pitchFamily="18" charset="0"/>
+              <a:cs typeface="Times New Roman" panose="02020603050405020304" pitchFamily="18" charset="0"/>
+            </a:endParaRPr>
+          </a:p>
+          <a:p>
+            <a:pPr algn="just"/>
+            <a:r>
+              <a:rPr lang="pt-BR" sz="2400" dirty="0">
+                <a:solidFill>
+                  <a:schemeClr val="tx1"/>
+                </a:solidFill>
+                <a:latin typeface="Times New Roman" panose="02020603050405020304" pitchFamily="18" charset="0"/>
+                <a:cs typeface="Times New Roman" panose="02020603050405020304" pitchFamily="18" charset="0"/>
+              </a:rPr>
+              <a:t>Complexidade (</a:t>
+            </a:r>
+            <a:r>
+              <a:rPr lang="pt-BR" sz="2400" b="1" dirty="0">
+                <a:solidFill>
+                  <a:srgbClr val="FF0000"/>
+                </a:solidFill>
+                <a:latin typeface="Times New Roman" panose="02020603050405020304" pitchFamily="18" charset="0"/>
+                <a:cs typeface="Times New Roman" panose="02020603050405020304" pitchFamily="18" charset="0"/>
+              </a:rPr>
+              <a:t>tempo e espaço</a:t>
+            </a:r>
+            <a:r>
+              <a:rPr lang="pt-BR" sz="2400" dirty="0">
+                <a:solidFill>
+                  <a:schemeClr val="tx1"/>
+                </a:solidFill>
+                <a:latin typeface="Times New Roman" panose="02020603050405020304" pitchFamily="18" charset="0"/>
+                <a:cs typeface="Times New Roman" panose="02020603050405020304" pitchFamily="18" charset="0"/>
+              </a:rPr>
+              <a:t>)</a:t>
+            </a:r>
+          </a:p>
+        </p:txBody>
+      </p:sp>
+    </p:spTree>
+    <p:extLst>
+      <p:ext uri="{BB962C8B-B14F-4D97-AF65-F5344CB8AC3E}">
+        <p14:creationId xmlns:p14="http://schemas.microsoft.com/office/powerpoint/2010/main" val="557541513"/>
+      </p:ext>
+    </p:extLst>
+  </p:cSld>
+  <p:clrMapOvr>
+    <a:masterClrMapping/>
+  </p:clrMapOvr>
+  <p:transition spd="med"/>
+</p:sld>
+</file>
+
+<file path=ppt/slides/slide11.xml><?xml version="1.0" encoding="utf-8"?>
+<p:sld xmlns:a="http://schemas.openxmlformats.org/drawingml/2006/main" xmlns:r="http://schemas.openxmlformats.org/officeDocument/2006/relationships" xmlns:p="http://schemas.openxmlformats.org/presentationml/2006/main">
+  <p:cSld>
+    <p:spTree>
+      <p:nvGrpSpPr>
+        <p:cNvPr id="1" name="">
+          <a:extLst>
+            <a:ext uri="{FF2B5EF4-FFF2-40B4-BE49-F238E27FC236}">
+              <a16:creationId xmlns:a16="http://schemas.microsoft.com/office/drawing/2014/main" id="{602A011F-7798-780B-DA2D-C49B3A5DF13B}"/>
+            </a:ext>
+          </a:extLst>
+        </p:cNvPr>
+        <p:cNvGrpSpPr/>
+        <p:nvPr/>
+      </p:nvGrpSpPr>
+      <p:grpSpPr>
+        <a:xfrm>
+          <a:off x="0" y="0"/>
+          <a:ext cx="0" cy="0"/>
+          <a:chOff x="0" y="0"/>
+          <a:chExt cx="0" cy="0"/>
+        </a:xfrm>
+      </p:grpSpPr>
+      <p:sp>
+        <p:nvSpPr>
+          <p:cNvPr id="6" name="Title 1">
+            <a:extLst>
+              <a:ext uri="{FF2B5EF4-FFF2-40B4-BE49-F238E27FC236}">
+                <a16:creationId xmlns:a16="http://schemas.microsoft.com/office/drawing/2014/main" id="{77AAF7F7-C128-CE81-EC95-33AB88E8DCC4}"/>
+              </a:ext>
+            </a:extLst>
+          </p:cNvPr>
+          <p:cNvSpPr>
+            <a:spLocks noGrp="1"/>
+          </p:cNvSpPr>
+          <p:nvPr>
+            <p:ph type="title"/>
+          </p:nvPr>
+        </p:nvSpPr>
+        <p:spPr>
+          <a:xfrm>
+            <a:off x="457200" y="205980"/>
+            <a:ext cx="8229600" cy="857251"/>
+          </a:xfrm>
+        </p:spPr>
+        <p:txBody>
+          <a:bodyPr>
+            <a:normAutofit/>
+          </a:bodyPr>
+          <a:lstStyle/>
+          <a:p>
+            <a:r>
+              <a:rPr lang="en-US" b="1" dirty="0" err="1">
+                <a:solidFill>
+                  <a:srgbClr val="0070C0"/>
+                </a:solidFill>
+              </a:rPr>
+              <a:t>Recursividade</a:t>
+            </a:r>
+            <a:r>
+              <a:rPr lang="en-US" b="1" dirty="0">
+                <a:solidFill>
+                  <a:srgbClr val="0070C0"/>
+                </a:solidFill>
+              </a:rPr>
+              <a:t> – </a:t>
+            </a:r>
+            <a:r>
+              <a:rPr lang="en-US" b="1" dirty="0" err="1">
+                <a:solidFill>
+                  <a:srgbClr val="0070C0"/>
+                </a:solidFill>
+              </a:rPr>
+              <a:t>Análise</a:t>
+            </a:r>
+            <a:endParaRPr lang="en-US" b="1" dirty="0">
+              <a:solidFill>
+                <a:srgbClr val="0070C0"/>
+              </a:solidFill>
+            </a:endParaRPr>
+          </a:p>
+        </p:txBody>
+      </p:sp>
+      <p:sp>
+        <p:nvSpPr>
+          <p:cNvPr id="8" name="Text Placeholder 2">
+            <a:extLst>
+              <a:ext uri="{FF2B5EF4-FFF2-40B4-BE49-F238E27FC236}">
+                <a16:creationId xmlns:a16="http://schemas.microsoft.com/office/drawing/2014/main" id="{DCB0644C-F7DE-2E66-570E-71D4EE578E51}"/>
+              </a:ext>
+            </a:extLst>
+          </p:cNvPr>
+          <p:cNvSpPr>
+            <a:spLocks noGrp="1"/>
+          </p:cNvSpPr>
+          <p:nvPr>
+            <p:ph type="body" sz="half" idx="1"/>
+          </p:nvPr>
+        </p:nvSpPr>
+        <p:spPr>
+          <a:xfrm>
+            <a:off x="142865" y="1200150"/>
+            <a:ext cx="8865056" cy="3737370"/>
+          </a:xfrm>
+        </p:spPr>
+        <p:txBody>
+          <a:bodyPr>
+            <a:noAutofit/>
+          </a:bodyPr>
+          <a:lstStyle/>
+          <a:p>
+            <a:pPr algn="just"/>
+            <a:r>
+              <a:rPr lang="pt-BR" sz="2400" dirty="0">
+                <a:solidFill>
+                  <a:schemeClr val="tx1"/>
+                </a:solidFill>
+                <a:latin typeface="Times New Roman" panose="02020603050405020304" pitchFamily="18" charset="0"/>
+                <a:cs typeface="Times New Roman" panose="02020603050405020304" pitchFamily="18" charset="0"/>
+              </a:rPr>
+              <a:t>Cada chamada recursiva adiciona uma nova ativação na pilha de execução.</a:t>
+            </a:r>
+          </a:p>
+          <a:p>
+            <a:pPr algn="just"/>
+            <a:endParaRPr lang="pt-BR" sz="2400" dirty="0">
+              <a:solidFill>
+                <a:schemeClr val="tx1"/>
+              </a:solidFill>
+              <a:latin typeface="Times New Roman" panose="02020603050405020304" pitchFamily="18" charset="0"/>
+              <a:cs typeface="Times New Roman" panose="02020603050405020304" pitchFamily="18" charset="0"/>
+            </a:endParaRPr>
+          </a:p>
+          <a:p>
+            <a:pPr algn="just"/>
+            <a:r>
+              <a:rPr lang="pt-BR" sz="2400" dirty="0">
+                <a:solidFill>
+                  <a:schemeClr val="tx1"/>
+                </a:solidFill>
+                <a:latin typeface="Times New Roman" panose="02020603050405020304" pitchFamily="18" charset="0"/>
+                <a:cs typeface="Times New Roman" panose="02020603050405020304" pitchFamily="18" charset="0"/>
+              </a:rPr>
+              <a:t>Precisamos analisar:</a:t>
+            </a:r>
+          </a:p>
+          <a:p>
+            <a:pPr lvl="1" algn="just"/>
+            <a:r>
+              <a:rPr lang="pt-BR" sz="2400" dirty="0">
+                <a:solidFill>
+                  <a:schemeClr val="tx1"/>
+                </a:solidFill>
+                <a:latin typeface="Times New Roman" panose="02020603050405020304" pitchFamily="18" charset="0"/>
+                <a:cs typeface="Times New Roman" panose="02020603050405020304" pitchFamily="18" charset="0"/>
+              </a:rPr>
+              <a:t>número de chamadas</a:t>
+            </a:r>
+          </a:p>
+          <a:p>
+            <a:pPr lvl="1" algn="just"/>
+            <a:r>
+              <a:rPr lang="pt-BR" sz="2400" dirty="0">
+                <a:solidFill>
+                  <a:schemeClr val="tx1"/>
+                </a:solidFill>
+                <a:latin typeface="Times New Roman" panose="02020603050405020304" pitchFamily="18" charset="0"/>
+                <a:cs typeface="Times New Roman" panose="02020603050405020304" pitchFamily="18" charset="0"/>
+              </a:rPr>
+              <a:t>custo de cada chamada</a:t>
+            </a:r>
+          </a:p>
+        </p:txBody>
+      </p:sp>
+    </p:spTree>
+    <p:extLst>
+      <p:ext uri="{BB962C8B-B14F-4D97-AF65-F5344CB8AC3E}">
+        <p14:creationId xmlns:p14="http://schemas.microsoft.com/office/powerpoint/2010/main" val="2909580877"/>
+      </p:ext>
+    </p:extLst>
+  </p:cSld>
+  <p:clrMapOvr>
+    <a:masterClrMapping/>
+  </p:clrMapOvr>
+  <p:transition spd="med"/>
+</p:sld>
+</file>
+
+<file path=ppt/slides/slide12.xml><?xml version="1.0" encoding="utf-8"?>
+<p:sld xmlns:a="http://schemas.openxmlformats.org/drawingml/2006/main" xmlns:r="http://schemas.openxmlformats.org/officeDocument/2006/relationships" xmlns:p="http://schemas.openxmlformats.org/presentationml/2006/main">
+  <p:cSld>
+    <p:spTree>
+      <p:nvGrpSpPr>
+        <p:cNvPr id="1" name="">
+          <a:extLst>
+            <a:ext uri="{FF2B5EF4-FFF2-40B4-BE49-F238E27FC236}">
+              <a16:creationId xmlns:a16="http://schemas.microsoft.com/office/drawing/2014/main" id="{B3761C39-28DB-3E59-5504-718CF183C74D}"/>
+            </a:ext>
+          </a:extLst>
+        </p:cNvPr>
+        <p:cNvGrpSpPr/>
+        <p:nvPr/>
+      </p:nvGrpSpPr>
+      <p:grpSpPr>
+        <a:xfrm>
+          <a:off x="0" y="0"/>
+          <a:ext cx="0" cy="0"/>
+          <a:chOff x="0" y="0"/>
+          <a:chExt cx="0" cy="0"/>
+        </a:xfrm>
+      </p:grpSpPr>
+      <p:sp>
+        <p:nvSpPr>
+          <p:cNvPr id="6" name="Title 1">
+            <a:extLst>
+              <a:ext uri="{FF2B5EF4-FFF2-40B4-BE49-F238E27FC236}">
+                <a16:creationId xmlns:a16="http://schemas.microsoft.com/office/drawing/2014/main" id="{4421ABE6-9BE7-C829-4369-A0C8C874EAA9}"/>
+              </a:ext>
+            </a:extLst>
+          </p:cNvPr>
+          <p:cNvSpPr>
+            <a:spLocks noGrp="1"/>
+          </p:cNvSpPr>
+          <p:nvPr>
+            <p:ph type="title"/>
+          </p:nvPr>
+        </p:nvSpPr>
+        <p:spPr>
+          <a:xfrm>
+            <a:off x="457200" y="205980"/>
+            <a:ext cx="8229600" cy="857251"/>
+          </a:xfrm>
+        </p:spPr>
+        <p:txBody>
+          <a:bodyPr>
+            <a:normAutofit fontScale="90000"/>
+          </a:bodyPr>
+          <a:lstStyle/>
+          <a:p>
+            <a:r>
+              <a:rPr lang="en-US" b="1" dirty="0" err="1">
+                <a:solidFill>
+                  <a:srgbClr val="0070C0"/>
+                </a:solidFill>
+              </a:rPr>
+              <a:t>Recursividade</a:t>
+            </a:r>
+            <a:r>
+              <a:rPr lang="en-US" b="1" dirty="0">
+                <a:solidFill>
+                  <a:srgbClr val="0070C0"/>
+                </a:solidFill>
+              </a:rPr>
+              <a:t> – </a:t>
+            </a:r>
+            <a:r>
+              <a:rPr lang="en-US" b="1" dirty="0" err="1">
+                <a:solidFill>
+                  <a:srgbClr val="0070C0"/>
+                </a:solidFill>
+              </a:rPr>
+              <a:t>Análise</a:t>
+            </a:r>
+            <a:r>
+              <a:rPr lang="en-US" b="1" dirty="0">
+                <a:solidFill>
+                  <a:srgbClr val="0070C0"/>
+                </a:solidFill>
+              </a:rPr>
+              <a:t> de Complex.</a:t>
+            </a:r>
+          </a:p>
+        </p:txBody>
+      </p:sp>
+      <p:sp>
+        <p:nvSpPr>
+          <p:cNvPr id="8" name="Text Placeholder 2">
+            <a:extLst>
+              <a:ext uri="{FF2B5EF4-FFF2-40B4-BE49-F238E27FC236}">
+                <a16:creationId xmlns:a16="http://schemas.microsoft.com/office/drawing/2014/main" id="{78AAD2F4-300A-8706-52EC-867D6AD84B42}"/>
+              </a:ext>
+            </a:extLst>
+          </p:cNvPr>
+          <p:cNvSpPr>
+            <a:spLocks noGrp="1"/>
+          </p:cNvSpPr>
+          <p:nvPr>
+            <p:ph type="body" sz="half" idx="1"/>
+          </p:nvPr>
+        </p:nvSpPr>
+        <p:spPr>
+          <a:xfrm>
+            <a:off x="142865" y="1200150"/>
+            <a:ext cx="8865056" cy="3737370"/>
+          </a:xfrm>
+        </p:spPr>
+        <p:txBody>
+          <a:bodyPr>
+            <a:noAutofit/>
+          </a:bodyPr>
+          <a:lstStyle/>
+          <a:p>
+            <a:pPr marL="0" indent="0" algn="just">
+              <a:buNone/>
+            </a:pPr>
+            <a:r>
+              <a:rPr lang="pt-BR" sz="2400" dirty="0">
+                <a:solidFill>
+                  <a:schemeClr val="tx1"/>
+                </a:solidFill>
+                <a:latin typeface="Times New Roman" panose="02020603050405020304" pitchFamily="18" charset="0"/>
+                <a:cs typeface="Times New Roman" panose="02020603050405020304" pitchFamily="18" charset="0"/>
+              </a:rPr>
+              <a:t>Exemplo: </a:t>
+            </a:r>
+            <a:r>
+              <a:rPr lang="pt-BR" sz="2400" b="1" dirty="0">
+                <a:solidFill>
+                  <a:srgbClr val="FF0000"/>
+                </a:solidFill>
+                <a:latin typeface="Times New Roman" panose="02020603050405020304" pitchFamily="18" charset="0"/>
+                <a:cs typeface="Times New Roman" panose="02020603050405020304" pitchFamily="18" charset="0"/>
+              </a:rPr>
+              <a:t>Fatorial</a:t>
+            </a:r>
+          </a:p>
+          <a:p>
+            <a:pPr marL="0" indent="0" algn="just">
+              <a:buNone/>
+            </a:pPr>
+            <a:endParaRPr lang="pt-BR" sz="2400" dirty="0">
+              <a:solidFill>
+                <a:schemeClr val="tx1"/>
+              </a:solidFill>
+              <a:latin typeface="Times New Roman" panose="02020603050405020304" pitchFamily="18" charset="0"/>
+              <a:cs typeface="Times New Roman" panose="02020603050405020304" pitchFamily="18" charset="0"/>
+            </a:endParaRPr>
+          </a:p>
+          <a:p>
+            <a:pPr algn="just"/>
+            <a:r>
+              <a:rPr lang="pt-BR" sz="2400" dirty="0">
+                <a:solidFill>
+                  <a:schemeClr val="tx1"/>
+                </a:solidFill>
+                <a:latin typeface="Times New Roman" panose="02020603050405020304" pitchFamily="18" charset="0"/>
+                <a:cs typeface="Times New Roman" panose="02020603050405020304" pitchFamily="18" charset="0"/>
+              </a:rPr>
+              <a:t>Para n, teremos n chamadas.</a:t>
+            </a:r>
+          </a:p>
+          <a:p>
+            <a:pPr algn="just"/>
+            <a:endParaRPr lang="pt-BR" sz="2400" dirty="0">
+              <a:solidFill>
+                <a:schemeClr val="tx1"/>
+              </a:solidFill>
+              <a:latin typeface="Times New Roman" panose="02020603050405020304" pitchFamily="18" charset="0"/>
+              <a:cs typeface="Times New Roman" panose="02020603050405020304" pitchFamily="18" charset="0"/>
+            </a:endParaRPr>
+          </a:p>
+          <a:p>
+            <a:pPr algn="just"/>
+            <a:r>
+              <a:rPr lang="pt-BR" sz="2400" dirty="0">
+                <a:solidFill>
+                  <a:schemeClr val="tx1"/>
+                </a:solidFill>
+                <a:latin typeface="Times New Roman" panose="02020603050405020304" pitchFamily="18" charset="0"/>
+                <a:cs typeface="Times New Roman" panose="02020603050405020304" pitchFamily="18" charset="0"/>
+              </a:rPr>
+              <a:t>Custo de cada chamada = </a:t>
+            </a:r>
+            <a:r>
+              <a:rPr lang="pt-BR" sz="2400" b="1" dirty="0">
+                <a:solidFill>
+                  <a:srgbClr val="FF0000"/>
+                </a:solidFill>
+                <a:latin typeface="Times New Roman" panose="02020603050405020304" pitchFamily="18" charset="0"/>
+                <a:cs typeface="Times New Roman" panose="02020603050405020304" pitchFamily="18" charset="0"/>
+              </a:rPr>
+              <a:t>O(1)</a:t>
+            </a:r>
+            <a:r>
+              <a:rPr lang="pt-BR" sz="2400" dirty="0">
+                <a:solidFill>
+                  <a:schemeClr val="tx1"/>
+                </a:solidFill>
+                <a:latin typeface="Times New Roman" panose="02020603050405020304" pitchFamily="18" charset="0"/>
+                <a:cs typeface="Times New Roman" panose="02020603050405020304" pitchFamily="18" charset="0"/>
+              </a:rPr>
+              <a:t>.</a:t>
+            </a:r>
+          </a:p>
+          <a:p>
+            <a:pPr algn="just"/>
+            <a:endParaRPr lang="pt-BR" sz="2400" dirty="0">
+              <a:solidFill>
+                <a:schemeClr val="tx1"/>
+              </a:solidFill>
+              <a:latin typeface="Times New Roman" panose="02020603050405020304" pitchFamily="18" charset="0"/>
+              <a:cs typeface="Times New Roman" panose="02020603050405020304" pitchFamily="18" charset="0"/>
+            </a:endParaRPr>
+          </a:p>
+          <a:p>
+            <a:pPr algn="just"/>
+            <a:r>
+              <a:rPr lang="pt-BR" sz="2400" dirty="0">
+                <a:solidFill>
+                  <a:schemeClr val="tx1"/>
+                </a:solidFill>
+                <a:latin typeface="Times New Roman" panose="02020603050405020304" pitchFamily="18" charset="0"/>
+                <a:cs typeface="Times New Roman" panose="02020603050405020304" pitchFamily="18" charset="0"/>
+              </a:rPr>
+              <a:t>Complexidade final: </a:t>
+            </a:r>
+            <a:r>
+              <a:rPr lang="pt-BR" sz="2400" b="1" dirty="0">
+                <a:solidFill>
+                  <a:schemeClr val="tx1"/>
+                </a:solidFill>
+                <a:latin typeface="Times New Roman" panose="02020603050405020304" pitchFamily="18" charset="0"/>
+                <a:cs typeface="Times New Roman" panose="02020603050405020304" pitchFamily="18" charset="0"/>
+              </a:rPr>
+              <a:t>O(n).</a:t>
+            </a:r>
+          </a:p>
+        </p:txBody>
+      </p:sp>
+    </p:spTree>
+    <p:extLst>
+      <p:ext uri="{BB962C8B-B14F-4D97-AF65-F5344CB8AC3E}">
+        <p14:creationId xmlns:p14="http://schemas.microsoft.com/office/powerpoint/2010/main" val="1796855931"/>
+      </p:ext>
+    </p:extLst>
+  </p:cSld>
+  <p:clrMapOvr>
+    <a:masterClrMapping/>
+  </p:clrMapOvr>
+  <p:transition spd="med"/>
+</p:sld>
+</file>
+
+<file path=ppt/slides/slide13.xml><?xml version="1.0" encoding="utf-8"?>
+<p:sld xmlns:a="http://schemas.openxmlformats.org/drawingml/2006/main" xmlns:r="http://schemas.openxmlformats.org/officeDocument/2006/relationships" xmlns:p="http://schemas.openxmlformats.org/presentationml/2006/main">
+  <p:cSld>
+    <p:spTree>
+      <p:nvGrpSpPr>
+        <p:cNvPr id="1" name="">
+          <a:extLst>
+            <a:ext uri="{FF2B5EF4-FFF2-40B4-BE49-F238E27FC236}">
+              <a16:creationId xmlns:a16="http://schemas.microsoft.com/office/drawing/2014/main" id="{81A6DE57-69ED-C508-3265-8B7BEBE779C5}"/>
+            </a:ext>
+          </a:extLst>
+        </p:cNvPr>
+        <p:cNvGrpSpPr/>
+        <p:nvPr/>
+      </p:nvGrpSpPr>
+      <p:grpSpPr>
+        <a:xfrm>
+          <a:off x="0" y="0"/>
+          <a:ext cx="0" cy="0"/>
+          <a:chOff x="0" y="0"/>
+          <a:chExt cx="0" cy="0"/>
+        </a:xfrm>
+      </p:grpSpPr>
+      <p:sp>
+        <p:nvSpPr>
+          <p:cNvPr id="6" name="Title 1">
+            <a:extLst>
+              <a:ext uri="{FF2B5EF4-FFF2-40B4-BE49-F238E27FC236}">
+                <a16:creationId xmlns:a16="http://schemas.microsoft.com/office/drawing/2014/main" id="{D24DE47D-5FE0-01FE-3DA8-88877DA38667}"/>
+              </a:ext>
+            </a:extLst>
+          </p:cNvPr>
+          <p:cNvSpPr>
+            <a:spLocks noGrp="1"/>
+          </p:cNvSpPr>
+          <p:nvPr>
+            <p:ph type="title"/>
+          </p:nvPr>
+        </p:nvSpPr>
+        <p:spPr>
+          <a:xfrm>
+            <a:off x="457200" y="205980"/>
+            <a:ext cx="8229600" cy="857251"/>
+          </a:xfrm>
+        </p:spPr>
+        <p:txBody>
+          <a:bodyPr>
+            <a:normAutofit fontScale="90000"/>
+          </a:bodyPr>
+          <a:lstStyle/>
+          <a:p>
+            <a:r>
+              <a:rPr lang="en-US" b="1" dirty="0" err="1">
+                <a:solidFill>
+                  <a:srgbClr val="0070C0"/>
+                </a:solidFill>
+              </a:rPr>
+              <a:t>Recursividade</a:t>
+            </a:r>
+            <a:r>
+              <a:rPr lang="en-US" b="1" dirty="0">
+                <a:solidFill>
+                  <a:srgbClr val="0070C0"/>
+                </a:solidFill>
+              </a:rPr>
+              <a:t> Simples vs </a:t>
+            </a:r>
+            <a:r>
+              <a:rPr lang="en-US" b="1" dirty="0" err="1">
+                <a:solidFill>
+                  <a:srgbClr val="0070C0"/>
+                </a:solidFill>
+              </a:rPr>
+              <a:t>Exponencial</a:t>
+            </a:r>
+            <a:endParaRPr lang="en-US" b="1" dirty="0">
+              <a:solidFill>
+                <a:srgbClr val="0070C0"/>
+              </a:solidFill>
+            </a:endParaRPr>
+          </a:p>
+        </p:txBody>
+      </p:sp>
+      <p:sp>
+        <p:nvSpPr>
+          <p:cNvPr id="8" name="Text Placeholder 2">
+            <a:extLst>
+              <a:ext uri="{FF2B5EF4-FFF2-40B4-BE49-F238E27FC236}">
+                <a16:creationId xmlns:a16="http://schemas.microsoft.com/office/drawing/2014/main" id="{CCBF90C6-284A-B3C0-182F-E6E2EDB6D1A5}"/>
+              </a:ext>
+            </a:extLst>
+          </p:cNvPr>
+          <p:cNvSpPr>
+            <a:spLocks noGrp="1"/>
+          </p:cNvSpPr>
+          <p:nvPr>
+            <p:ph type="body" sz="half" idx="1"/>
+          </p:nvPr>
+        </p:nvSpPr>
+        <p:spPr>
+          <a:xfrm>
+            <a:off x="142865" y="1200150"/>
+            <a:ext cx="8865056" cy="3737370"/>
+          </a:xfrm>
+        </p:spPr>
+        <p:txBody>
+          <a:bodyPr>
+            <a:noAutofit/>
+          </a:bodyPr>
+          <a:lstStyle/>
+          <a:p>
+            <a:pPr marL="0" indent="0" algn="just">
+              <a:buNone/>
+            </a:pPr>
+            <a:r>
+              <a:rPr lang="pt-BR" sz="2200" dirty="0">
+                <a:solidFill>
+                  <a:schemeClr val="tx1"/>
+                </a:solidFill>
+                <a:latin typeface="Times New Roman" panose="02020603050405020304" pitchFamily="18" charset="0"/>
+                <a:cs typeface="Times New Roman" panose="02020603050405020304" pitchFamily="18" charset="0"/>
+              </a:rPr>
+              <a:t>Nem toda recursão é eficiente.</a:t>
+            </a:r>
+          </a:p>
+          <a:p>
+            <a:pPr marL="0" indent="0" algn="just">
+              <a:buNone/>
+            </a:pPr>
+            <a:endParaRPr lang="pt-BR" sz="2200" dirty="0">
+              <a:solidFill>
+                <a:schemeClr val="tx1"/>
+              </a:solidFill>
+              <a:latin typeface="Times New Roman" panose="02020603050405020304" pitchFamily="18" charset="0"/>
+              <a:cs typeface="Times New Roman" panose="02020603050405020304" pitchFamily="18" charset="0"/>
+            </a:endParaRPr>
+          </a:p>
+          <a:p>
+            <a:pPr marL="0" indent="0" algn="just">
+              <a:buNone/>
+            </a:pPr>
+            <a:r>
+              <a:rPr lang="pt-BR" sz="2200" dirty="0">
+                <a:solidFill>
+                  <a:schemeClr val="tx1"/>
+                </a:solidFill>
+                <a:latin typeface="Times New Roman" panose="02020603050405020304" pitchFamily="18" charset="0"/>
+                <a:cs typeface="Times New Roman" panose="02020603050405020304" pitchFamily="18" charset="0"/>
+              </a:rPr>
+              <a:t>Exemplo 1 – Fibonacci (recursão ingênua)</a:t>
+            </a:r>
+          </a:p>
+          <a:p>
+            <a:pPr marL="0" indent="0" algn="just">
+              <a:buNone/>
+            </a:pPr>
+            <a:r>
+              <a:rPr lang="pt-BR" sz="2200" dirty="0" err="1">
+                <a:solidFill>
+                  <a:schemeClr val="tx1"/>
+                </a:solidFill>
+                <a:latin typeface="Times New Roman" panose="02020603050405020304" pitchFamily="18" charset="0"/>
+                <a:cs typeface="Times New Roman" panose="02020603050405020304" pitchFamily="18" charset="0"/>
+              </a:rPr>
+              <a:t>int</a:t>
+            </a:r>
+            <a:r>
+              <a:rPr lang="pt-BR" sz="2200" dirty="0">
+                <a:solidFill>
+                  <a:schemeClr val="tx1"/>
+                </a:solidFill>
+                <a:latin typeface="Times New Roman" panose="02020603050405020304" pitchFamily="18" charset="0"/>
+                <a:cs typeface="Times New Roman" panose="02020603050405020304" pitchFamily="18" charset="0"/>
+              </a:rPr>
+              <a:t> </a:t>
+            </a:r>
+            <a:r>
+              <a:rPr lang="pt-BR" sz="2200" b="1" dirty="0" err="1">
+                <a:solidFill>
+                  <a:srgbClr val="FF0000"/>
+                </a:solidFill>
+                <a:latin typeface="Times New Roman" panose="02020603050405020304" pitchFamily="18" charset="0"/>
+                <a:cs typeface="Times New Roman" panose="02020603050405020304" pitchFamily="18" charset="0"/>
+              </a:rPr>
+              <a:t>fib</a:t>
+            </a:r>
+            <a:r>
+              <a:rPr lang="pt-BR" sz="2200" dirty="0">
+                <a:solidFill>
+                  <a:schemeClr val="tx1"/>
+                </a:solidFill>
+                <a:latin typeface="Times New Roman" panose="02020603050405020304" pitchFamily="18" charset="0"/>
+                <a:cs typeface="Times New Roman" panose="02020603050405020304" pitchFamily="18" charset="0"/>
+              </a:rPr>
+              <a:t>(</a:t>
+            </a:r>
+            <a:r>
+              <a:rPr lang="pt-BR" sz="2200" dirty="0" err="1">
+                <a:solidFill>
+                  <a:schemeClr val="tx1"/>
+                </a:solidFill>
+                <a:latin typeface="Times New Roman" panose="02020603050405020304" pitchFamily="18" charset="0"/>
+                <a:cs typeface="Times New Roman" panose="02020603050405020304" pitchFamily="18" charset="0"/>
+              </a:rPr>
+              <a:t>int</a:t>
+            </a:r>
+            <a:r>
+              <a:rPr lang="pt-BR" sz="2200" dirty="0">
+                <a:solidFill>
+                  <a:schemeClr val="tx1"/>
+                </a:solidFill>
+                <a:latin typeface="Times New Roman" panose="02020603050405020304" pitchFamily="18" charset="0"/>
+                <a:cs typeface="Times New Roman" panose="02020603050405020304" pitchFamily="18" charset="0"/>
+              </a:rPr>
+              <a:t> n) {</a:t>
+            </a:r>
+          </a:p>
+          <a:p>
+            <a:pPr marL="0" indent="0" algn="just">
+              <a:buNone/>
+            </a:pPr>
+            <a:r>
+              <a:rPr lang="pt-BR" sz="2200" dirty="0">
+                <a:solidFill>
+                  <a:schemeClr val="tx1"/>
+                </a:solidFill>
+                <a:latin typeface="Times New Roman" panose="02020603050405020304" pitchFamily="18" charset="0"/>
+                <a:cs typeface="Times New Roman" panose="02020603050405020304" pitchFamily="18" charset="0"/>
+              </a:rPr>
+              <a:t>    </a:t>
+            </a:r>
+            <a:r>
+              <a:rPr lang="pt-BR" sz="2200" dirty="0" err="1">
+                <a:solidFill>
+                  <a:schemeClr val="tx1"/>
+                </a:solidFill>
+                <a:latin typeface="Times New Roman" panose="02020603050405020304" pitchFamily="18" charset="0"/>
+                <a:cs typeface="Times New Roman" panose="02020603050405020304" pitchFamily="18" charset="0"/>
+              </a:rPr>
+              <a:t>if</a:t>
+            </a:r>
+            <a:r>
+              <a:rPr lang="pt-BR" sz="2200" dirty="0">
+                <a:solidFill>
+                  <a:schemeClr val="tx1"/>
+                </a:solidFill>
+                <a:latin typeface="Times New Roman" panose="02020603050405020304" pitchFamily="18" charset="0"/>
+                <a:cs typeface="Times New Roman" panose="02020603050405020304" pitchFamily="18" charset="0"/>
+              </a:rPr>
+              <a:t> (n &lt;= 1) </a:t>
+            </a:r>
+            <a:r>
+              <a:rPr lang="pt-BR" sz="2200" dirty="0" err="1">
+                <a:solidFill>
+                  <a:schemeClr val="tx1"/>
+                </a:solidFill>
+                <a:latin typeface="Times New Roman" panose="02020603050405020304" pitchFamily="18" charset="0"/>
+                <a:cs typeface="Times New Roman" panose="02020603050405020304" pitchFamily="18" charset="0"/>
+              </a:rPr>
+              <a:t>return</a:t>
+            </a:r>
+            <a:r>
+              <a:rPr lang="pt-BR" sz="2200" dirty="0">
+                <a:solidFill>
+                  <a:schemeClr val="tx1"/>
+                </a:solidFill>
+                <a:latin typeface="Times New Roman" panose="02020603050405020304" pitchFamily="18" charset="0"/>
+                <a:cs typeface="Times New Roman" panose="02020603050405020304" pitchFamily="18" charset="0"/>
+              </a:rPr>
+              <a:t> n;</a:t>
+            </a:r>
+          </a:p>
+          <a:p>
+            <a:pPr marL="0" indent="0" algn="just">
+              <a:buNone/>
+            </a:pPr>
+            <a:r>
+              <a:rPr lang="pt-BR" sz="2200" dirty="0">
+                <a:solidFill>
+                  <a:schemeClr val="tx1"/>
+                </a:solidFill>
+                <a:latin typeface="Times New Roman" panose="02020603050405020304" pitchFamily="18" charset="0"/>
+                <a:cs typeface="Times New Roman" panose="02020603050405020304" pitchFamily="18" charset="0"/>
+              </a:rPr>
+              <a:t>    </a:t>
+            </a:r>
+            <a:r>
+              <a:rPr lang="pt-BR" sz="2200" dirty="0" err="1">
+                <a:solidFill>
+                  <a:schemeClr val="tx1"/>
+                </a:solidFill>
+                <a:latin typeface="Times New Roman" panose="02020603050405020304" pitchFamily="18" charset="0"/>
+                <a:cs typeface="Times New Roman" panose="02020603050405020304" pitchFamily="18" charset="0"/>
+              </a:rPr>
+              <a:t>return</a:t>
+            </a:r>
+            <a:r>
+              <a:rPr lang="pt-BR" sz="2200" dirty="0">
+                <a:solidFill>
+                  <a:schemeClr val="tx1"/>
+                </a:solidFill>
+                <a:latin typeface="Times New Roman" panose="02020603050405020304" pitchFamily="18" charset="0"/>
+                <a:cs typeface="Times New Roman" panose="02020603050405020304" pitchFamily="18" charset="0"/>
+              </a:rPr>
+              <a:t> </a:t>
+            </a:r>
+            <a:r>
+              <a:rPr lang="pt-BR" sz="2200" b="1" dirty="0" err="1">
+                <a:solidFill>
+                  <a:srgbClr val="FF0000"/>
+                </a:solidFill>
+                <a:latin typeface="Times New Roman" panose="02020603050405020304" pitchFamily="18" charset="0"/>
+                <a:cs typeface="Times New Roman" panose="02020603050405020304" pitchFamily="18" charset="0"/>
+              </a:rPr>
+              <a:t>fib</a:t>
+            </a:r>
+            <a:r>
+              <a:rPr lang="pt-BR" sz="2200" b="1" dirty="0">
+                <a:solidFill>
+                  <a:srgbClr val="FF0000"/>
+                </a:solidFill>
+                <a:latin typeface="Times New Roman" panose="02020603050405020304" pitchFamily="18" charset="0"/>
+                <a:cs typeface="Times New Roman" panose="02020603050405020304" pitchFamily="18" charset="0"/>
+              </a:rPr>
+              <a:t>(n-1) </a:t>
+            </a:r>
+            <a:r>
+              <a:rPr lang="pt-BR" sz="2200" dirty="0">
+                <a:solidFill>
+                  <a:schemeClr val="tx1"/>
+                </a:solidFill>
+                <a:latin typeface="Times New Roman" panose="02020603050405020304" pitchFamily="18" charset="0"/>
+                <a:cs typeface="Times New Roman" panose="02020603050405020304" pitchFamily="18" charset="0"/>
+              </a:rPr>
+              <a:t>+ </a:t>
+            </a:r>
+            <a:r>
+              <a:rPr lang="pt-BR" sz="2200" b="1" dirty="0" err="1">
+                <a:solidFill>
+                  <a:schemeClr val="tx1"/>
+                </a:solidFill>
+                <a:latin typeface="Times New Roman" panose="02020603050405020304" pitchFamily="18" charset="0"/>
+                <a:cs typeface="Times New Roman" panose="02020603050405020304" pitchFamily="18" charset="0"/>
+              </a:rPr>
+              <a:t>fib</a:t>
+            </a:r>
+            <a:r>
+              <a:rPr lang="pt-BR" sz="2200" b="1" dirty="0">
+                <a:solidFill>
+                  <a:schemeClr val="tx1"/>
+                </a:solidFill>
+                <a:latin typeface="Times New Roman" panose="02020603050405020304" pitchFamily="18" charset="0"/>
+                <a:cs typeface="Times New Roman" panose="02020603050405020304" pitchFamily="18" charset="0"/>
+              </a:rPr>
+              <a:t>(n-2)</a:t>
+            </a:r>
+            <a:r>
+              <a:rPr lang="pt-BR" sz="2200" dirty="0">
+                <a:solidFill>
+                  <a:schemeClr val="tx1"/>
+                </a:solidFill>
+                <a:latin typeface="Times New Roman" panose="02020603050405020304" pitchFamily="18" charset="0"/>
+                <a:cs typeface="Times New Roman" panose="02020603050405020304" pitchFamily="18" charset="0"/>
+              </a:rPr>
+              <a:t>;</a:t>
+            </a:r>
+          </a:p>
+          <a:p>
+            <a:pPr marL="0" indent="0" algn="just">
+              <a:buNone/>
+            </a:pPr>
+            <a:r>
+              <a:rPr lang="pt-BR" sz="2200" dirty="0">
+                <a:solidFill>
+                  <a:schemeClr val="tx1"/>
+                </a:solidFill>
+                <a:latin typeface="Times New Roman" panose="02020603050405020304" pitchFamily="18" charset="0"/>
+                <a:cs typeface="Times New Roman" panose="02020603050405020304" pitchFamily="18" charset="0"/>
+              </a:rPr>
+              <a:t>}</a:t>
+            </a:r>
+          </a:p>
+          <a:p>
+            <a:pPr algn="just"/>
+            <a:r>
+              <a:rPr lang="pt-BR" sz="2200" dirty="0">
+                <a:solidFill>
+                  <a:schemeClr val="tx1"/>
+                </a:solidFill>
+                <a:latin typeface="Times New Roman" panose="02020603050405020304" pitchFamily="18" charset="0"/>
+                <a:cs typeface="Times New Roman" panose="02020603050405020304" pitchFamily="18" charset="0"/>
+              </a:rPr>
+              <a:t>Chamadas se repetem muitas vezes.</a:t>
+            </a:r>
+          </a:p>
+          <a:p>
+            <a:pPr algn="just"/>
+            <a:r>
+              <a:rPr lang="pt-BR" sz="2200" dirty="0">
+                <a:solidFill>
+                  <a:schemeClr val="tx1"/>
+                </a:solidFill>
+                <a:latin typeface="Times New Roman" panose="02020603050405020304" pitchFamily="18" charset="0"/>
+                <a:cs typeface="Times New Roman" panose="02020603050405020304" pitchFamily="18" charset="0"/>
+              </a:rPr>
+              <a:t>Complexidade: O(</a:t>
+            </a:r>
+            <a:r>
+              <a:rPr lang="pt-BR" sz="2200" b="1" dirty="0">
+                <a:solidFill>
+                  <a:srgbClr val="FF0000"/>
+                </a:solidFill>
+                <a:latin typeface="Times New Roman" panose="02020603050405020304" pitchFamily="18" charset="0"/>
+                <a:cs typeface="Times New Roman" panose="02020603050405020304" pitchFamily="18" charset="0"/>
+              </a:rPr>
+              <a:t>2^n</a:t>
+            </a:r>
+            <a:r>
+              <a:rPr lang="pt-BR" sz="2200" dirty="0">
+                <a:solidFill>
+                  <a:schemeClr val="tx1"/>
+                </a:solidFill>
+                <a:latin typeface="Times New Roman" panose="02020603050405020304" pitchFamily="18" charset="0"/>
+                <a:cs typeface="Times New Roman" panose="02020603050405020304" pitchFamily="18" charset="0"/>
+              </a:rPr>
+              <a:t>) (muito ineficiente).</a:t>
+            </a:r>
+          </a:p>
+        </p:txBody>
+      </p:sp>
+    </p:spTree>
+    <p:extLst>
+      <p:ext uri="{BB962C8B-B14F-4D97-AF65-F5344CB8AC3E}">
+        <p14:creationId xmlns:p14="http://schemas.microsoft.com/office/powerpoint/2010/main" val="961805947"/>
+      </p:ext>
+    </p:extLst>
+  </p:cSld>
+  <p:clrMapOvr>
+    <a:masterClrMapping/>
+  </p:clrMapOvr>
+  <p:transition spd="med"/>
+</p:sld>
+</file>
+
+<file path=ppt/slides/slide14.xml><?xml version="1.0" encoding="utf-8"?>
+<p:sld xmlns:a="http://schemas.openxmlformats.org/drawingml/2006/main" xmlns:r="http://schemas.openxmlformats.org/officeDocument/2006/relationships" xmlns:p="http://schemas.openxmlformats.org/presentationml/2006/main">
+  <p:cSld>
+    <p:spTree>
+      <p:nvGrpSpPr>
+        <p:cNvPr id="1" name="">
+          <a:extLst>
+            <a:ext uri="{FF2B5EF4-FFF2-40B4-BE49-F238E27FC236}">
+              <a16:creationId xmlns:a16="http://schemas.microsoft.com/office/drawing/2014/main" id="{F6D8567F-48AA-29B1-ED6C-9E8D8F2E6D6F}"/>
+            </a:ext>
+          </a:extLst>
+        </p:cNvPr>
+        <p:cNvGrpSpPr/>
+        <p:nvPr/>
+      </p:nvGrpSpPr>
+      <p:grpSpPr>
+        <a:xfrm>
+          <a:off x="0" y="0"/>
+          <a:ext cx="0" cy="0"/>
+          <a:chOff x="0" y="0"/>
+          <a:chExt cx="0" cy="0"/>
+        </a:xfrm>
+      </p:grpSpPr>
+      <p:sp>
+        <p:nvSpPr>
+          <p:cNvPr id="6" name="Title 1">
+            <a:extLst>
+              <a:ext uri="{FF2B5EF4-FFF2-40B4-BE49-F238E27FC236}">
+                <a16:creationId xmlns:a16="http://schemas.microsoft.com/office/drawing/2014/main" id="{9E851583-7603-AA21-2E0D-2D722C4FF621}"/>
+              </a:ext>
+            </a:extLst>
+          </p:cNvPr>
+          <p:cNvSpPr>
+            <a:spLocks noGrp="1"/>
+          </p:cNvSpPr>
+          <p:nvPr>
+            <p:ph type="title"/>
+          </p:nvPr>
+        </p:nvSpPr>
+        <p:spPr>
+          <a:xfrm>
+            <a:off x="457200" y="205980"/>
+            <a:ext cx="8229600" cy="857251"/>
+          </a:xfrm>
+        </p:spPr>
+        <p:txBody>
+          <a:bodyPr>
+            <a:normAutofit/>
+          </a:bodyPr>
+          <a:lstStyle/>
+          <a:p>
+            <a:r>
+              <a:rPr lang="en-US" b="1" dirty="0" err="1">
+                <a:solidFill>
+                  <a:srgbClr val="0070C0"/>
+                </a:solidFill>
+              </a:rPr>
+              <a:t>Recursividade</a:t>
+            </a:r>
+            <a:r>
+              <a:rPr lang="en-US" b="1" dirty="0">
+                <a:solidFill>
+                  <a:srgbClr val="0070C0"/>
+                </a:solidFill>
+              </a:rPr>
+              <a:t> Fibonacci</a:t>
+            </a:r>
+          </a:p>
+        </p:txBody>
+      </p:sp>
+      <p:sp>
+        <p:nvSpPr>
+          <p:cNvPr id="8" name="Text Placeholder 2">
+            <a:extLst>
+              <a:ext uri="{FF2B5EF4-FFF2-40B4-BE49-F238E27FC236}">
+                <a16:creationId xmlns:a16="http://schemas.microsoft.com/office/drawing/2014/main" id="{A121B00E-C36A-0A9A-F5A7-3BAA99D41F62}"/>
+              </a:ext>
+            </a:extLst>
+          </p:cNvPr>
+          <p:cNvSpPr>
+            <a:spLocks noGrp="1"/>
+          </p:cNvSpPr>
+          <p:nvPr>
+            <p:ph type="body" sz="half" idx="1"/>
+          </p:nvPr>
+        </p:nvSpPr>
+        <p:spPr>
+          <a:xfrm>
+            <a:off x="142865" y="1200150"/>
+            <a:ext cx="8865056" cy="3737370"/>
+          </a:xfrm>
+        </p:spPr>
+        <p:txBody>
+          <a:bodyPr>
+            <a:noAutofit/>
+          </a:bodyPr>
+          <a:lstStyle/>
+          <a:p>
+            <a:pPr marL="0" indent="0" algn="just">
+              <a:buNone/>
+            </a:pPr>
+            <a:r>
+              <a:rPr lang="pt-BR" sz="2200" b="1" dirty="0">
+                <a:solidFill>
+                  <a:schemeClr val="tx1"/>
+                </a:solidFill>
+                <a:latin typeface="Times New Roman" panose="02020603050405020304" pitchFamily="18" charset="0"/>
+                <a:cs typeface="Times New Roman" panose="02020603050405020304" pitchFamily="18" charset="0"/>
+              </a:rPr>
+              <a:t>Programação Dinâmica </a:t>
+            </a:r>
+            <a:r>
+              <a:rPr lang="pt-BR" sz="2200" dirty="0">
+                <a:solidFill>
+                  <a:schemeClr val="tx1"/>
+                </a:solidFill>
+                <a:latin typeface="Times New Roman" panose="02020603050405020304" pitchFamily="18" charset="0"/>
+                <a:cs typeface="Times New Roman" panose="02020603050405020304" pitchFamily="18" charset="0"/>
+              </a:rPr>
+              <a:t>- </a:t>
+            </a:r>
+            <a:r>
+              <a:rPr lang="pt-BR" sz="2200" b="1" dirty="0">
+                <a:solidFill>
+                  <a:srgbClr val="FF0000"/>
+                </a:solidFill>
+                <a:latin typeface="Times New Roman" panose="02020603050405020304" pitchFamily="18" charset="0"/>
+                <a:cs typeface="Times New Roman" panose="02020603050405020304" pitchFamily="18" charset="0"/>
+              </a:rPr>
+              <a:t>Memorização</a:t>
+            </a:r>
+            <a:r>
+              <a:rPr lang="pt-BR" sz="2200" dirty="0">
+                <a:solidFill>
+                  <a:schemeClr val="tx1"/>
+                </a:solidFill>
+                <a:latin typeface="Times New Roman" panose="02020603050405020304" pitchFamily="18" charset="0"/>
+                <a:cs typeface="Times New Roman" panose="02020603050405020304" pitchFamily="18" charset="0"/>
+              </a:rPr>
+              <a:t>.</a:t>
+            </a:r>
+          </a:p>
+          <a:p>
+            <a:pPr marL="0" indent="0" algn="just">
+              <a:buNone/>
+            </a:pPr>
+            <a:r>
+              <a:rPr lang="pt-BR" sz="2200" dirty="0" err="1">
+                <a:solidFill>
+                  <a:schemeClr val="tx1"/>
+                </a:solidFill>
+                <a:latin typeface="Times New Roman" panose="02020603050405020304" pitchFamily="18" charset="0"/>
+                <a:cs typeface="Times New Roman" panose="02020603050405020304" pitchFamily="18" charset="0"/>
+              </a:rPr>
+              <a:t>int</a:t>
+            </a:r>
+            <a:r>
+              <a:rPr lang="pt-BR" sz="2200" dirty="0">
+                <a:solidFill>
+                  <a:schemeClr val="tx1"/>
+                </a:solidFill>
+                <a:latin typeface="Times New Roman" panose="02020603050405020304" pitchFamily="18" charset="0"/>
+                <a:cs typeface="Times New Roman" panose="02020603050405020304" pitchFamily="18" charset="0"/>
+              </a:rPr>
+              <a:t> </a:t>
+            </a:r>
+            <a:r>
+              <a:rPr lang="pt-BR" sz="2200" b="1" dirty="0">
+                <a:solidFill>
+                  <a:schemeClr val="tx1"/>
+                </a:solidFill>
+                <a:latin typeface="Times New Roman" panose="02020603050405020304" pitchFamily="18" charset="0"/>
+                <a:cs typeface="Times New Roman" panose="02020603050405020304" pitchFamily="18" charset="0"/>
+              </a:rPr>
+              <a:t>memo</a:t>
+            </a:r>
+            <a:r>
+              <a:rPr lang="pt-BR" sz="2200" dirty="0">
+                <a:solidFill>
+                  <a:schemeClr val="tx1"/>
+                </a:solidFill>
+                <a:latin typeface="Times New Roman" panose="02020603050405020304" pitchFamily="18" charset="0"/>
+                <a:cs typeface="Times New Roman" panose="02020603050405020304" pitchFamily="18" charset="0"/>
+              </a:rPr>
+              <a:t>[1000];</a:t>
+            </a:r>
+          </a:p>
+          <a:p>
+            <a:pPr marL="0" indent="0" algn="just">
+              <a:buNone/>
+            </a:pPr>
+            <a:endParaRPr lang="pt-BR" sz="2200" dirty="0">
+              <a:solidFill>
+                <a:schemeClr val="tx1"/>
+              </a:solidFill>
+              <a:latin typeface="Times New Roman" panose="02020603050405020304" pitchFamily="18" charset="0"/>
+              <a:cs typeface="Times New Roman" panose="02020603050405020304" pitchFamily="18" charset="0"/>
+            </a:endParaRPr>
+          </a:p>
+          <a:p>
+            <a:pPr marL="0" indent="0" algn="just">
+              <a:buNone/>
+            </a:pPr>
+            <a:r>
+              <a:rPr lang="pt-BR" sz="2200" dirty="0" err="1">
+                <a:solidFill>
+                  <a:schemeClr val="tx1"/>
+                </a:solidFill>
+                <a:latin typeface="Times New Roman" panose="02020603050405020304" pitchFamily="18" charset="0"/>
+                <a:cs typeface="Times New Roman" panose="02020603050405020304" pitchFamily="18" charset="0"/>
+              </a:rPr>
+              <a:t>int</a:t>
+            </a:r>
+            <a:r>
+              <a:rPr lang="pt-BR" sz="2200" dirty="0">
+                <a:solidFill>
+                  <a:schemeClr val="tx1"/>
+                </a:solidFill>
+                <a:latin typeface="Times New Roman" panose="02020603050405020304" pitchFamily="18" charset="0"/>
+                <a:cs typeface="Times New Roman" panose="02020603050405020304" pitchFamily="18" charset="0"/>
+              </a:rPr>
+              <a:t> </a:t>
+            </a:r>
+            <a:r>
+              <a:rPr lang="pt-BR" sz="2200" b="1" dirty="0" err="1">
+                <a:solidFill>
+                  <a:srgbClr val="FF0000"/>
+                </a:solidFill>
+                <a:latin typeface="Times New Roman" panose="02020603050405020304" pitchFamily="18" charset="0"/>
+                <a:cs typeface="Times New Roman" panose="02020603050405020304" pitchFamily="18" charset="0"/>
+              </a:rPr>
+              <a:t>fib</a:t>
+            </a:r>
+            <a:r>
+              <a:rPr lang="pt-BR" sz="2200" dirty="0">
+                <a:solidFill>
+                  <a:schemeClr val="tx1"/>
+                </a:solidFill>
+                <a:latin typeface="Times New Roman" panose="02020603050405020304" pitchFamily="18" charset="0"/>
+                <a:cs typeface="Times New Roman" panose="02020603050405020304" pitchFamily="18" charset="0"/>
+              </a:rPr>
+              <a:t>(</a:t>
+            </a:r>
+            <a:r>
+              <a:rPr lang="pt-BR" sz="2200" dirty="0" err="1">
+                <a:solidFill>
+                  <a:schemeClr val="tx1"/>
+                </a:solidFill>
+                <a:latin typeface="Times New Roman" panose="02020603050405020304" pitchFamily="18" charset="0"/>
+                <a:cs typeface="Times New Roman" panose="02020603050405020304" pitchFamily="18" charset="0"/>
+              </a:rPr>
+              <a:t>int</a:t>
+            </a:r>
+            <a:r>
+              <a:rPr lang="pt-BR" sz="2200" dirty="0">
+                <a:solidFill>
+                  <a:schemeClr val="tx1"/>
+                </a:solidFill>
+                <a:latin typeface="Times New Roman" panose="02020603050405020304" pitchFamily="18" charset="0"/>
+                <a:cs typeface="Times New Roman" panose="02020603050405020304" pitchFamily="18" charset="0"/>
+              </a:rPr>
+              <a:t> n) {</a:t>
+            </a:r>
+          </a:p>
+          <a:p>
+            <a:pPr marL="0" indent="0" algn="just">
+              <a:buNone/>
+            </a:pPr>
+            <a:r>
+              <a:rPr lang="pt-BR" sz="2200" dirty="0">
+                <a:solidFill>
+                  <a:schemeClr val="tx1"/>
+                </a:solidFill>
+                <a:latin typeface="Times New Roman" panose="02020603050405020304" pitchFamily="18" charset="0"/>
+                <a:cs typeface="Times New Roman" panose="02020603050405020304" pitchFamily="18" charset="0"/>
+              </a:rPr>
+              <a:t>    </a:t>
+            </a:r>
+            <a:r>
+              <a:rPr lang="pt-BR" sz="2200" dirty="0" err="1">
+                <a:solidFill>
+                  <a:schemeClr val="tx1"/>
+                </a:solidFill>
+                <a:latin typeface="Times New Roman" panose="02020603050405020304" pitchFamily="18" charset="0"/>
+                <a:cs typeface="Times New Roman" panose="02020603050405020304" pitchFamily="18" charset="0"/>
+              </a:rPr>
+              <a:t>if</a:t>
+            </a:r>
+            <a:r>
+              <a:rPr lang="pt-BR" sz="2200" dirty="0">
+                <a:solidFill>
+                  <a:schemeClr val="tx1"/>
+                </a:solidFill>
+                <a:latin typeface="Times New Roman" panose="02020603050405020304" pitchFamily="18" charset="0"/>
+                <a:cs typeface="Times New Roman" panose="02020603050405020304" pitchFamily="18" charset="0"/>
+              </a:rPr>
+              <a:t> (n &lt;= 1) </a:t>
+            </a:r>
+            <a:r>
+              <a:rPr lang="pt-BR" sz="2200" dirty="0" err="1">
+                <a:solidFill>
+                  <a:schemeClr val="tx1"/>
+                </a:solidFill>
+                <a:latin typeface="Times New Roman" panose="02020603050405020304" pitchFamily="18" charset="0"/>
+                <a:cs typeface="Times New Roman" panose="02020603050405020304" pitchFamily="18" charset="0"/>
+              </a:rPr>
+              <a:t>return</a:t>
+            </a:r>
+            <a:r>
+              <a:rPr lang="pt-BR" sz="2200" dirty="0">
+                <a:solidFill>
+                  <a:schemeClr val="tx1"/>
+                </a:solidFill>
+                <a:latin typeface="Times New Roman" panose="02020603050405020304" pitchFamily="18" charset="0"/>
+                <a:cs typeface="Times New Roman" panose="02020603050405020304" pitchFamily="18" charset="0"/>
+              </a:rPr>
+              <a:t> n;</a:t>
+            </a:r>
+          </a:p>
+          <a:p>
+            <a:pPr marL="0" indent="0" algn="just">
+              <a:buNone/>
+            </a:pPr>
+            <a:r>
+              <a:rPr lang="pt-BR" sz="2200" dirty="0">
+                <a:solidFill>
+                  <a:schemeClr val="tx1"/>
+                </a:solidFill>
+                <a:latin typeface="Times New Roman" panose="02020603050405020304" pitchFamily="18" charset="0"/>
+                <a:cs typeface="Times New Roman" panose="02020603050405020304" pitchFamily="18" charset="0"/>
+              </a:rPr>
+              <a:t>    </a:t>
+            </a:r>
+            <a:r>
+              <a:rPr lang="pt-BR" sz="2200" dirty="0" err="1">
+                <a:solidFill>
+                  <a:schemeClr val="tx1"/>
+                </a:solidFill>
+                <a:latin typeface="Times New Roman" panose="02020603050405020304" pitchFamily="18" charset="0"/>
+                <a:cs typeface="Times New Roman" panose="02020603050405020304" pitchFamily="18" charset="0"/>
+              </a:rPr>
+              <a:t>if</a:t>
+            </a:r>
+            <a:r>
+              <a:rPr lang="pt-BR" sz="2200" dirty="0">
+                <a:solidFill>
+                  <a:schemeClr val="tx1"/>
+                </a:solidFill>
+                <a:latin typeface="Times New Roman" panose="02020603050405020304" pitchFamily="18" charset="0"/>
+                <a:cs typeface="Times New Roman" panose="02020603050405020304" pitchFamily="18" charset="0"/>
+              </a:rPr>
+              <a:t> (memo[n] != 0) </a:t>
+            </a:r>
+            <a:r>
+              <a:rPr lang="pt-BR" sz="2200" dirty="0" err="1">
+                <a:solidFill>
+                  <a:schemeClr val="tx1"/>
+                </a:solidFill>
+                <a:latin typeface="Times New Roman" panose="02020603050405020304" pitchFamily="18" charset="0"/>
+                <a:cs typeface="Times New Roman" panose="02020603050405020304" pitchFamily="18" charset="0"/>
+              </a:rPr>
+              <a:t>return</a:t>
+            </a:r>
+            <a:r>
+              <a:rPr lang="pt-BR" sz="2200" dirty="0">
+                <a:solidFill>
+                  <a:schemeClr val="tx1"/>
+                </a:solidFill>
+                <a:latin typeface="Times New Roman" panose="02020603050405020304" pitchFamily="18" charset="0"/>
+                <a:cs typeface="Times New Roman" panose="02020603050405020304" pitchFamily="18" charset="0"/>
+              </a:rPr>
+              <a:t> memo[n];</a:t>
+            </a:r>
+          </a:p>
+          <a:p>
+            <a:pPr marL="0" indent="0" algn="just">
+              <a:buNone/>
+            </a:pPr>
+            <a:r>
+              <a:rPr lang="pt-BR" sz="2200" dirty="0">
+                <a:solidFill>
+                  <a:schemeClr val="tx1"/>
+                </a:solidFill>
+                <a:latin typeface="Times New Roman" panose="02020603050405020304" pitchFamily="18" charset="0"/>
+                <a:cs typeface="Times New Roman" panose="02020603050405020304" pitchFamily="18" charset="0"/>
+              </a:rPr>
+              <a:t>    memo[n] = </a:t>
+            </a:r>
+            <a:r>
+              <a:rPr lang="pt-BR" sz="2200" b="1" dirty="0" err="1">
+                <a:solidFill>
+                  <a:srgbClr val="FF0000"/>
+                </a:solidFill>
+                <a:latin typeface="Times New Roman" panose="02020603050405020304" pitchFamily="18" charset="0"/>
+                <a:cs typeface="Times New Roman" panose="02020603050405020304" pitchFamily="18" charset="0"/>
+              </a:rPr>
+              <a:t>fib</a:t>
+            </a:r>
+            <a:r>
+              <a:rPr lang="pt-BR" sz="2200" b="1" dirty="0">
+                <a:solidFill>
+                  <a:srgbClr val="FF0000"/>
+                </a:solidFill>
+                <a:latin typeface="Times New Roman" panose="02020603050405020304" pitchFamily="18" charset="0"/>
+                <a:cs typeface="Times New Roman" panose="02020603050405020304" pitchFamily="18" charset="0"/>
+              </a:rPr>
+              <a:t>(n-1) </a:t>
+            </a:r>
+            <a:r>
+              <a:rPr lang="pt-BR" sz="2200" dirty="0">
+                <a:solidFill>
+                  <a:schemeClr val="tx1"/>
+                </a:solidFill>
+                <a:latin typeface="Times New Roman" panose="02020603050405020304" pitchFamily="18" charset="0"/>
+                <a:cs typeface="Times New Roman" panose="02020603050405020304" pitchFamily="18" charset="0"/>
+              </a:rPr>
+              <a:t>+ </a:t>
+            </a:r>
+            <a:r>
+              <a:rPr lang="pt-BR" sz="2200" b="1" dirty="0" err="1">
+                <a:solidFill>
+                  <a:srgbClr val="FF0000"/>
+                </a:solidFill>
+                <a:latin typeface="Times New Roman" panose="02020603050405020304" pitchFamily="18" charset="0"/>
+                <a:cs typeface="Times New Roman" panose="02020603050405020304" pitchFamily="18" charset="0"/>
+              </a:rPr>
+              <a:t>fib</a:t>
+            </a:r>
+            <a:r>
+              <a:rPr lang="pt-BR" sz="2200" b="1" dirty="0">
+                <a:solidFill>
+                  <a:srgbClr val="FF0000"/>
+                </a:solidFill>
+                <a:latin typeface="Times New Roman" panose="02020603050405020304" pitchFamily="18" charset="0"/>
+                <a:cs typeface="Times New Roman" panose="02020603050405020304" pitchFamily="18" charset="0"/>
+              </a:rPr>
+              <a:t>(n-2)</a:t>
+            </a:r>
+            <a:r>
+              <a:rPr lang="pt-BR" sz="2200" dirty="0">
+                <a:solidFill>
+                  <a:schemeClr val="tx1"/>
+                </a:solidFill>
+                <a:latin typeface="Times New Roman" panose="02020603050405020304" pitchFamily="18" charset="0"/>
+                <a:cs typeface="Times New Roman" panose="02020603050405020304" pitchFamily="18" charset="0"/>
+              </a:rPr>
+              <a:t>;</a:t>
+            </a:r>
+          </a:p>
+          <a:p>
+            <a:pPr marL="0" indent="0" algn="just">
+              <a:buNone/>
+            </a:pPr>
+            <a:r>
+              <a:rPr lang="pt-BR" sz="2200" dirty="0">
+                <a:solidFill>
+                  <a:schemeClr val="tx1"/>
+                </a:solidFill>
+                <a:latin typeface="Times New Roman" panose="02020603050405020304" pitchFamily="18" charset="0"/>
+                <a:cs typeface="Times New Roman" panose="02020603050405020304" pitchFamily="18" charset="0"/>
+              </a:rPr>
+              <a:t>    </a:t>
+            </a:r>
+            <a:r>
+              <a:rPr lang="pt-BR" sz="2200" dirty="0" err="1">
+                <a:solidFill>
+                  <a:schemeClr val="tx1"/>
+                </a:solidFill>
+                <a:latin typeface="Times New Roman" panose="02020603050405020304" pitchFamily="18" charset="0"/>
+                <a:cs typeface="Times New Roman" panose="02020603050405020304" pitchFamily="18" charset="0"/>
+              </a:rPr>
+              <a:t>return</a:t>
+            </a:r>
+            <a:r>
+              <a:rPr lang="pt-BR" sz="2200" dirty="0">
+                <a:solidFill>
+                  <a:schemeClr val="tx1"/>
+                </a:solidFill>
+                <a:latin typeface="Times New Roman" panose="02020603050405020304" pitchFamily="18" charset="0"/>
+                <a:cs typeface="Times New Roman" panose="02020603050405020304" pitchFamily="18" charset="0"/>
+              </a:rPr>
+              <a:t> memo[n];</a:t>
+            </a:r>
+          </a:p>
+          <a:p>
+            <a:pPr marL="0" indent="0" algn="just">
+              <a:buNone/>
+            </a:pPr>
+            <a:r>
+              <a:rPr lang="pt-BR" sz="2200" dirty="0">
+                <a:solidFill>
+                  <a:schemeClr val="tx1"/>
+                </a:solidFill>
+                <a:latin typeface="Times New Roman" panose="02020603050405020304" pitchFamily="18" charset="0"/>
+                <a:cs typeface="Times New Roman" panose="02020603050405020304" pitchFamily="18" charset="0"/>
+              </a:rPr>
+              <a:t>} Evita </a:t>
+            </a:r>
+            <a:r>
+              <a:rPr lang="pt-BR" sz="2200" dirty="0" err="1">
+                <a:solidFill>
+                  <a:schemeClr val="tx1"/>
+                </a:solidFill>
+                <a:latin typeface="Times New Roman" panose="02020603050405020304" pitchFamily="18" charset="0"/>
+                <a:cs typeface="Times New Roman" panose="02020603050405020304" pitchFamily="18" charset="0"/>
+              </a:rPr>
+              <a:t>recomputações</a:t>
+            </a:r>
+            <a:r>
+              <a:rPr lang="pt-BR" sz="2200" dirty="0">
+                <a:solidFill>
+                  <a:schemeClr val="tx1"/>
+                </a:solidFill>
+                <a:latin typeface="Times New Roman" panose="02020603050405020304" pitchFamily="18" charset="0"/>
+                <a:cs typeface="Times New Roman" panose="02020603050405020304" pitchFamily="18" charset="0"/>
+              </a:rPr>
+              <a:t> e Complexidade: O(</a:t>
+            </a:r>
+            <a:r>
+              <a:rPr lang="pt-BR" sz="2200" b="1" dirty="0">
+                <a:solidFill>
+                  <a:srgbClr val="FF0000"/>
+                </a:solidFill>
+                <a:latin typeface="Times New Roman" panose="02020603050405020304" pitchFamily="18" charset="0"/>
+                <a:cs typeface="Times New Roman" panose="02020603050405020304" pitchFamily="18" charset="0"/>
+              </a:rPr>
+              <a:t>n</a:t>
+            </a:r>
+            <a:r>
+              <a:rPr lang="pt-BR" sz="2200" dirty="0">
+                <a:solidFill>
+                  <a:schemeClr val="tx1"/>
+                </a:solidFill>
+                <a:latin typeface="Times New Roman" panose="02020603050405020304" pitchFamily="18" charset="0"/>
+                <a:cs typeface="Times New Roman" panose="02020603050405020304" pitchFamily="18" charset="0"/>
+              </a:rPr>
+              <a:t>).</a:t>
+            </a:r>
+          </a:p>
+        </p:txBody>
+      </p:sp>
+    </p:spTree>
+    <p:extLst>
+      <p:ext uri="{BB962C8B-B14F-4D97-AF65-F5344CB8AC3E}">
+        <p14:creationId xmlns:p14="http://schemas.microsoft.com/office/powerpoint/2010/main" val="3538630614"/>
+      </p:ext>
+    </p:extLst>
+  </p:cSld>
+  <p:clrMapOvr>
+    <a:masterClrMapping/>
+  </p:clrMapOvr>
+  <p:transition spd="med"/>
+</p:sld>
+</file>
+
+<file path=ppt/slides/slide15.xml><?xml version="1.0" encoding="utf-8"?>
+<p:sld xmlns:a="http://schemas.openxmlformats.org/drawingml/2006/main" xmlns:r="http://schemas.openxmlformats.org/officeDocument/2006/relationships" xmlns:p="http://schemas.openxmlformats.org/presentationml/2006/main">
+  <p:cSld>
+    <p:spTree>
+      <p:nvGrpSpPr>
+        <p:cNvPr id="1" name="">
+          <a:extLst>
+            <a:ext uri="{FF2B5EF4-FFF2-40B4-BE49-F238E27FC236}">
+              <a16:creationId xmlns:a16="http://schemas.microsoft.com/office/drawing/2014/main" id="{1913E469-11F1-3D5E-BA36-90357AAF1799}"/>
+            </a:ext>
+          </a:extLst>
+        </p:cNvPr>
+        <p:cNvGrpSpPr/>
+        <p:nvPr/>
+      </p:nvGrpSpPr>
+      <p:grpSpPr>
+        <a:xfrm>
+          <a:off x="0" y="0"/>
+          <a:ext cx="0" cy="0"/>
+          <a:chOff x="0" y="0"/>
+          <a:chExt cx="0" cy="0"/>
+        </a:xfrm>
+      </p:grpSpPr>
+      <p:sp>
+        <p:nvSpPr>
+          <p:cNvPr id="6" name="Title 1">
+            <a:extLst>
+              <a:ext uri="{FF2B5EF4-FFF2-40B4-BE49-F238E27FC236}">
+                <a16:creationId xmlns:a16="http://schemas.microsoft.com/office/drawing/2014/main" id="{4F5AD310-EFC2-AAD9-AB1E-F264A3CBDF06}"/>
+              </a:ext>
+            </a:extLst>
+          </p:cNvPr>
+          <p:cNvSpPr>
+            <a:spLocks noGrp="1"/>
+          </p:cNvSpPr>
+          <p:nvPr>
+            <p:ph type="title"/>
+          </p:nvPr>
+        </p:nvSpPr>
+        <p:spPr>
+          <a:xfrm>
+            <a:off x="457200" y="205980"/>
+            <a:ext cx="8229600" cy="857251"/>
+          </a:xfrm>
+        </p:spPr>
+        <p:txBody>
+          <a:bodyPr>
+            <a:normAutofit/>
+          </a:bodyPr>
+          <a:lstStyle/>
+          <a:p>
+            <a:r>
+              <a:rPr lang="en-US" b="1" dirty="0" err="1">
+                <a:solidFill>
+                  <a:srgbClr val="0070C0"/>
+                </a:solidFill>
+              </a:rPr>
+              <a:t>Recursividade</a:t>
+            </a:r>
+            <a:r>
+              <a:rPr lang="en-US" b="1" dirty="0">
+                <a:solidFill>
+                  <a:srgbClr val="0070C0"/>
+                </a:solidFill>
+              </a:rPr>
+              <a:t> Casos </a:t>
+            </a:r>
+            <a:r>
+              <a:rPr lang="en-US" b="1" dirty="0" err="1">
+                <a:solidFill>
+                  <a:srgbClr val="0070C0"/>
+                </a:solidFill>
+              </a:rPr>
+              <a:t>Clássicos</a:t>
+            </a:r>
+            <a:endParaRPr lang="en-US" b="1" dirty="0">
+              <a:solidFill>
+                <a:srgbClr val="0070C0"/>
+              </a:solidFill>
+            </a:endParaRPr>
+          </a:p>
+        </p:txBody>
+      </p:sp>
+      <p:sp>
+        <p:nvSpPr>
+          <p:cNvPr id="8" name="Text Placeholder 2">
+            <a:extLst>
+              <a:ext uri="{FF2B5EF4-FFF2-40B4-BE49-F238E27FC236}">
+                <a16:creationId xmlns:a16="http://schemas.microsoft.com/office/drawing/2014/main" id="{4ACE5271-0662-EA22-3583-D5982545797A}"/>
+              </a:ext>
+            </a:extLst>
+          </p:cNvPr>
+          <p:cNvSpPr>
+            <a:spLocks noGrp="1"/>
+          </p:cNvSpPr>
+          <p:nvPr>
+            <p:ph type="body" sz="half" idx="1"/>
+          </p:nvPr>
+        </p:nvSpPr>
+        <p:spPr>
+          <a:xfrm>
+            <a:off x="142865" y="1200150"/>
+            <a:ext cx="8865056" cy="3737370"/>
+          </a:xfrm>
+        </p:spPr>
+        <p:txBody>
+          <a:bodyPr>
+            <a:noAutofit/>
+          </a:bodyPr>
+          <a:lstStyle/>
+          <a:p>
+            <a:pPr algn="just"/>
+            <a:r>
+              <a:rPr lang="pt-BR" sz="2400" dirty="0">
+                <a:solidFill>
+                  <a:schemeClr val="tx1"/>
+                </a:solidFill>
+                <a:latin typeface="Times New Roman" panose="02020603050405020304" pitchFamily="18" charset="0"/>
+                <a:cs typeface="Times New Roman" panose="02020603050405020304" pitchFamily="18" charset="0"/>
+              </a:rPr>
+              <a:t>Busca binária – </a:t>
+            </a:r>
+            <a:r>
+              <a:rPr lang="pt-BR" sz="2400" b="1" dirty="0">
+                <a:solidFill>
+                  <a:schemeClr val="tx1"/>
+                </a:solidFill>
+                <a:latin typeface="Times New Roman" panose="02020603050405020304" pitchFamily="18" charset="0"/>
+                <a:cs typeface="Times New Roman" panose="02020603050405020304" pitchFamily="18" charset="0"/>
+              </a:rPr>
+              <a:t>O(log n)</a:t>
+            </a:r>
+          </a:p>
+          <a:p>
+            <a:pPr algn="just"/>
+            <a:endParaRPr lang="pt-BR" sz="2400" dirty="0">
+              <a:solidFill>
+                <a:schemeClr val="tx1"/>
+              </a:solidFill>
+              <a:latin typeface="Times New Roman" panose="02020603050405020304" pitchFamily="18" charset="0"/>
+              <a:cs typeface="Times New Roman" panose="02020603050405020304" pitchFamily="18" charset="0"/>
+            </a:endParaRPr>
+          </a:p>
+          <a:p>
+            <a:pPr algn="just"/>
+            <a:r>
+              <a:rPr lang="pt-BR" sz="2400" dirty="0">
+                <a:solidFill>
+                  <a:schemeClr val="tx1"/>
+                </a:solidFill>
+                <a:latin typeface="Times New Roman" panose="02020603050405020304" pitchFamily="18" charset="0"/>
+                <a:cs typeface="Times New Roman" panose="02020603050405020304" pitchFamily="18" charset="0"/>
+              </a:rPr>
+              <a:t>Torre de Hanói – </a:t>
+            </a:r>
+            <a:r>
+              <a:rPr lang="pt-BR" sz="2400" b="1" dirty="0">
+                <a:solidFill>
+                  <a:srgbClr val="FF0000"/>
+                </a:solidFill>
+                <a:latin typeface="Times New Roman" panose="02020603050405020304" pitchFamily="18" charset="0"/>
+                <a:cs typeface="Times New Roman" panose="02020603050405020304" pitchFamily="18" charset="0"/>
+              </a:rPr>
+              <a:t>O(2^n)</a:t>
+            </a:r>
+          </a:p>
+          <a:p>
+            <a:pPr algn="just"/>
+            <a:endParaRPr lang="pt-BR" sz="2400" dirty="0">
+              <a:solidFill>
+                <a:schemeClr val="tx1"/>
+              </a:solidFill>
+              <a:latin typeface="Times New Roman" panose="02020603050405020304" pitchFamily="18" charset="0"/>
+              <a:cs typeface="Times New Roman" panose="02020603050405020304" pitchFamily="18" charset="0"/>
+            </a:endParaRPr>
+          </a:p>
+          <a:p>
+            <a:pPr algn="just"/>
+            <a:r>
+              <a:rPr lang="pt-BR" sz="2400" dirty="0">
+                <a:solidFill>
+                  <a:schemeClr val="tx1"/>
+                </a:solidFill>
+                <a:latin typeface="Times New Roman" panose="02020603050405020304" pitchFamily="18" charset="0"/>
+                <a:cs typeface="Times New Roman" panose="02020603050405020304" pitchFamily="18" charset="0"/>
+              </a:rPr>
+              <a:t>Ordenação (Merge </a:t>
+            </a:r>
+            <a:r>
+              <a:rPr lang="pt-BR" sz="2400" dirty="0" err="1">
+                <a:solidFill>
+                  <a:schemeClr val="tx1"/>
+                </a:solidFill>
+                <a:latin typeface="Times New Roman" panose="02020603050405020304" pitchFamily="18" charset="0"/>
+                <a:cs typeface="Times New Roman" panose="02020603050405020304" pitchFamily="18" charset="0"/>
+              </a:rPr>
+              <a:t>Sort</a:t>
+            </a:r>
+            <a:r>
+              <a:rPr lang="pt-BR" sz="2400" dirty="0">
+                <a:solidFill>
+                  <a:schemeClr val="tx1"/>
+                </a:solidFill>
+                <a:latin typeface="Times New Roman" panose="02020603050405020304" pitchFamily="18" charset="0"/>
+                <a:cs typeface="Times New Roman" panose="02020603050405020304" pitchFamily="18" charset="0"/>
+              </a:rPr>
+              <a:t> e Quick </a:t>
+            </a:r>
+            <a:r>
+              <a:rPr lang="pt-BR" sz="2400" dirty="0" err="1">
+                <a:solidFill>
+                  <a:schemeClr val="tx1"/>
+                </a:solidFill>
+                <a:latin typeface="Times New Roman" panose="02020603050405020304" pitchFamily="18" charset="0"/>
+                <a:cs typeface="Times New Roman" panose="02020603050405020304" pitchFamily="18" charset="0"/>
+              </a:rPr>
+              <a:t>Sort</a:t>
+            </a:r>
+            <a:r>
+              <a:rPr lang="pt-BR" sz="2400" dirty="0">
+                <a:solidFill>
+                  <a:schemeClr val="tx1"/>
+                </a:solidFill>
+                <a:latin typeface="Times New Roman" panose="02020603050405020304" pitchFamily="18" charset="0"/>
+                <a:cs typeface="Times New Roman" panose="02020603050405020304" pitchFamily="18" charset="0"/>
+              </a:rPr>
+              <a:t>) – </a:t>
+            </a:r>
+            <a:r>
+              <a:rPr lang="pt-BR" sz="2400" b="1" dirty="0">
+                <a:solidFill>
+                  <a:schemeClr val="tx1"/>
+                </a:solidFill>
+                <a:latin typeface="Times New Roman" panose="02020603050405020304" pitchFamily="18" charset="0"/>
+                <a:cs typeface="Times New Roman" panose="02020603050405020304" pitchFamily="18" charset="0"/>
+              </a:rPr>
+              <a:t>O(n log n)</a:t>
+            </a:r>
+          </a:p>
+        </p:txBody>
+      </p:sp>
+    </p:spTree>
+    <p:extLst>
+      <p:ext uri="{BB962C8B-B14F-4D97-AF65-F5344CB8AC3E}">
+        <p14:creationId xmlns:p14="http://schemas.microsoft.com/office/powerpoint/2010/main" val="2758981334"/>
+      </p:ext>
+    </p:extLst>
+  </p:cSld>
+  <p:clrMapOvr>
+    <a:masterClrMapping/>
+  </p:clrMapOvr>
+  <p:transition spd="med"/>
+</p:sld>
+</file>
+
+<file path=ppt/slides/slide16.xml><?xml version="1.0" encoding="utf-8"?>
+<p:sld xmlns:a="http://schemas.openxmlformats.org/drawingml/2006/main" xmlns:r="http://schemas.openxmlformats.org/officeDocument/2006/relationships" xmlns:p="http://schemas.openxmlformats.org/presentationml/2006/main">
+  <p:cSld>
+    <p:spTree>
+      <p:nvGrpSpPr>
+        <p:cNvPr id="1" name="">
+          <a:extLst>
+            <a:ext uri="{FF2B5EF4-FFF2-40B4-BE49-F238E27FC236}">
+              <a16:creationId xmlns:a16="http://schemas.microsoft.com/office/drawing/2014/main" id="{EFD9C515-72FF-2752-8A28-635DA45B559E}"/>
+            </a:ext>
+          </a:extLst>
+        </p:cNvPr>
+        <p:cNvGrpSpPr/>
+        <p:nvPr/>
+      </p:nvGrpSpPr>
+      <p:grpSpPr>
+        <a:xfrm>
+          <a:off x="0" y="0"/>
+          <a:ext cx="0" cy="0"/>
+          <a:chOff x="0" y="0"/>
+          <a:chExt cx="0" cy="0"/>
+        </a:xfrm>
+      </p:grpSpPr>
+      <p:sp>
+        <p:nvSpPr>
+          <p:cNvPr id="6" name="Title 1">
+            <a:extLst>
+              <a:ext uri="{FF2B5EF4-FFF2-40B4-BE49-F238E27FC236}">
+                <a16:creationId xmlns:a16="http://schemas.microsoft.com/office/drawing/2014/main" id="{5136D73F-BEAD-FF37-F216-E97B942F12D7}"/>
+              </a:ext>
+            </a:extLst>
+          </p:cNvPr>
+          <p:cNvSpPr>
+            <a:spLocks noGrp="1"/>
+          </p:cNvSpPr>
+          <p:nvPr>
+            <p:ph type="title"/>
+          </p:nvPr>
+        </p:nvSpPr>
+        <p:spPr>
+          <a:xfrm>
+            <a:off x="457200" y="205980"/>
+            <a:ext cx="8229600" cy="857251"/>
+          </a:xfrm>
+        </p:spPr>
+        <p:txBody>
+          <a:bodyPr>
+            <a:normAutofit fontScale="90000"/>
+          </a:bodyPr>
+          <a:lstStyle/>
+          <a:p>
+            <a:r>
+              <a:rPr lang="en-US" b="1" dirty="0" err="1">
+                <a:solidFill>
+                  <a:srgbClr val="0070C0"/>
+                </a:solidFill>
+              </a:rPr>
+              <a:t>Recursividade</a:t>
+            </a:r>
+            <a:r>
+              <a:rPr lang="en-US" b="1" dirty="0">
+                <a:solidFill>
+                  <a:srgbClr val="0070C0"/>
+                </a:solidFill>
+              </a:rPr>
+              <a:t> </a:t>
+            </a:r>
+            <a:r>
+              <a:rPr lang="en-US" b="1" dirty="0" err="1">
+                <a:solidFill>
+                  <a:srgbClr val="0070C0"/>
+                </a:solidFill>
+              </a:rPr>
+              <a:t>Vantagens</a:t>
+            </a:r>
+            <a:r>
+              <a:rPr lang="en-US" b="1" dirty="0">
+                <a:solidFill>
+                  <a:srgbClr val="0070C0"/>
+                </a:solidFill>
+              </a:rPr>
+              <a:t> e </a:t>
+            </a:r>
+            <a:r>
+              <a:rPr lang="en-US" b="1" dirty="0" err="1">
+                <a:solidFill>
+                  <a:srgbClr val="0070C0"/>
+                </a:solidFill>
+              </a:rPr>
+              <a:t>Desvantag</a:t>
+            </a:r>
+            <a:r>
+              <a:rPr lang="en-US" b="1" dirty="0">
+                <a:solidFill>
+                  <a:srgbClr val="0070C0"/>
+                </a:solidFill>
+              </a:rPr>
+              <a:t>.</a:t>
+            </a:r>
+          </a:p>
+        </p:txBody>
+      </p:sp>
+      <p:sp>
+        <p:nvSpPr>
+          <p:cNvPr id="8" name="Text Placeholder 2">
+            <a:extLst>
+              <a:ext uri="{FF2B5EF4-FFF2-40B4-BE49-F238E27FC236}">
+                <a16:creationId xmlns:a16="http://schemas.microsoft.com/office/drawing/2014/main" id="{10FB369D-6987-1943-200A-6EC5FB9DC4CD}"/>
+              </a:ext>
+            </a:extLst>
+          </p:cNvPr>
+          <p:cNvSpPr>
+            <a:spLocks noGrp="1"/>
+          </p:cNvSpPr>
+          <p:nvPr>
+            <p:ph type="body" sz="half" idx="1"/>
+          </p:nvPr>
+        </p:nvSpPr>
+        <p:spPr>
+          <a:xfrm>
+            <a:off x="142865" y="1200150"/>
+            <a:ext cx="8865056" cy="3737370"/>
+          </a:xfrm>
+        </p:spPr>
+        <p:txBody>
+          <a:bodyPr>
+            <a:noAutofit/>
+          </a:bodyPr>
+          <a:lstStyle/>
+          <a:p>
+            <a:pPr algn="just">
+              <a:buFont typeface="Wingdings" panose="05000000000000000000" pitchFamily="2" charset="2"/>
+              <a:buChar char="ü"/>
+            </a:pPr>
+            <a:r>
+              <a:rPr lang="pt-BR" sz="2400" dirty="0">
+                <a:solidFill>
+                  <a:schemeClr val="tx1"/>
+                </a:solidFill>
+                <a:latin typeface="Times New Roman" panose="02020603050405020304" pitchFamily="18" charset="0"/>
+                <a:cs typeface="Times New Roman" panose="02020603050405020304" pitchFamily="18" charset="0"/>
+              </a:rPr>
+              <a:t>Clareza e elegância na solução</a:t>
+            </a:r>
+          </a:p>
+          <a:p>
+            <a:pPr algn="just">
+              <a:buFont typeface="Wingdings" panose="05000000000000000000" pitchFamily="2" charset="2"/>
+              <a:buChar char="ü"/>
+            </a:pPr>
+            <a:r>
+              <a:rPr lang="pt-BR" sz="2400" dirty="0">
+                <a:solidFill>
+                  <a:schemeClr val="tx1"/>
+                </a:solidFill>
+                <a:latin typeface="Times New Roman" panose="02020603050405020304" pitchFamily="18" charset="0"/>
+                <a:cs typeface="Times New Roman" panose="02020603050405020304" pitchFamily="18" charset="0"/>
+              </a:rPr>
+              <a:t>Natural para problemas definidos de forma recursiva (árvores, grafos, divisão e conquista)</a:t>
+            </a:r>
+          </a:p>
+          <a:p>
+            <a:pPr marL="0" indent="0" algn="just">
+              <a:buNone/>
+            </a:pPr>
+            <a:endParaRPr lang="pt-BR" sz="2400" dirty="0">
+              <a:solidFill>
+                <a:schemeClr val="tx1"/>
+              </a:solidFill>
+              <a:latin typeface="Times New Roman" panose="02020603050405020304" pitchFamily="18" charset="0"/>
+              <a:cs typeface="Times New Roman" panose="02020603050405020304" pitchFamily="18" charset="0"/>
+            </a:endParaRPr>
+          </a:p>
+          <a:p>
+            <a:pPr algn="just"/>
+            <a:r>
+              <a:rPr lang="pt-BR" sz="2400" strike="sngStrike" dirty="0">
+                <a:solidFill>
+                  <a:schemeClr val="tx1"/>
+                </a:solidFill>
+                <a:latin typeface="Times New Roman" panose="02020603050405020304" pitchFamily="18" charset="0"/>
+                <a:cs typeface="Times New Roman" panose="02020603050405020304" pitchFamily="18" charset="0"/>
+              </a:rPr>
+              <a:t>Pode consumir muita memória (</a:t>
+            </a:r>
+            <a:r>
+              <a:rPr lang="pt-BR" sz="2400" b="1" strike="sngStrike" dirty="0">
+                <a:solidFill>
+                  <a:srgbClr val="FF0000"/>
+                </a:solidFill>
+                <a:latin typeface="Times New Roman" panose="02020603050405020304" pitchFamily="18" charset="0"/>
+                <a:cs typeface="Times New Roman" panose="02020603050405020304" pitchFamily="18" charset="0"/>
+              </a:rPr>
+              <a:t>pilha de chamadas</a:t>
+            </a:r>
+            <a:r>
+              <a:rPr lang="pt-BR" sz="2400" strike="sngStrike" dirty="0">
+                <a:solidFill>
+                  <a:schemeClr val="tx1"/>
+                </a:solidFill>
+                <a:latin typeface="Times New Roman" panose="02020603050405020304" pitchFamily="18" charset="0"/>
+                <a:cs typeface="Times New Roman" panose="02020603050405020304" pitchFamily="18" charset="0"/>
+              </a:rPr>
+              <a:t>)</a:t>
+            </a:r>
+          </a:p>
+          <a:p>
+            <a:pPr algn="just"/>
+            <a:r>
+              <a:rPr lang="pt-BR" sz="2400" strike="sngStrike" dirty="0">
+                <a:solidFill>
+                  <a:schemeClr val="tx1"/>
+                </a:solidFill>
+                <a:latin typeface="Times New Roman" panose="02020603050405020304" pitchFamily="18" charset="0"/>
+                <a:cs typeface="Times New Roman" panose="02020603050405020304" pitchFamily="18" charset="0"/>
+              </a:rPr>
+              <a:t>Pode ser muito mais lenta se não houver otimização (</a:t>
+            </a:r>
+            <a:r>
+              <a:rPr lang="pt-BR" sz="2400" b="1" strike="sngStrike" dirty="0">
+                <a:solidFill>
+                  <a:srgbClr val="FF0000"/>
+                </a:solidFill>
+                <a:latin typeface="Times New Roman" panose="02020603050405020304" pitchFamily="18" charset="0"/>
+                <a:cs typeface="Times New Roman" panose="02020603050405020304" pitchFamily="18" charset="0"/>
+              </a:rPr>
+              <a:t>exemplo: Fibonacci</a:t>
+            </a:r>
+            <a:r>
+              <a:rPr lang="pt-BR" sz="2400" strike="sngStrike" dirty="0">
+                <a:solidFill>
+                  <a:schemeClr val="tx1"/>
+                </a:solidFill>
+                <a:latin typeface="Times New Roman" panose="02020603050405020304" pitchFamily="18" charset="0"/>
+                <a:cs typeface="Times New Roman" panose="02020603050405020304" pitchFamily="18" charset="0"/>
+              </a:rPr>
+              <a:t>)</a:t>
+            </a:r>
+            <a:endParaRPr lang="pt-BR" sz="2400" b="1" strike="sngStrike" dirty="0">
+              <a:solidFill>
+                <a:schemeClr val="tx1"/>
+              </a:solidFill>
+              <a:latin typeface="Times New Roman" panose="02020603050405020304" pitchFamily="18" charset="0"/>
+              <a:cs typeface="Times New Roman" panose="02020603050405020304" pitchFamily="18" charset="0"/>
+            </a:endParaRPr>
+          </a:p>
+        </p:txBody>
+      </p:sp>
+    </p:spTree>
+    <p:extLst>
+      <p:ext uri="{BB962C8B-B14F-4D97-AF65-F5344CB8AC3E}">
+        <p14:creationId xmlns:p14="http://schemas.microsoft.com/office/powerpoint/2010/main" val="3701328476"/>
+      </p:ext>
+    </p:extLst>
+  </p:cSld>
+  <p:clrMapOvr>
+    <a:masterClrMapping/>
+  </p:clrMapOvr>
+  <p:transition spd="med"/>
+</p:sld>
+</file>
+
+<file path=ppt/slides/slide17.xml><?xml version="1.0" encoding="utf-8"?>
+<p:sld xmlns:a="http://schemas.openxmlformats.org/drawingml/2006/main" xmlns:r="http://schemas.openxmlformats.org/officeDocument/2006/relationships" xmlns:p="http://schemas.openxmlformats.org/presentationml/2006/main">
+  <p:cSld>
+    <p:spTree>
+      <p:nvGrpSpPr>
+        <p:cNvPr id="1" name="">
+          <a:extLst>
+            <a:ext uri="{FF2B5EF4-FFF2-40B4-BE49-F238E27FC236}">
+              <a16:creationId xmlns:a16="http://schemas.microsoft.com/office/drawing/2014/main" id="{8F4E77BB-D01B-0FB1-173C-9A1533573DE2}"/>
+            </a:ext>
+          </a:extLst>
+        </p:cNvPr>
+        <p:cNvGrpSpPr/>
+        <p:nvPr/>
+      </p:nvGrpSpPr>
+      <p:grpSpPr>
+        <a:xfrm>
+          <a:off x="0" y="0"/>
+          <a:ext cx="0" cy="0"/>
+          <a:chOff x="0" y="0"/>
+          <a:chExt cx="0" cy="0"/>
+        </a:xfrm>
+      </p:grpSpPr>
+      <p:sp>
+        <p:nvSpPr>
+          <p:cNvPr id="6" name="Title 1">
+            <a:extLst>
+              <a:ext uri="{FF2B5EF4-FFF2-40B4-BE49-F238E27FC236}">
+                <a16:creationId xmlns:a16="http://schemas.microsoft.com/office/drawing/2014/main" id="{D75BA2CC-12FF-8674-1DC2-71401FBBE66A}"/>
+              </a:ext>
+            </a:extLst>
+          </p:cNvPr>
+          <p:cNvSpPr>
+            <a:spLocks noGrp="1"/>
+          </p:cNvSpPr>
+          <p:nvPr>
+            <p:ph type="title"/>
+          </p:nvPr>
+        </p:nvSpPr>
+        <p:spPr>
+          <a:xfrm>
+            <a:off x="457200" y="205980"/>
+            <a:ext cx="8229600" cy="857251"/>
+          </a:xfrm>
+        </p:spPr>
+        <p:txBody>
+          <a:bodyPr>
+            <a:normAutofit/>
+          </a:bodyPr>
+          <a:lstStyle/>
+          <a:p>
+            <a:r>
+              <a:rPr lang="en-US" b="1" dirty="0" err="1">
+                <a:solidFill>
+                  <a:srgbClr val="0070C0"/>
+                </a:solidFill>
+              </a:rPr>
+              <a:t>Recursividade</a:t>
+            </a:r>
+            <a:endParaRPr lang="en-US" b="1" dirty="0">
+              <a:solidFill>
+                <a:srgbClr val="0070C0"/>
+              </a:solidFill>
+            </a:endParaRPr>
+          </a:p>
+        </p:txBody>
+      </p:sp>
+      <p:sp>
+        <p:nvSpPr>
+          <p:cNvPr id="8" name="Text Placeholder 2">
+            <a:extLst>
+              <a:ext uri="{FF2B5EF4-FFF2-40B4-BE49-F238E27FC236}">
+                <a16:creationId xmlns:a16="http://schemas.microsoft.com/office/drawing/2014/main" id="{F79C80C4-B8C4-0B99-5B31-D1F095EF4C09}"/>
+              </a:ext>
+            </a:extLst>
+          </p:cNvPr>
+          <p:cNvSpPr>
+            <a:spLocks noGrp="1"/>
+          </p:cNvSpPr>
+          <p:nvPr>
+            <p:ph type="body" sz="half" idx="1"/>
+          </p:nvPr>
+        </p:nvSpPr>
+        <p:spPr>
+          <a:xfrm>
+            <a:off x="142865" y="1200150"/>
+            <a:ext cx="8865056" cy="3737370"/>
+          </a:xfrm>
+        </p:spPr>
+        <p:txBody>
+          <a:bodyPr>
+            <a:noAutofit/>
+          </a:bodyPr>
+          <a:lstStyle/>
+          <a:p>
+            <a:pPr marL="0" indent="0" algn="just">
+              <a:buNone/>
+            </a:pPr>
+            <a:r>
+              <a:rPr lang="pt-BR" sz="2000" b="1" dirty="0">
+                <a:solidFill>
+                  <a:schemeClr val="tx1"/>
+                </a:solidFill>
+                <a:latin typeface="Times New Roman" panose="02020603050405020304" pitchFamily="18" charset="0"/>
+                <a:cs typeface="Times New Roman" panose="02020603050405020304" pitchFamily="18" charset="0"/>
+              </a:rPr>
+              <a:t>Analise o </a:t>
+            </a:r>
+            <a:r>
+              <a:rPr lang="pt-BR" sz="2000" b="1" dirty="0">
+                <a:solidFill>
+                  <a:srgbClr val="FF0000"/>
+                </a:solidFill>
+                <a:latin typeface="Times New Roman" panose="02020603050405020304" pitchFamily="18" charset="0"/>
+                <a:cs typeface="Times New Roman" panose="02020603050405020304" pitchFamily="18" charset="0"/>
+              </a:rPr>
+              <a:t>Fibonacci</a:t>
+            </a:r>
+            <a:r>
+              <a:rPr lang="pt-BR" sz="2000" b="1" dirty="0">
+                <a:solidFill>
+                  <a:schemeClr val="tx1"/>
+                </a:solidFill>
+                <a:latin typeface="Times New Roman" panose="02020603050405020304" pitchFamily="18" charset="0"/>
+                <a:cs typeface="Times New Roman" panose="02020603050405020304" pitchFamily="18" charset="0"/>
+              </a:rPr>
+              <a:t> "ingênuo" </a:t>
+            </a:r>
+            <a:r>
+              <a:rPr lang="pt-BR" sz="2000" b="1" dirty="0">
+                <a:solidFill>
+                  <a:srgbClr val="FF0000"/>
+                </a:solidFill>
+                <a:latin typeface="Times New Roman" panose="02020603050405020304" pitchFamily="18" charset="0"/>
+                <a:cs typeface="Times New Roman" panose="02020603050405020304" pitchFamily="18" charset="0"/>
+              </a:rPr>
+              <a:t>recursivo</a:t>
+            </a:r>
+            <a:r>
+              <a:rPr lang="pt-BR" sz="2000" dirty="0">
+                <a:solidFill>
+                  <a:schemeClr val="tx1"/>
+                </a:solidFill>
+                <a:latin typeface="Times New Roman" panose="02020603050405020304" pitchFamily="18" charset="0"/>
+                <a:cs typeface="Times New Roman" panose="02020603050405020304" pitchFamily="18" charset="0"/>
+              </a:rPr>
+              <a:t>:</a:t>
+            </a:r>
+          </a:p>
+          <a:p>
+            <a:pPr marL="0" indent="0" algn="just">
+              <a:buNone/>
+            </a:pPr>
+            <a:endParaRPr lang="pt-BR" sz="2000" dirty="0">
+              <a:solidFill>
+                <a:schemeClr val="tx1"/>
+              </a:solidFill>
+              <a:latin typeface="Times New Roman" panose="02020603050405020304" pitchFamily="18" charset="0"/>
+              <a:cs typeface="Times New Roman" panose="02020603050405020304" pitchFamily="18" charset="0"/>
+            </a:endParaRPr>
+          </a:p>
+          <a:p>
+            <a:pPr algn="just"/>
+            <a:r>
+              <a:rPr lang="pt-BR" sz="2000" dirty="0">
+                <a:solidFill>
+                  <a:schemeClr val="tx1"/>
+                </a:solidFill>
+                <a:latin typeface="Times New Roman" panose="02020603050405020304" pitchFamily="18" charset="0"/>
+                <a:cs typeface="Times New Roman" panose="02020603050405020304" pitchFamily="18" charset="0"/>
+              </a:rPr>
+              <a:t>Quantas chamadas são feitas? </a:t>
+            </a:r>
+            <a:r>
+              <a:rPr lang="de-DE" sz="2000" dirty="0">
+                <a:solidFill>
+                  <a:schemeClr val="tx1"/>
+                </a:solidFill>
+                <a:latin typeface="Times New Roman" panose="02020603050405020304" pitchFamily="18" charset="0"/>
+                <a:cs typeface="Times New Roman" panose="02020603050405020304" pitchFamily="18" charset="0"/>
+              </a:rPr>
+              <a:t>T(n) = 2 * F</a:t>
+            </a:r>
+            <a:r>
+              <a:rPr lang="de-DE" sz="2000" baseline="-25000" dirty="0">
+                <a:solidFill>
+                  <a:schemeClr val="tx1"/>
+                </a:solidFill>
+                <a:latin typeface="Times New Roman" panose="02020603050405020304" pitchFamily="18" charset="0"/>
+                <a:cs typeface="Times New Roman" panose="02020603050405020304" pitchFamily="18" charset="0"/>
+              </a:rPr>
+              <a:t>n+1</a:t>
+            </a:r>
+            <a:r>
+              <a:rPr lang="de-DE" sz="2000" dirty="0">
+                <a:solidFill>
+                  <a:schemeClr val="tx1"/>
+                </a:solidFill>
+                <a:latin typeface="Times New Roman" panose="02020603050405020304" pitchFamily="18" charset="0"/>
+                <a:cs typeface="Times New Roman" panose="02020603050405020304" pitchFamily="18" charset="0"/>
+              </a:rPr>
+              <a:t> ​−1, n= 6, são 25 chamadas.</a:t>
+            </a:r>
+            <a:endParaRPr lang="pt-BR" sz="2000" dirty="0">
+              <a:solidFill>
+                <a:schemeClr val="tx1"/>
+              </a:solidFill>
+              <a:latin typeface="Times New Roman" panose="02020603050405020304" pitchFamily="18" charset="0"/>
+              <a:cs typeface="Times New Roman" panose="02020603050405020304" pitchFamily="18" charset="0"/>
+            </a:endParaRPr>
+          </a:p>
+          <a:p>
+            <a:pPr algn="just"/>
+            <a:r>
+              <a:rPr lang="pt-BR" sz="2000" dirty="0">
+                <a:latin typeface="Times New Roman" panose="02020603050405020304" pitchFamily="18" charset="0"/>
+                <a:cs typeface="Times New Roman" panose="02020603050405020304" pitchFamily="18" charset="0"/>
+              </a:rPr>
+              <a:t>Intuição: a árvore de chamadas tem</a:t>
+            </a:r>
+          </a:p>
+          <a:p>
+            <a:pPr lvl="1"/>
+            <a:r>
+              <a:rPr lang="pt-BR" sz="2000" b="1" dirty="0">
+                <a:latin typeface="Times New Roman" panose="02020603050405020304" pitchFamily="18" charset="0"/>
+                <a:cs typeface="Times New Roman" panose="02020603050405020304" pitchFamily="18" charset="0"/>
+              </a:rPr>
+              <a:t>folhas</a:t>
+            </a:r>
+            <a:r>
+              <a:rPr lang="pt-BR" sz="2000" dirty="0">
+                <a:latin typeface="Times New Roman" panose="02020603050405020304" pitchFamily="18" charset="0"/>
+                <a:cs typeface="Times New Roman" panose="02020603050405020304" pitchFamily="18" charset="0"/>
+              </a:rPr>
+              <a:t> =F</a:t>
+            </a:r>
+            <a:r>
+              <a:rPr lang="pt-BR" sz="2000" baseline="-25000" dirty="0">
+                <a:latin typeface="Times New Roman" panose="02020603050405020304" pitchFamily="18" charset="0"/>
+                <a:cs typeface="Times New Roman" panose="02020603050405020304" pitchFamily="18" charset="0"/>
+              </a:rPr>
+              <a:t>n+1</a:t>
+            </a:r>
+            <a:r>
+              <a:rPr lang="pt-BR" sz="2000" dirty="0">
+                <a:latin typeface="Times New Roman" panose="02020603050405020304" pitchFamily="18" charset="0"/>
+                <a:cs typeface="Times New Roman" panose="02020603050405020304" pitchFamily="18" charset="0"/>
+              </a:rPr>
+              <a:t>​ (são os casos-base </a:t>
+            </a:r>
+            <a:r>
+              <a:rPr lang="pt-BR" sz="2000" dirty="0" err="1">
+                <a:latin typeface="Times New Roman" panose="02020603050405020304" pitchFamily="18" charset="0"/>
+                <a:cs typeface="Times New Roman" panose="02020603050405020304" pitchFamily="18" charset="0"/>
+              </a:rPr>
+              <a:t>fib</a:t>
+            </a:r>
+            <a:r>
+              <a:rPr lang="pt-BR" sz="2000" dirty="0">
+                <a:latin typeface="Times New Roman" panose="02020603050405020304" pitchFamily="18" charset="0"/>
+                <a:cs typeface="Times New Roman" panose="02020603050405020304" pitchFamily="18" charset="0"/>
+              </a:rPr>
+              <a:t>(0)/</a:t>
+            </a:r>
+            <a:r>
+              <a:rPr lang="pt-BR" sz="2000" dirty="0" err="1">
+                <a:latin typeface="Times New Roman" panose="02020603050405020304" pitchFamily="18" charset="0"/>
+                <a:cs typeface="Times New Roman" panose="02020603050405020304" pitchFamily="18" charset="0"/>
+              </a:rPr>
+              <a:t>fib</a:t>
+            </a:r>
+            <a:r>
+              <a:rPr lang="pt-BR" sz="2000" dirty="0">
+                <a:latin typeface="Times New Roman" panose="02020603050405020304" pitchFamily="18" charset="0"/>
+                <a:cs typeface="Times New Roman" panose="02020603050405020304" pitchFamily="18" charset="0"/>
+              </a:rPr>
+              <a:t>(1)),</a:t>
+            </a:r>
+          </a:p>
+          <a:p>
+            <a:pPr lvl="1"/>
+            <a:r>
+              <a:rPr lang="pt-BR" sz="2000" b="1" dirty="0">
+                <a:latin typeface="Times New Roman" panose="02020603050405020304" pitchFamily="18" charset="0"/>
+                <a:cs typeface="Times New Roman" panose="02020603050405020304" pitchFamily="18" charset="0"/>
+              </a:rPr>
+              <a:t>nós internos</a:t>
+            </a:r>
+            <a:r>
+              <a:rPr lang="pt-BR" sz="2000" dirty="0">
+                <a:latin typeface="Times New Roman" panose="02020603050405020304" pitchFamily="18" charset="0"/>
+                <a:cs typeface="Times New Roman" panose="02020603050405020304" pitchFamily="18" charset="0"/>
+              </a:rPr>
+              <a:t> =F</a:t>
+            </a:r>
+            <a:r>
+              <a:rPr lang="pt-BR" sz="2000" baseline="-25000" dirty="0">
+                <a:latin typeface="Times New Roman" panose="02020603050405020304" pitchFamily="18" charset="0"/>
+                <a:cs typeface="Times New Roman" panose="02020603050405020304" pitchFamily="18" charset="0"/>
+              </a:rPr>
+              <a:t>n+1</a:t>
+            </a:r>
+            <a:r>
+              <a:rPr lang="pt-BR" sz="2000" dirty="0">
+                <a:latin typeface="Times New Roman" panose="02020603050405020304" pitchFamily="18" charset="0"/>
+                <a:cs typeface="Times New Roman" panose="02020603050405020304" pitchFamily="18" charset="0"/>
+              </a:rPr>
+              <a:t>−1 (cada um realiza 1 soma).</a:t>
+            </a:r>
+          </a:p>
+          <a:p>
+            <a:pPr lvl="1"/>
+            <a:r>
+              <a:rPr lang="pt-BR" sz="2000" b="1" dirty="0">
+                <a:latin typeface="Times New Roman" panose="02020603050405020304" pitchFamily="18" charset="0"/>
+                <a:cs typeface="Times New Roman" panose="02020603050405020304" pitchFamily="18" charset="0"/>
+              </a:rPr>
+              <a:t>Total de chamadas </a:t>
+            </a:r>
+            <a:r>
+              <a:rPr lang="pt-BR" sz="2000" dirty="0">
+                <a:latin typeface="Times New Roman" panose="02020603050405020304" pitchFamily="18" charset="0"/>
+                <a:cs typeface="Times New Roman" panose="02020603050405020304" pitchFamily="18" charset="0"/>
+              </a:rPr>
+              <a:t>= folhas + internos =2</a:t>
+            </a:r>
+            <a:r>
+              <a:rPr lang="pt-BR" sz="2000" baseline="-25000" dirty="0">
+                <a:latin typeface="Times New Roman" panose="02020603050405020304" pitchFamily="18" charset="0"/>
+                <a:cs typeface="Times New Roman" panose="02020603050405020304" pitchFamily="18" charset="0"/>
+              </a:rPr>
+              <a:t>Fn+1</a:t>
+            </a:r>
+            <a:r>
+              <a:rPr lang="pt-BR" sz="2000" dirty="0">
+                <a:latin typeface="Times New Roman" panose="02020603050405020304" pitchFamily="18" charset="0"/>
+                <a:cs typeface="Times New Roman" panose="02020603050405020304" pitchFamily="18" charset="0"/>
+              </a:rPr>
+              <a:t> −1.</a:t>
+            </a:r>
+          </a:p>
+          <a:p>
+            <a:pPr algn="just"/>
+            <a:r>
+              <a:rPr lang="pt-BR" sz="2000" b="1" dirty="0">
+                <a:solidFill>
+                  <a:srgbClr val="FF0000"/>
+                </a:solidFill>
+                <a:latin typeface="Times New Roman" panose="02020603050405020304" pitchFamily="18" charset="0"/>
+                <a:cs typeface="Times New Roman" panose="02020603050405020304" pitchFamily="18" charset="0"/>
+              </a:rPr>
+              <a:t>Crescimento exponencial</a:t>
+            </a:r>
+            <a:r>
+              <a:rPr lang="pt-BR" sz="2000" dirty="0">
+                <a:solidFill>
+                  <a:schemeClr val="tx1"/>
+                </a:solidFill>
+                <a:latin typeface="Times New Roman" panose="02020603050405020304" pitchFamily="18" charset="0"/>
+                <a:cs typeface="Times New Roman" panose="02020603050405020304" pitchFamily="18" charset="0"/>
+              </a:rPr>
+              <a:t>: O(</a:t>
+            </a:r>
+            <a:r>
+              <a:rPr lang="pt-BR" sz="2000" b="1" dirty="0">
+                <a:solidFill>
+                  <a:srgbClr val="FF0000"/>
+                </a:solidFill>
+                <a:latin typeface="Times New Roman" panose="02020603050405020304" pitchFamily="18" charset="0"/>
+                <a:cs typeface="Times New Roman" panose="02020603050405020304" pitchFamily="18" charset="0"/>
+              </a:rPr>
+              <a:t>2^n</a:t>
+            </a:r>
+            <a:r>
+              <a:rPr lang="pt-BR" sz="2000" dirty="0">
+                <a:solidFill>
+                  <a:schemeClr val="tx1"/>
+                </a:solidFill>
+                <a:latin typeface="Times New Roman" panose="02020603050405020304" pitchFamily="18" charset="0"/>
+                <a:cs typeface="Times New Roman" panose="02020603050405020304" pitchFamily="18" charset="0"/>
+              </a:rPr>
+              <a:t>)</a:t>
+            </a:r>
+          </a:p>
+          <a:p>
+            <a:pPr algn="just"/>
+            <a:r>
+              <a:rPr lang="pt-BR" sz="2000" b="1" dirty="0">
+                <a:solidFill>
+                  <a:srgbClr val="FF0000"/>
+                </a:solidFill>
+                <a:latin typeface="Times New Roman" panose="02020603050405020304" pitchFamily="18" charset="0"/>
+                <a:cs typeface="Times New Roman" panose="02020603050405020304" pitchFamily="18" charset="0"/>
+              </a:rPr>
+              <a:t>Fatorial</a:t>
+            </a:r>
+            <a:r>
+              <a:rPr lang="pt-BR" sz="2000" dirty="0">
+                <a:solidFill>
+                  <a:schemeClr val="tx1"/>
+                </a:solidFill>
+                <a:latin typeface="Times New Roman" panose="02020603050405020304" pitchFamily="18" charset="0"/>
+                <a:cs typeface="Times New Roman" panose="02020603050405020304" pitchFamily="18" charset="0"/>
+              </a:rPr>
+              <a:t> é linear: O(</a:t>
+            </a:r>
+            <a:r>
+              <a:rPr lang="pt-BR" sz="2000" b="1" dirty="0">
+                <a:solidFill>
+                  <a:schemeClr val="tx1"/>
+                </a:solidFill>
+                <a:latin typeface="Times New Roman" panose="02020603050405020304" pitchFamily="18" charset="0"/>
+                <a:cs typeface="Times New Roman" panose="02020603050405020304" pitchFamily="18" charset="0"/>
+              </a:rPr>
+              <a:t>n</a:t>
+            </a:r>
+            <a:r>
+              <a:rPr lang="pt-BR" sz="2000" dirty="0">
+                <a:solidFill>
+                  <a:schemeClr val="tx1"/>
+                </a:solidFill>
+                <a:latin typeface="Times New Roman" panose="02020603050405020304" pitchFamily="18" charset="0"/>
+                <a:cs typeface="Times New Roman" panose="02020603050405020304" pitchFamily="18" charset="0"/>
+              </a:rPr>
+              <a:t>) </a:t>
+            </a:r>
+            <a:r>
+              <a:rPr lang="pt-BR" sz="2000" dirty="0" err="1">
+                <a:solidFill>
+                  <a:schemeClr val="tx1"/>
+                </a:solidFill>
+                <a:latin typeface="Times New Roman" panose="02020603050405020304" pitchFamily="18" charset="0"/>
+                <a:cs typeface="Times New Roman" panose="02020603050405020304" pitchFamily="18" charset="0"/>
+              </a:rPr>
+              <a:t>T</a:t>
+            </a:r>
+            <a:r>
+              <a:rPr lang="pt-BR" sz="2000" baseline="-25000" dirty="0" err="1">
+                <a:solidFill>
+                  <a:schemeClr val="tx1"/>
+                </a:solidFill>
+                <a:latin typeface="Times New Roman" panose="02020603050405020304" pitchFamily="18" charset="0"/>
+                <a:cs typeface="Times New Roman" panose="02020603050405020304" pitchFamily="18" charset="0"/>
+              </a:rPr>
+              <a:t>fact</a:t>
+            </a:r>
+            <a:r>
+              <a:rPr lang="pt-BR" sz="2000" baseline="-25000" dirty="0">
+                <a:solidFill>
+                  <a:schemeClr val="tx1"/>
+                </a:solidFill>
+                <a:latin typeface="Times New Roman" panose="02020603050405020304" pitchFamily="18" charset="0"/>
+                <a:cs typeface="Times New Roman" panose="02020603050405020304" pitchFamily="18" charset="0"/>
+              </a:rPr>
+              <a:t>​</a:t>
+            </a:r>
+            <a:r>
+              <a:rPr lang="pt-BR" sz="2000" dirty="0">
+                <a:solidFill>
+                  <a:schemeClr val="tx1"/>
+                </a:solidFill>
+                <a:latin typeface="Times New Roman" panose="02020603050405020304" pitchFamily="18" charset="0"/>
+                <a:cs typeface="Times New Roman" panose="02020603050405020304" pitchFamily="18" charset="0"/>
+              </a:rPr>
+              <a:t>(</a:t>
+            </a:r>
+            <a:r>
+              <a:rPr lang="pt-BR" sz="2000" b="1" dirty="0">
+                <a:solidFill>
+                  <a:schemeClr val="tx1"/>
+                </a:solidFill>
+                <a:latin typeface="Times New Roman" panose="02020603050405020304" pitchFamily="18" charset="0"/>
+                <a:cs typeface="Times New Roman" panose="02020603050405020304" pitchFamily="18" charset="0"/>
+              </a:rPr>
+              <a:t>n</a:t>
+            </a:r>
+            <a:r>
+              <a:rPr lang="pt-BR" sz="2000" dirty="0">
+                <a:solidFill>
+                  <a:schemeClr val="tx1"/>
+                </a:solidFill>
+                <a:latin typeface="Times New Roman" panose="02020603050405020304" pitchFamily="18" charset="0"/>
+                <a:cs typeface="Times New Roman" panose="02020603050405020304" pitchFamily="18" charset="0"/>
+              </a:rPr>
+              <a:t>) = n + 1</a:t>
+            </a:r>
+          </a:p>
+        </p:txBody>
+      </p:sp>
+    </p:spTree>
+    <p:extLst>
+      <p:ext uri="{BB962C8B-B14F-4D97-AF65-F5344CB8AC3E}">
+        <p14:creationId xmlns:p14="http://schemas.microsoft.com/office/powerpoint/2010/main" val="363698930"/>
+      </p:ext>
+    </p:extLst>
+  </p:cSld>
+  <p:clrMapOvr>
+    <a:masterClrMapping/>
+  </p:clrMapOvr>
+  <p:transition spd="med"/>
+</p:sld>
+</file>
+
+<file path=ppt/slides/slide18.xml><?xml version="1.0" encoding="utf-8"?>
+<p:sld xmlns:a="http://schemas.openxmlformats.org/drawingml/2006/main" xmlns:r="http://schemas.openxmlformats.org/officeDocument/2006/relationships" xmlns:p="http://schemas.openxmlformats.org/presentationml/2006/main">
+  <p:cSld>
+    <p:spTree>
+      <p:nvGrpSpPr>
+        <p:cNvPr id="1" name="">
+          <a:extLst>
+            <a:ext uri="{FF2B5EF4-FFF2-40B4-BE49-F238E27FC236}">
+              <a16:creationId xmlns:a16="http://schemas.microsoft.com/office/drawing/2014/main" id="{2D3D3882-008F-AD9C-02AA-3367CBA428CB}"/>
+            </a:ext>
+          </a:extLst>
+        </p:cNvPr>
+        <p:cNvGrpSpPr/>
+        <p:nvPr/>
+      </p:nvGrpSpPr>
+      <p:grpSpPr>
+        <a:xfrm>
+          <a:off x="0" y="0"/>
+          <a:ext cx="0" cy="0"/>
+          <a:chOff x="0" y="0"/>
+          <a:chExt cx="0" cy="0"/>
+        </a:xfrm>
+      </p:grpSpPr>
+      <p:sp>
+        <p:nvSpPr>
+          <p:cNvPr id="6" name="Title 1">
+            <a:extLst>
+              <a:ext uri="{FF2B5EF4-FFF2-40B4-BE49-F238E27FC236}">
+                <a16:creationId xmlns:a16="http://schemas.microsoft.com/office/drawing/2014/main" id="{4786A7E5-4408-9EA3-E9FF-421865F415A6}"/>
+              </a:ext>
+            </a:extLst>
+          </p:cNvPr>
+          <p:cNvSpPr>
+            <a:spLocks noGrp="1"/>
+          </p:cNvSpPr>
+          <p:nvPr>
+            <p:ph type="title"/>
+          </p:nvPr>
+        </p:nvSpPr>
+        <p:spPr>
+          <a:xfrm>
+            <a:off x="457200" y="205980"/>
+            <a:ext cx="8229600" cy="857251"/>
+          </a:xfrm>
+        </p:spPr>
+        <p:txBody>
+          <a:bodyPr>
+            <a:normAutofit/>
+          </a:bodyPr>
+          <a:lstStyle/>
+          <a:p>
+            <a:r>
+              <a:rPr lang="en-US" b="1" dirty="0" err="1">
+                <a:solidFill>
+                  <a:srgbClr val="0070C0"/>
+                </a:solidFill>
+              </a:rPr>
+              <a:t>Recursividade</a:t>
+            </a:r>
+            <a:r>
+              <a:rPr lang="en-US" b="1" dirty="0">
+                <a:solidFill>
+                  <a:srgbClr val="0070C0"/>
+                </a:solidFill>
+              </a:rPr>
+              <a:t> – </a:t>
+            </a:r>
+            <a:r>
+              <a:rPr lang="en-US" b="1" dirty="0" err="1">
+                <a:solidFill>
+                  <a:srgbClr val="0070C0"/>
+                </a:solidFill>
+              </a:rPr>
+              <a:t>Cuidados</a:t>
+            </a:r>
+            <a:r>
+              <a:rPr lang="en-US" b="1" dirty="0">
+                <a:solidFill>
+                  <a:srgbClr val="0070C0"/>
+                </a:solidFill>
+              </a:rPr>
+              <a:t> Erro:</a:t>
+            </a:r>
+          </a:p>
+        </p:txBody>
+      </p:sp>
+      <p:sp>
+        <p:nvSpPr>
+          <p:cNvPr id="8" name="Text Placeholder 2">
+            <a:extLst>
+              <a:ext uri="{FF2B5EF4-FFF2-40B4-BE49-F238E27FC236}">
+                <a16:creationId xmlns:a16="http://schemas.microsoft.com/office/drawing/2014/main" id="{5BFFEB99-78B3-FE57-144B-928210942A30}"/>
+              </a:ext>
+            </a:extLst>
+          </p:cNvPr>
+          <p:cNvSpPr>
+            <a:spLocks noGrp="1"/>
+          </p:cNvSpPr>
+          <p:nvPr>
+            <p:ph type="body" sz="half" idx="1"/>
+          </p:nvPr>
+        </p:nvSpPr>
+        <p:spPr>
+          <a:xfrm>
+            <a:off x="142865" y="1200150"/>
+            <a:ext cx="8865056" cy="3737370"/>
+          </a:xfrm>
+        </p:spPr>
+        <p:txBody>
+          <a:bodyPr>
+            <a:noAutofit/>
+          </a:bodyPr>
+          <a:lstStyle/>
+          <a:p>
+            <a:pPr marL="0" indent="0" algn="just">
+              <a:buNone/>
+            </a:pPr>
+            <a:r>
+              <a:rPr lang="pt-BR" sz="2400" dirty="0" err="1">
+                <a:solidFill>
+                  <a:schemeClr val="tx1"/>
+                </a:solidFill>
+                <a:latin typeface="Times New Roman" panose="02020603050405020304" pitchFamily="18" charset="0"/>
+                <a:cs typeface="Times New Roman" panose="02020603050405020304" pitchFamily="18" charset="0"/>
+              </a:rPr>
+              <a:t>def</a:t>
+            </a:r>
+            <a:r>
+              <a:rPr lang="pt-BR" sz="2400" dirty="0">
+                <a:solidFill>
+                  <a:schemeClr val="tx1"/>
+                </a:solidFill>
+                <a:latin typeface="Times New Roman" panose="02020603050405020304" pitchFamily="18" charset="0"/>
+                <a:cs typeface="Times New Roman" panose="02020603050405020304" pitchFamily="18" charset="0"/>
+              </a:rPr>
+              <a:t> </a:t>
+            </a:r>
+            <a:r>
+              <a:rPr lang="pt-BR" sz="2400" b="1" dirty="0">
+                <a:solidFill>
+                  <a:srgbClr val="FF0000"/>
+                </a:solidFill>
+                <a:latin typeface="Times New Roman" panose="02020603050405020304" pitchFamily="18" charset="0"/>
+                <a:cs typeface="Times New Roman" panose="02020603050405020304" pitchFamily="18" charset="0"/>
+              </a:rPr>
+              <a:t>problema</a:t>
+            </a:r>
+            <a:r>
+              <a:rPr lang="pt-BR" sz="2400" dirty="0">
+                <a:solidFill>
+                  <a:schemeClr val="tx1"/>
+                </a:solidFill>
+                <a:latin typeface="Times New Roman" panose="02020603050405020304" pitchFamily="18" charset="0"/>
+                <a:cs typeface="Times New Roman" panose="02020603050405020304" pitchFamily="18" charset="0"/>
+              </a:rPr>
+              <a:t>():</a:t>
+            </a:r>
+          </a:p>
+          <a:p>
+            <a:pPr marL="0" indent="0" algn="just">
+              <a:buNone/>
+            </a:pPr>
+            <a:r>
+              <a:rPr lang="pt-BR" sz="2400" dirty="0">
+                <a:solidFill>
+                  <a:schemeClr val="tx1"/>
+                </a:solidFill>
+                <a:latin typeface="Times New Roman" panose="02020603050405020304" pitchFamily="18" charset="0"/>
+                <a:cs typeface="Times New Roman" panose="02020603050405020304" pitchFamily="18" charset="0"/>
+              </a:rPr>
+              <a:t>    </a:t>
+            </a:r>
+            <a:r>
+              <a:rPr lang="pt-BR" sz="2400" dirty="0" err="1">
+                <a:solidFill>
+                  <a:schemeClr val="tx1"/>
+                </a:solidFill>
+                <a:latin typeface="Times New Roman" panose="02020603050405020304" pitchFamily="18" charset="0"/>
+                <a:cs typeface="Times New Roman" panose="02020603050405020304" pitchFamily="18" charset="0"/>
+              </a:rPr>
+              <a:t>return</a:t>
+            </a:r>
+            <a:r>
+              <a:rPr lang="pt-BR" sz="2400" dirty="0">
+                <a:solidFill>
+                  <a:schemeClr val="tx1"/>
+                </a:solidFill>
+                <a:latin typeface="Times New Roman" panose="02020603050405020304" pitchFamily="18" charset="0"/>
+                <a:cs typeface="Times New Roman" panose="02020603050405020304" pitchFamily="18" charset="0"/>
+              </a:rPr>
+              <a:t> </a:t>
+            </a:r>
+            <a:r>
+              <a:rPr lang="pt-BR" sz="2400" b="1" dirty="0">
+                <a:solidFill>
+                  <a:srgbClr val="FF0000"/>
+                </a:solidFill>
+                <a:latin typeface="Times New Roman" panose="02020603050405020304" pitchFamily="18" charset="0"/>
+                <a:cs typeface="Times New Roman" panose="02020603050405020304" pitchFamily="18" charset="0"/>
+              </a:rPr>
+              <a:t>problema</a:t>
+            </a:r>
+            <a:r>
+              <a:rPr lang="pt-BR" sz="2400" dirty="0">
+                <a:solidFill>
+                  <a:schemeClr val="tx1"/>
+                </a:solidFill>
+                <a:latin typeface="Times New Roman" panose="02020603050405020304" pitchFamily="18" charset="0"/>
+                <a:cs typeface="Times New Roman" panose="02020603050405020304" pitchFamily="18" charset="0"/>
+              </a:rPr>
+              <a:t>()</a:t>
+            </a:r>
+          </a:p>
+          <a:p>
+            <a:pPr marL="0" indent="0" algn="just">
+              <a:buNone/>
+            </a:pPr>
+            <a:endParaRPr lang="pt-BR" sz="2400" dirty="0">
+              <a:solidFill>
+                <a:schemeClr val="tx1"/>
+              </a:solidFill>
+              <a:latin typeface="Times New Roman" panose="02020603050405020304" pitchFamily="18" charset="0"/>
+              <a:cs typeface="Times New Roman" panose="02020603050405020304" pitchFamily="18" charset="0"/>
+            </a:endParaRPr>
+          </a:p>
+          <a:p>
+            <a:pPr marL="0" indent="0" algn="just">
+              <a:buNone/>
+            </a:pPr>
+            <a:endParaRPr lang="pt-BR" sz="2400" dirty="0">
+              <a:solidFill>
+                <a:schemeClr val="tx1"/>
+              </a:solidFill>
+              <a:latin typeface="Times New Roman" panose="02020603050405020304" pitchFamily="18" charset="0"/>
+              <a:cs typeface="Times New Roman" panose="02020603050405020304" pitchFamily="18" charset="0"/>
+            </a:endParaRPr>
+          </a:p>
+          <a:p>
+            <a:pPr marL="0" indent="0" algn="just">
+              <a:buNone/>
+            </a:pPr>
+            <a:r>
+              <a:rPr lang="pt-BR" sz="2400" dirty="0">
+                <a:solidFill>
+                  <a:schemeClr val="tx1"/>
+                </a:solidFill>
+                <a:latin typeface="Times New Roman" panose="02020603050405020304" pitchFamily="18" charset="0"/>
+                <a:cs typeface="Times New Roman" panose="02020603050405020304" pitchFamily="18" charset="0"/>
+              </a:rPr>
+              <a:t>A falta de </a:t>
+            </a:r>
+            <a:r>
+              <a:rPr lang="pt-BR" sz="2400" b="1" dirty="0">
+                <a:solidFill>
+                  <a:schemeClr val="tx1"/>
+                </a:solidFill>
+                <a:latin typeface="Times New Roman" panose="02020603050405020304" pitchFamily="18" charset="0"/>
+                <a:cs typeface="Times New Roman" panose="02020603050405020304" pitchFamily="18" charset="0"/>
+              </a:rPr>
+              <a:t>caso base </a:t>
+            </a:r>
+            <a:r>
+              <a:rPr lang="pt-BR" sz="2400" dirty="0">
+                <a:solidFill>
+                  <a:schemeClr val="tx1"/>
+                </a:solidFill>
+                <a:latin typeface="Times New Roman" panose="02020603050405020304" pitchFamily="18" charset="0"/>
+                <a:cs typeface="Times New Roman" panose="02020603050405020304" pitchFamily="18" charset="0"/>
+              </a:rPr>
+              <a:t>leva à </a:t>
+            </a:r>
+            <a:r>
+              <a:rPr lang="pt-BR" sz="2400" b="1" dirty="0">
+                <a:solidFill>
+                  <a:srgbClr val="FF0000"/>
+                </a:solidFill>
+                <a:latin typeface="Times New Roman" panose="02020603050405020304" pitchFamily="18" charset="0"/>
+                <a:cs typeface="Times New Roman" panose="02020603050405020304" pitchFamily="18" charset="0"/>
+              </a:rPr>
+              <a:t>recursão infinita </a:t>
+            </a:r>
+            <a:r>
+              <a:rPr lang="pt-BR" sz="2400" dirty="0">
+                <a:solidFill>
+                  <a:schemeClr val="tx1"/>
+                </a:solidFill>
+                <a:latin typeface="Times New Roman" panose="02020603050405020304" pitchFamily="18" charset="0"/>
+                <a:cs typeface="Times New Roman" panose="02020603050405020304" pitchFamily="18" charset="0"/>
+              </a:rPr>
+              <a:t>e </a:t>
+            </a:r>
+            <a:r>
+              <a:rPr lang="pt-BR" sz="2400" b="1" dirty="0">
+                <a:solidFill>
+                  <a:schemeClr val="tx1"/>
+                </a:solidFill>
+                <a:latin typeface="Times New Roman" panose="02020603050405020304" pitchFamily="18" charset="0"/>
+                <a:cs typeface="Times New Roman" panose="02020603050405020304" pitchFamily="18" charset="0"/>
+              </a:rPr>
+              <a:t>estouro de pilha </a:t>
+            </a:r>
+            <a:r>
+              <a:rPr lang="pt-BR" sz="2400" dirty="0">
+                <a:solidFill>
+                  <a:schemeClr val="tx1"/>
+                </a:solidFill>
+                <a:latin typeface="Times New Roman" panose="02020603050405020304" pitchFamily="18" charset="0"/>
+                <a:cs typeface="Times New Roman" panose="02020603050405020304" pitchFamily="18" charset="0"/>
+              </a:rPr>
+              <a:t>(</a:t>
+            </a:r>
+            <a:r>
+              <a:rPr lang="pt-BR" sz="2400" b="1" dirty="0" err="1">
+                <a:solidFill>
+                  <a:srgbClr val="FF0000"/>
+                </a:solidFill>
+                <a:latin typeface="Times New Roman" panose="02020603050405020304" pitchFamily="18" charset="0"/>
+                <a:cs typeface="Times New Roman" panose="02020603050405020304" pitchFamily="18" charset="0"/>
+              </a:rPr>
+              <a:t>stack</a:t>
+            </a:r>
+            <a:r>
+              <a:rPr lang="pt-BR" sz="2400" b="1" dirty="0">
+                <a:solidFill>
+                  <a:srgbClr val="FF0000"/>
+                </a:solidFill>
+                <a:latin typeface="Times New Roman" panose="02020603050405020304" pitchFamily="18" charset="0"/>
+                <a:cs typeface="Times New Roman" panose="02020603050405020304" pitchFamily="18" charset="0"/>
+              </a:rPr>
+              <a:t> overflow</a:t>
+            </a:r>
+            <a:r>
+              <a:rPr lang="pt-BR" sz="2400" dirty="0">
+                <a:solidFill>
+                  <a:schemeClr val="tx1"/>
+                </a:solidFill>
+                <a:latin typeface="Times New Roman" panose="02020603050405020304" pitchFamily="18" charset="0"/>
+                <a:cs typeface="Times New Roman" panose="02020603050405020304" pitchFamily="18" charset="0"/>
+              </a:rPr>
+              <a:t>).</a:t>
+            </a:r>
+          </a:p>
+        </p:txBody>
+      </p:sp>
+    </p:spTree>
+    <p:extLst>
+      <p:ext uri="{BB962C8B-B14F-4D97-AF65-F5344CB8AC3E}">
+        <p14:creationId xmlns:p14="http://schemas.microsoft.com/office/powerpoint/2010/main" val="1360695973"/>
+      </p:ext>
+    </p:extLst>
+  </p:cSld>
+  <p:clrMapOvr>
+    <a:masterClrMapping/>
+  </p:clrMapOvr>
+  <p:transition spd="med"/>
+</p:sld>
+</file>
+
+<file path=ppt/slides/slide19.xml><?xml version="1.0" encoding="utf-8"?>
+<p:sld xmlns:a="http://schemas.openxmlformats.org/drawingml/2006/main" xmlns:r="http://schemas.openxmlformats.org/officeDocument/2006/relationships" xmlns:p="http://schemas.openxmlformats.org/presentationml/2006/main">
+  <p:cSld>
+    <p:spTree>
+      <p:nvGrpSpPr>
+        <p:cNvPr id="1" name=""/>
+        <p:cNvGrpSpPr/>
+        <p:nvPr/>
+      </p:nvGrpSpPr>
+      <p:grpSpPr>
+        <a:xfrm>
+          <a:off x="0" y="0"/>
+          <a:ext cx="0" cy="0"/>
+          <a:chOff x="0" y="0"/>
+          <a:chExt cx="0" cy="0"/>
+        </a:xfrm>
+      </p:grpSpPr>
+      <p:sp>
+        <p:nvSpPr>
+          <p:cNvPr id="6" name="Title 1"/>
+          <p:cNvSpPr>
+            <a:spLocks noGrp="1"/>
+          </p:cNvSpPr>
+          <p:nvPr>
+            <p:ph type="title"/>
+          </p:nvPr>
+        </p:nvSpPr>
+        <p:spPr>
+          <a:xfrm>
+            <a:off x="457200" y="205980"/>
+            <a:ext cx="8229600" cy="857251"/>
+          </a:xfrm>
+        </p:spPr>
+        <p:txBody>
+          <a:bodyPr>
+            <a:normAutofit/>
+          </a:bodyPr>
+          <a:lstStyle/>
+          <a:p>
+            <a:r>
+              <a:rPr lang="en-US" b="1" dirty="0" err="1">
+                <a:solidFill>
+                  <a:srgbClr val="0070C0"/>
+                </a:solidFill>
+              </a:rPr>
+              <a:t>Leitura</a:t>
+            </a:r>
+            <a:r>
+              <a:rPr lang="en-US" b="1" dirty="0">
+                <a:solidFill>
+                  <a:srgbClr val="0070C0"/>
+                </a:solidFill>
+              </a:rPr>
+              <a:t> </a:t>
+            </a:r>
+            <a:r>
+              <a:rPr lang="en-US" b="1" dirty="0" err="1">
+                <a:solidFill>
+                  <a:srgbClr val="0070C0"/>
+                </a:solidFill>
+              </a:rPr>
+              <a:t>Específica</a:t>
+            </a:r>
+            <a:endParaRPr lang="en-US" b="1" dirty="0">
+              <a:solidFill>
+                <a:srgbClr val="0070C0"/>
+              </a:solidFill>
+            </a:endParaRPr>
+          </a:p>
+        </p:txBody>
+      </p:sp>
+      <p:sp>
+        <p:nvSpPr>
+          <p:cNvPr id="8" name="Text Placeholder 2"/>
+          <p:cNvSpPr>
+            <a:spLocks noGrp="1"/>
+          </p:cNvSpPr>
+          <p:nvPr>
+            <p:ph type="body" sz="half" idx="1"/>
+          </p:nvPr>
+        </p:nvSpPr>
+        <p:spPr>
+          <a:xfrm>
+            <a:off x="142865" y="1200150"/>
+            <a:ext cx="8865056" cy="3737369"/>
+          </a:xfrm>
+        </p:spPr>
+        <p:txBody>
+          <a:bodyPr>
+            <a:noAutofit/>
+          </a:bodyPr>
+          <a:lstStyle/>
+          <a:p>
+            <a:pPr marL="0" indent="0" algn="just">
+              <a:buNone/>
+            </a:pPr>
+            <a:r>
+              <a:rPr lang="pt-BR" sz="2200" dirty="0">
+                <a:latin typeface="Times New Roman" panose="02020603050405020304" pitchFamily="18" charset="0"/>
+                <a:cs typeface="Times New Roman" panose="02020603050405020304" pitchFamily="18" charset="0"/>
+              </a:rPr>
+              <a:t>[1] </a:t>
+            </a:r>
+            <a:r>
+              <a:rPr lang="pt-BR" sz="2200" dirty="0" err="1">
+                <a:latin typeface="Times New Roman" panose="02020603050405020304" pitchFamily="18" charset="0"/>
+                <a:cs typeface="Times New Roman" panose="02020603050405020304" pitchFamily="18" charset="0"/>
+              </a:rPr>
+              <a:t>GeeksforGeeks</a:t>
+            </a:r>
+            <a:r>
+              <a:rPr lang="pt-BR" sz="2200" dirty="0">
+                <a:latin typeface="Times New Roman" panose="02020603050405020304" pitchFamily="18" charset="0"/>
+                <a:cs typeface="Times New Roman" panose="02020603050405020304" pitchFamily="18" charset="0"/>
+              </a:rPr>
+              <a:t> – </a:t>
+            </a:r>
+            <a:r>
+              <a:rPr lang="pt-BR" sz="2200" dirty="0" err="1">
+                <a:latin typeface="Times New Roman" panose="02020603050405020304" pitchFamily="18" charset="0"/>
+                <a:cs typeface="Times New Roman" panose="02020603050405020304" pitchFamily="18" charset="0"/>
+              </a:rPr>
+              <a:t>Recursion</a:t>
+            </a:r>
+            <a:r>
+              <a:rPr lang="pt-BR" sz="2200" dirty="0">
+                <a:latin typeface="Times New Roman" panose="02020603050405020304" pitchFamily="18" charset="0"/>
+                <a:cs typeface="Times New Roman" panose="02020603050405020304" pitchFamily="18" charset="0"/>
+              </a:rPr>
+              <a:t>.</a:t>
+            </a:r>
+          </a:p>
+          <a:p>
+            <a:pPr marL="0" indent="0" algn="just">
+              <a:buNone/>
+            </a:pPr>
+            <a:r>
+              <a:rPr lang="pt-BR" sz="2200" b="1" dirty="0">
+                <a:solidFill>
+                  <a:srgbClr val="FF0000"/>
+                </a:solidFill>
+                <a:latin typeface="Times New Roman" panose="02020603050405020304" pitchFamily="18" charset="0"/>
+                <a:cs typeface="Times New Roman" panose="02020603050405020304" pitchFamily="18" charset="0"/>
+              </a:rPr>
+              <a:t>Disponível em: </a:t>
+            </a:r>
+          </a:p>
+          <a:p>
+            <a:pPr marL="0" indent="0" algn="just">
+              <a:buNone/>
+            </a:pPr>
+            <a:r>
+              <a:rPr lang="pt-BR" sz="2200" dirty="0">
+                <a:solidFill>
+                  <a:srgbClr val="FF0000"/>
+                </a:solidFill>
+                <a:latin typeface="Times New Roman" panose="02020603050405020304" pitchFamily="18" charset="0"/>
+                <a:cs typeface="Times New Roman" panose="02020603050405020304" pitchFamily="18" charset="0"/>
+                <a:hlinkClick r:id="rId3"/>
+              </a:rPr>
+              <a:t>https://www.geeksforgeeks.org/recursion/</a:t>
+            </a:r>
+            <a:r>
+              <a:rPr lang="pt-BR" sz="2200" dirty="0">
+                <a:solidFill>
+                  <a:srgbClr val="FF0000"/>
+                </a:solidFill>
+                <a:latin typeface="Times New Roman" panose="02020603050405020304" pitchFamily="18" charset="0"/>
+                <a:cs typeface="Times New Roman" panose="02020603050405020304" pitchFamily="18" charset="0"/>
+              </a:rPr>
+              <a:t> </a:t>
+            </a:r>
+          </a:p>
+          <a:p>
+            <a:pPr marL="0" indent="0" algn="just">
+              <a:buNone/>
+            </a:pPr>
+            <a:endParaRPr lang="pt-BR" sz="2200" b="1" dirty="0">
+              <a:solidFill>
+                <a:srgbClr val="FF0000"/>
+              </a:solidFill>
+              <a:latin typeface="Times New Roman" panose="02020603050405020304" pitchFamily="18" charset="0"/>
+              <a:cs typeface="Times New Roman" panose="02020603050405020304" pitchFamily="18" charset="0"/>
+            </a:endParaRPr>
+          </a:p>
+          <a:p>
+            <a:pPr marL="0" indent="0" algn="just">
+              <a:buNone/>
+            </a:pPr>
+            <a:r>
+              <a:rPr lang="pt-BR" sz="2200" dirty="0">
+                <a:latin typeface="Times New Roman" panose="02020603050405020304" pitchFamily="18" charset="0"/>
+                <a:cs typeface="Times New Roman" panose="02020603050405020304" pitchFamily="18" charset="0"/>
+              </a:rPr>
+              <a:t>[2] Khan </a:t>
+            </a:r>
+            <a:r>
+              <a:rPr lang="pt-BR" sz="2200" dirty="0" err="1">
+                <a:latin typeface="Times New Roman" panose="02020603050405020304" pitchFamily="18" charset="0"/>
+                <a:cs typeface="Times New Roman" panose="02020603050405020304" pitchFamily="18" charset="0"/>
+              </a:rPr>
+              <a:t>Academy</a:t>
+            </a:r>
+            <a:r>
+              <a:rPr lang="pt-BR" sz="2200" dirty="0">
+                <a:latin typeface="Times New Roman" panose="02020603050405020304" pitchFamily="18" charset="0"/>
+                <a:cs typeface="Times New Roman" panose="02020603050405020304" pitchFamily="18" charset="0"/>
+              </a:rPr>
+              <a:t> – Algoritmos: recursão</a:t>
+            </a:r>
+          </a:p>
+          <a:p>
+            <a:pPr marL="0" indent="0" algn="just">
+              <a:buNone/>
+            </a:pPr>
+            <a:r>
+              <a:rPr lang="pt-BR" sz="2200" b="1" dirty="0">
+                <a:solidFill>
+                  <a:srgbClr val="FF0000"/>
+                </a:solidFill>
+                <a:latin typeface="Times New Roman" panose="02020603050405020304" pitchFamily="18" charset="0"/>
+                <a:cs typeface="Times New Roman" panose="02020603050405020304" pitchFamily="18" charset="0"/>
+              </a:rPr>
+              <a:t>Disponível em: </a:t>
+            </a:r>
+          </a:p>
+          <a:p>
+            <a:pPr marL="0" indent="0" algn="just">
+              <a:buNone/>
+            </a:pPr>
+            <a:r>
+              <a:rPr lang="pt-BR" sz="2200" dirty="0">
+                <a:solidFill>
+                  <a:srgbClr val="FF0000"/>
+                </a:solidFill>
+                <a:latin typeface="Times New Roman" panose="02020603050405020304" pitchFamily="18" charset="0"/>
+                <a:cs typeface="Times New Roman" panose="02020603050405020304" pitchFamily="18" charset="0"/>
+                <a:hlinkClick r:id="rId4"/>
+              </a:rPr>
+              <a:t>https://pt.khanacademy.org/computing/computer-science/algorithms/recursion</a:t>
+            </a:r>
+            <a:r>
+              <a:rPr lang="pt-BR" sz="2200" dirty="0">
+                <a:solidFill>
+                  <a:srgbClr val="FF0000"/>
+                </a:solidFill>
+                <a:latin typeface="Times New Roman" panose="02020603050405020304" pitchFamily="18" charset="0"/>
+                <a:cs typeface="Times New Roman" panose="02020603050405020304" pitchFamily="18" charset="0"/>
+              </a:rPr>
+              <a:t> </a:t>
+            </a:r>
+            <a:endParaRPr lang="pt-BR" sz="2200" dirty="0">
+              <a:latin typeface="Calibri" panose="020F0502020204030204" pitchFamily="34" charset="0"/>
+            </a:endParaRPr>
+          </a:p>
+        </p:txBody>
+      </p:sp>
+    </p:spTree>
+    <p:extLst>
+      <p:ext uri="{BB962C8B-B14F-4D97-AF65-F5344CB8AC3E}">
+        <p14:creationId xmlns:p14="http://schemas.microsoft.com/office/powerpoint/2010/main" val="3680270425"/>
+      </p:ext>
+    </p:extLst>
+  </p:cSld>
+  <p:clrMapOvr>
+    <a:masterClrMapping/>
+  </p:clrMapOvr>
+  <p:transition spd="med"/>
+</p:sld>
+</file>
+
 <file path=ppt/slides/slide2.xml><?xml version="1.0" encoding="utf-8"?>
 <p:sld xmlns:a="http://schemas.openxmlformats.org/drawingml/2006/main" xmlns:r="http://schemas.openxmlformats.org/officeDocument/2006/relationships" xmlns:p="http://schemas.openxmlformats.org/presentationml/2006/main">
   <p:cSld>
@@ -3935,12 +8574,12 @@
               </a:rPr>
             </a:br>
             <a:r>
-              <a:rPr lang="pt-BR" b="1">
+              <a:rPr lang="pt-BR" b="1" dirty="0">
                 <a:solidFill>
                   <a:schemeClr val="bg1"/>
                 </a:solidFill>
               </a:rPr>
-              <a:t>Aula 04</a:t>
+              <a:t>Aula 03</a:t>
             </a:r>
             <a:br>
               <a:rPr lang="pt-BR" b="1" dirty="0">
@@ -3963,7 +8602,7 @@
                   <a:schemeClr val="bg1"/>
                 </a:solidFill>
               </a:rPr>
-              <a:t>Contextualização</a:t>
+              <a:t>Recursividade</a:t>
             </a:r>
           </a:p>
         </p:txBody>
@@ -4315,7 +8954,7 @@
 </p:sld>
 </file>
 
-<file path=ppt/slides/slide3.xml><?xml version="1.0" encoding="utf-8"?>
+<file path=ppt/slides/slide20.xml><?xml version="1.0" encoding="utf-8"?>
 <p:sld xmlns:a="http://schemas.openxmlformats.org/drawingml/2006/main" xmlns:r="http://schemas.openxmlformats.org/officeDocument/2006/relationships" xmlns:p="http://schemas.openxmlformats.org/presentationml/2006/main">
   <p:cSld>
     <p:spTree>
@@ -4360,13 +8999,16 @@
                   <a:srgbClr val="0070C0"/>
                 </a:solidFill>
               </a:rPr>
-              <a:t>Contextualização</a:t>
-            </a:r>
-            <a:endParaRPr lang="en-US" b="1" dirty="0">
-              <a:solidFill>
-                <a:srgbClr val="0070C0"/>
-              </a:solidFill>
-            </a:endParaRPr>
+              <a:t>Aprenda</a:t>
+            </a:r>
+            <a:r>
+              <a:rPr lang="en-US" b="1" dirty="0">
+                <a:solidFill>
+                  <a:srgbClr val="0070C0"/>
+                </a:solidFill>
+              </a:rPr>
+              <a:t>+</a:t>
+            </a:r>
           </a:p>
         </p:txBody>
       </p:sp>
@@ -4396,29 +9038,132 @@
               <a:buNone/>
             </a:pPr>
             <a:r>
-              <a:rPr lang="pt-BR" sz="2000" dirty="0">
-                <a:latin typeface="Times New Roman" panose="02020603050405020304" pitchFamily="18" charset="0"/>
-                <a:cs typeface="Times New Roman" panose="02020603050405020304" pitchFamily="18" charset="0"/>
-              </a:rPr>
-              <a:t>Algoritmos e Complexidade</a:t>
-            </a:r>
-            <a:r>
-              <a:rPr lang="pt-BR" sz="2000" dirty="0">
-                <a:solidFill>
-                  <a:schemeClr val="tx1"/>
-                </a:solidFill>
-                <a:latin typeface="Times New Roman" panose="02020603050405020304" pitchFamily="18" charset="0"/>
-                <a:cs typeface="Times New Roman" panose="02020603050405020304" pitchFamily="18" charset="0"/>
-              </a:rPr>
-              <a:t> ...</a:t>
-            </a:r>
+              <a:rPr lang="pt-BR" sz="2400" dirty="0">
+                <a:latin typeface="Times New Roman" panose="02020603050405020304" pitchFamily="18" charset="0"/>
+                <a:cs typeface="Times New Roman" panose="02020603050405020304" pitchFamily="18" charset="0"/>
+              </a:rPr>
+              <a:t>[1] </a:t>
+            </a:r>
+            <a:r>
+              <a:rPr lang="pt-BR" sz="2400" dirty="0" err="1">
+                <a:latin typeface="Times New Roman" panose="02020603050405020304" pitchFamily="18" charset="0"/>
+                <a:cs typeface="Times New Roman" panose="02020603050405020304" pitchFamily="18" charset="0"/>
+              </a:rPr>
+              <a:t>Apredendo</a:t>
+            </a:r>
+            <a:r>
+              <a:rPr lang="pt-BR" sz="2400" dirty="0">
+                <a:latin typeface="Times New Roman" panose="02020603050405020304" pitchFamily="18" charset="0"/>
+                <a:cs typeface="Times New Roman" panose="02020603050405020304" pitchFamily="18" charset="0"/>
+              </a:rPr>
+              <a:t> Sobre Recursividade</a:t>
+            </a:r>
+          </a:p>
+          <a:p>
+            <a:pPr marL="0" indent="0" algn="just">
+              <a:buNone/>
+            </a:pPr>
+            <a:r>
+              <a:rPr lang="pt-BR" sz="2400" b="1" dirty="0">
+                <a:solidFill>
+                  <a:srgbClr val="FF0000"/>
+                </a:solidFill>
+                <a:latin typeface="Times New Roman" panose="02020603050405020304" pitchFamily="18" charset="0"/>
+                <a:cs typeface="Times New Roman" panose="02020603050405020304" pitchFamily="18" charset="0"/>
+              </a:rPr>
+              <a:t>Disponível em: </a:t>
+            </a:r>
+            <a:r>
+              <a:rPr lang="pt-BR" sz="2400" dirty="0">
+                <a:latin typeface="Times New Roman" panose="02020603050405020304" pitchFamily="18" charset="0"/>
+                <a:cs typeface="Times New Roman" panose="02020603050405020304" pitchFamily="18" charset="0"/>
+                <a:hlinkClick r:id="rId3"/>
+              </a:rPr>
+              <a:t>https://youtu.be/_2ATracZCe0</a:t>
+            </a:r>
+            <a:r>
+              <a:rPr lang="pt-BR" sz="2400" dirty="0">
+                <a:latin typeface="Times New Roman" panose="02020603050405020304" pitchFamily="18" charset="0"/>
+                <a:cs typeface="Times New Roman" panose="02020603050405020304" pitchFamily="18" charset="0"/>
+              </a:rPr>
+              <a:t> </a:t>
+            </a:r>
+          </a:p>
+          <a:p>
+            <a:pPr marL="0" indent="0" algn="just">
+              <a:buNone/>
+            </a:pPr>
+            <a:endParaRPr lang="pt-BR" sz="2400" dirty="0">
+              <a:latin typeface="Times New Roman" panose="02020603050405020304" pitchFamily="18" charset="0"/>
+              <a:cs typeface="Times New Roman" panose="02020603050405020304" pitchFamily="18" charset="0"/>
+            </a:endParaRPr>
+          </a:p>
+          <a:p>
+            <a:pPr marL="0" indent="0" algn="just">
+              <a:buNone/>
+            </a:pPr>
+            <a:endParaRPr lang="pt-BR" sz="2400" dirty="0">
+              <a:latin typeface="Times New Roman" panose="02020603050405020304" pitchFamily="18" charset="0"/>
+              <a:cs typeface="Times New Roman" panose="02020603050405020304" pitchFamily="18" charset="0"/>
+            </a:endParaRPr>
+          </a:p>
+          <a:p>
+            <a:pPr marL="0" indent="0" algn="just">
+              <a:buNone/>
+            </a:pPr>
+            <a:r>
+              <a:rPr lang="pt-BR" sz="2400" dirty="0">
+                <a:latin typeface="Times New Roman" panose="02020603050405020304" pitchFamily="18" charset="0"/>
+                <a:cs typeface="Times New Roman" panose="02020603050405020304" pitchFamily="18" charset="0"/>
+              </a:rPr>
+              <a:t>[2] Análise de Algoritmos Recursivos - Relações de Recorrência</a:t>
+            </a:r>
+          </a:p>
+          <a:p>
+            <a:pPr marL="0" indent="0" algn="just">
+              <a:buNone/>
+            </a:pPr>
+            <a:r>
+              <a:rPr lang="pt-BR" sz="2400" b="1" dirty="0">
+                <a:solidFill>
+                  <a:srgbClr val="FF0000"/>
+                </a:solidFill>
+                <a:latin typeface="Times New Roman" panose="02020603050405020304" pitchFamily="18" charset="0"/>
+                <a:cs typeface="Times New Roman" panose="02020603050405020304" pitchFamily="18" charset="0"/>
+              </a:rPr>
+              <a:t>Disponível em: </a:t>
+            </a:r>
+            <a:r>
+              <a:rPr lang="pt-BR" sz="2400" dirty="0">
+                <a:latin typeface="Times New Roman" panose="02020603050405020304" pitchFamily="18" charset="0"/>
+                <a:cs typeface="Times New Roman" panose="02020603050405020304" pitchFamily="18" charset="0"/>
+                <a:hlinkClick r:id="rId4"/>
+              </a:rPr>
+              <a:t>https://youtu.be/L0GMkFOsQ1A</a:t>
+            </a:r>
+            <a:r>
+              <a:rPr lang="pt-BR" sz="2400" dirty="0">
+                <a:latin typeface="Times New Roman" panose="02020603050405020304" pitchFamily="18" charset="0"/>
+                <a:cs typeface="Times New Roman" panose="02020603050405020304" pitchFamily="18" charset="0"/>
+              </a:rPr>
+              <a:t> </a:t>
+            </a:r>
+          </a:p>
+          <a:p>
+            <a:pPr marL="0" indent="0" algn="just">
+              <a:buNone/>
+            </a:pPr>
+            <a:endParaRPr lang="pt-BR" sz="2400" dirty="0">
+              <a:latin typeface="Times New Roman" panose="02020603050405020304" pitchFamily="18" charset="0"/>
+              <a:cs typeface="Times New Roman" panose="02020603050405020304" pitchFamily="18" charset="0"/>
+            </a:endParaRPr>
           </a:p>
         </p:txBody>
       </p:sp>
     </p:spTree>
     <p:extLst>
       <p:ext uri="{BB962C8B-B14F-4D97-AF65-F5344CB8AC3E}">
-        <p14:creationId xmlns:p14="http://schemas.microsoft.com/office/powerpoint/2010/main" val="1362980025"/>
+        <p14:creationId xmlns:p14="http://schemas.microsoft.com/office/powerpoint/2010/main" val="2747596967"/>
       </p:ext>
     </p:extLst>
   </p:cSld>
@@ -4429,7 +9174,7 @@
 </p:sld>
 </file>
 
-<file path=ppt/slides/slide4.xml><?xml version="1.0" encoding="utf-8"?>
+<file path=ppt/slides/slide21.xml><?xml version="1.0" encoding="utf-8"?>
 <p:sld xmlns:a="http://schemas.openxmlformats.org/drawingml/2006/main" xmlns:r="http://schemas.openxmlformats.org/officeDocument/2006/relationships" xmlns:p="http://schemas.openxmlformats.org/presentationml/2006/main">
   <p:cSld>
     <p:spTree>
@@ -4474,7 +9219,7 @@
                   <a:srgbClr val="0070C0"/>
                 </a:solidFill>
               </a:rPr>
-              <a:t>Leitura</a:t>
+              <a:t>Dinâmica</a:t>
             </a:r>
             <a:r>
               <a:rPr lang="en-US" b="1" dirty="0">
@@ -4482,7 +9227,7 @@
                   <a:srgbClr val="0070C0"/>
                 </a:solidFill>
               </a:rPr>
-              <a:t> </a:t>
+              <a:t>/</a:t>
             </a:r>
             <a:r>
               <a:rPr lang="en-US" b="1" dirty="0" err="1">
@@ -4490,7 +9235,7 @@
                   <a:srgbClr val="0070C0"/>
                 </a:solidFill>
               </a:rPr>
-              <a:t>Específica</a:t>
+              <a:t>Atividades</a:t>
             </a:r>
             <a:endParaRPr lang="en-US" b="1" dirty="0">
               <a:solidFill>
@@ -4512,8 +9257,8 @@
         </p:nvSpPr>
         <p:spPr>
           <a:xfrm>
-            <a:off x="142865" y="1200150"/>
-            <a:ext cx="8865056" cy="3737369"/>
+            <a:off x="139472" y="1063230"/>
+            <a:ext cx="8865056" cy="3606305"/>
           </a:xfrm>
         </p:spPr>
         <p:txBody>
@@ -4522,77 +9267,154 @@
           </a:bodyPr>
           <a:lstStyle/>
           <a:p>
-            <a:pPr marL="0" indent="0" algn="just">
-              <a:buNone/>
+            <a:pPr algn="just">
+              <a:buFont typeface="Wingdings" panose="05000000000000000000" pitchFamily="2" charset="2"/>
+              <a:buChar char="§"/>
             </a:pPr>
             <a:r>
-              <a:rPr lang="pt-BR" sz="2000" dirty="0">
-                <a:latin typeface="Times New Roman" panose="02020603050405020304" pitchFamily="18" charset="0"/>
-                <a:cs typeface="Times New Roman" panose="02020603050405020304" pitchFamily="18" charset="0"/>
-              </a:rPr>
-              <a:t>[1] Algoritmos e Complexidade – Parte 1.</a:t>
-            </a:r>
-          </a:p>
-          <a:p>
-            <a:pPr marL="0" indent="0" algn="just">
-              <a:buNone/>
+              <a:rPr lang="pt-BR" sz="2400" dirty="0">
+                <a:latin typeface="Times New Roman" panose="02020603050405020304" pitchFamily="18" charset="0"/>
+                <a:cs typeface="Times New Roman" panose="02020603050405020304" pitchFamily="18" charset="0"/>
+              </a:rPr>
+              <a:t>Implemente uma </a:t>
+            </a:r>
+            <a:r>
+              <a:rPr lang="pt-BR" sz="2400" b="1" dirty="0">
+                <a:solidFill>
+                  <a:srgbClr val="FF0000"/>
+                </a:solidFill>
+                <a:latin typeface="Times New Roman" panose="02020603050405020304" pitchFamily="18" charset="0"/>
+                <a:cs typeface="Times New Roman" panose="02020603050405020304" pitchFamily="18" charset="0"/>
+              </a:rPr>
+              <a:t>função recursiva </a:t>
+            </a:r>
+            <a:r>
+              <a:rPr lang="pt-BR" sz="2400" dirty="0">
+                <a:latin typeface="Times New Roman" panose="02020603050405020304" pitchFamily="18" charset="0"/>
+                <a:cs typeface="Times New Roman" panose="02020603050405020304" pitchFamily="18" charset="0"/>
+              </a:rPr>
+              <a:t>que calcula a soma de todos os números de 1 até n.</a:t>
+            </a:r>
+          </a:p>
+          <a:p>
+            <a:pPr algn="just">
+              <a:buFont typeface="Wingdings" panose="05000000000000000000" pitchFamily="2" charset="2"/>
+              <a:buChar char="§"/>
             </a:pPr>
             <a:r>
-              <a:rPr lang="pt-BR" sz="2000" b="1" dirty="0">
+              <a:rPr lang="pt-BR" sz="2400" dirty="0">
+                <a:latin typeface="Times New Roman" panose="02020603050405020304" pitchFamily="18" charset="0"/>
+                <a:cs typeface="Times New Roman" panose="02020603050405020304" pitchFamily="18" charset="0"/>
+              </a:rPr>
+              <a:t>Crie uma </a:t>
+            </a:r>
+            <a:r>
+              <a:rPr lang="pt-BR" sz="2400" b="1" dirty="0">
                 <a:solidFill>
                   <a:srgbClr val="FF0000"/>
                 </a:solidFill>
                 <a:latin typeface="Times New Roman" panose="02020603050405020304" pitchFamily="18" charset="0"/>
                 <a:cs typeface="Times New Roman" panose="02020603050405020304" pitchFamily="18" charset="0"/>
               </a:rPr>
-              <a:t>Disponível em:</a:t>
-            </a:r>
-          </a:p>
-          <a:p>
-            <a:pPr marL="0" indent="0" algn="just">
-              <a:buNone/>
+              <a:t>função recursiva </a:t>
+            </a:r>
+            <a:r>
+              <a:rPr lang="pt-BR" sz="2400" dirty="0">
+                <a:latin typeface="Times New Roman" panose="02020603050405020304" pitchFamily="18" charset="0"/>
+                <a:cs typeface="Times New Roman" panose="02020603050405020304" pitchFamily="18" charset="0"/>
+              </a:rPr>
+              <a:t>que imprime os números de n até 1.</a:t>
+            </a:r>
+          </a:p>
+          <a:p>
+            <a:pPr algn="just">
+              <a:buFont typeface="Wingdings" panose="05000000000000000000" pitchFamily="2" charset="2"/>
+              <a:buChar char="§"/>
             </a:pPr>
-            <a:endParaRPr lang="pt-BR" sz="2000" dirty="0">
-              <a:latin typeface="Times New Roman" panose="02020603050405020304" pitchFamily="18" charset="0"/>
-              <a:cs typeface="Times New Roman" panose="02020603050405020304" pitchFamily="18" charset="0"/>
-            </a:endParaRPr>
-          </a:p>
-          <a:p>
-            <a:pPr marL="0" indent="0" algn="just">
-              <a:buNone/>
+            <a:r>
+              <a:rPr lang="pt-BR" sz="2400" dirty="0">
+                <a:latin typeface="Calibri" panose="020F0502020204030204" pitchFamily="34" charset="0"/>
+              </a:rPr>
+              <a:t>Escreva um algoritmo recursivo que inverta uma </a:t>
+            </a:r>
+            <a:r>
+              <a:rPr lang="pt-BR" sz="2400" dirty="0" err="1">
+                <a:latin typeface="Calibri" panose="020F0502020204030204" pitchFamily="34" charset="0"/>
+              </a:rPr>
+              <a:t>string</a:t>
+            </a:r>
+            <a:r>
+              <a:rPr lang="pt-BR" sz="2400" dirty="0">
+                <a:latin typeface="Calibri" panose="020F0502020204030204" pitchFamily="34" charset="0"/>
+              </a:rPr>
+              <a:t>.</a:t>
+            </a:r>
+          </a:p>
+          <a:p>
+            <a:pPr algn="just">
+              <a:buFont typeface="Wingdings" panose="05000000000000000000" pitchFamily="2" charset="2"/>
+              <a:buChar char="§"/>
             </a:pPr>
             <a:r>
-              <a:rPr lang="pt-BR" sz="2000" dirty="0">
-                <a:latin typeface="Times New Roman" panose="02020603050405020304" pitchFamily="18" charset="0"/>
-                <a:cs typeface="Times New Roman" panose="02020603050405020304" pitchFamily="18" charset="0"/>
-              </a:rPr>
-              <a:t>[2] Algoritmos e Complexidade – Parte 2. </a:t>
-            </a:r>
-          </a:p>
-          <a:p>
-            <a:pPr marL="0" indent="0" algn="just">
-              <a:buNone/>
+              <a:rPr lang="pt-BR" sz="2400" dirty="0">
+                <a:latin typeface="Calibri" panose="020F0502020204030204" pitchFamily="34" charset="0"/>
+              </a:rPr>
+              <a:t>Implemente uma função recursiva que some os elementos de um vetor.</a:t>
+            </a:r>
+          </a:p>
+          <a:p>
+            <a:pPr algn="just">
+              <a:buFont typeface="Wingdings" panose="05000000000000000000" pitchFamily="2" charset="2"/>
+              <a:buChar char="§"/>
             </a:pPr>
             <a:r>
-              <a:rPr lang="pt-BR" sz="2000" b="1" dirty="0">
+              <a:rPr lang="pt-BR" sz="2400" dirty="0">
+                <a:latin typeface="Times New Roman" panose="02020603050405020304" pitchFamily="18" charset="0"/>
+                <a:cs typeface="Times New Roman" panose="02020603050405020304" pitchFamily="18" charset="0"/>
+              </a:rPr>
+              <a:t>(</a:t>
+            </a:r>
+            <a:r>
+              <a:rPr lang="pt-BR" sz="2400" b="1" dirty="0">
                 <a:solidFill>
                   <a:srgbClr val="FF0000"/>
                 </a:solidFill>
                 <a:latin typeface="Times New Roman" panose="02020603050405020304" pitchFamily="18" charset="0"/>
                 <a:cs typeface="Times New Roman" panose="02020603050405020304" pitchFamily="18" charset="0"/>
               </a:rPr>
-              <a:t>Disponível em:</a:t>
-            </a:r>
-            <a:endParaRPr lang="pt-BR" sz="2000" dirty="0">
-              <a:latin typeface="Calibri" panose="020F0502020204030204" pitchFamily="34" charset="0"/>
-            </a:endParaRPr>
+              <a:t>Desafio</a:t>
+            </a:r>
+            <a:r>
+              <a:rPr lang="pt-BR" sz="2400" dirty="0">
+                <a:latin typeface="Times New Roman" panose="02020603050405020304" pitchFamily="18" charset="0"/>
+                <a:cs typeface="Times New Roman" panose="02020603050405020304" pitchFamily="18" charset="0"/>
+              </a:rPr>
+              <a:t>) Resolva o problema da </a:t>
+            </a:r>
+            <a:r>
+              <a:rPr lang="pt-BR" sz="2400" b="1" dirty="0">
+                <a:solidFill>
+                  <a:srgbClr val="FF0000"/>
+                </a:solidFill>
+                <a:latin typeface="Times New Roman" panose="02020603050405020304" pitchFamily="18" charset="0"/>
+                <a:cs typeface="Times New Roman" panose="02020603050405020304" pitchFamily="18" charset="0"/>
+              </a:rPr>
+              <a:t>Torre de Hanói </a:t>
+            </a:r>
+            <a:r>
+              <a:rPr lang="pt-BR" sz="2400" dirty="0">
+                <a:latin typeface="Times New Roman" panose="02020603050405020304" pitchFamily="18" charset="0"/>
+                <a:cs typeface="Times New Roman" panose="02020603050405020304" pitchFamily="18" charset="0"/>
+              </a:rPr>
+              <a:t>para 3 discos.</a:t>
+            </a:r>
           </a:p>
         </p:txBody>
       </p:sp>
     </p:spTree>
     <p:extLst>
       <p:ext uri="{BB962C8B-B14F-4D97-AF65-F5344CB8AC3E}">
-        <p14:creationId xmlns:p14="http://schemas.microsoft.com/office/powerpoint/2010/main" val="3680270425"/>
+        <p14:creationId xmlns:p14="http://schemas.microsoft.com/office/powerpoint/2010/main" val="2470652989"/>
       </p:ext>
     </p:extLst>
   </p:cSld>
@@ -4603,7 +9425,7 @@
 </p:sld>
 </file>
 
-<file path=ppt/slides/slide5.xml><?xml version="1.0" encoding="utf-8"?>
+<file path=ppt/slides/slide22.xml><?xml version="1.0" encoding="utf-8"?>
 <p:sld xmlns:a="http://schemas.openxmlformats.org/drawingml/2006/main" xmlns:r="http://schemas.openxmlformats.org/officeDocument/2006/relationships" xmlns:p="http://schemas.openxmlformats.org/presentationml/2006/main">
   <p:cSld>
     <p:spTree>
@@ -4648,345 +9470,6 @@
                   <a:srgbClr val="0070C0"/>
                 </a:solidFill>
               </a:rPr>
-              <a:t>Aprenda</a:t>
-            </a:r>
-            <a:r>
-              <a:rPr lang="en-US" b="1" dirty="0">
-                <a:solidFill>
-                  <a:srgbClr val="0070C0"/>
-                </a:solidFill>
-              </a:rPr>
-              <a:t>+</a:t>
-            </a:r>
-          </a:p>
-        </p:txBody>
-      </p:sp>
-      <p:sp>
-        <p:nvSpPr>
-          <p:cNvPr id="8" name="Text Placeholder 2"/>
-          <p:cNvSpPr>
-            <a:spLocks noGrp="1"/>
-          </p:cNvSpPr>
-          <p:nvPr>
-            <p:ph type="body" sz="half" idx="1"/>
-          </p:nvPr>
-        </p:nvSpPr>
-        <p:spPr>
-          <a:xfrm>
-            <a:off x="142865" y="1200150"/>
-            <a:ext cx="8865056" cy="3737370"/>
-          </a:xfrm>
-        </p:spPr>
-        <p:txBody>
-          <a:bodyPr>
-            <a:noAutofit/>
-          </a:bodyPr>
-          <a:lstStyle/>
-          <a:p>
-            <a:pPr marL="0" indent="0" algn="just">
-              <a:buNone/>
-            </a:pPr>
-            <a:r>
-              <a:rPr lang="pt-BR" sz="2400" dirty="0">
-                <a:latin typeface="Times New Roman" panose="02020603050405020304" pitchFamily="18" charset="0"/>
-                <a:cs typeface="Times New Roman" panose="02020603050405020304" pitchFamily="18" charset="0"/>
-              </a:rPr>
-              <a:t>[1] Algoritmos e Complexidade – Parte 1</a:t>
-            </a:r>
-          </a:p>
-          <a:p>
-            <a:pPr marL="0" indent="0" algn="just">
-              <a:buNone/>
-            </a:pPr>
-            <a:r>
-              <a:rPr lang="pt-BR" sz="2400" b="1" dirty="0">
-                <a:solidFill>
-                  <a:srgbClr val="FF0000"/>
-                </a:solidFill>
-                <a:latin typeface="Times New Roman" panose="02020603050405020304" pitchFamily="18" charset="0"/>
-                <a:cs typeface="Times New Roman" panose="02020603050405020304" pitchFamily="18" charset="0"/>
-              </a:rPr>
-              <a:t>Disponível em: </a:t>
-            </a:r>
-            <a:r>
-              <a:rPr lang="pt-BR" sz="2400" dirty="0">
-                <a:latin typeface="Times New Roman" panose="02020603050405020304" pitchFamily="18" charset="0"/>
-                <a:cs typeface="Times New Roman" panose="02020603050405020304" pitchFamily="18" charset="0"/>
-                <a:hlinkClick r:id="rId3"/>
-              </a:rPr>
-              <a:t>https://</a:t>
-            </a:r>
-            <a:endParaRPr lang="pt-BR" sz="2400" dirty="0">
-              <a:latin typeface="Times New Roman" panose="02020603050405020304" pitchFamily="18" charset="0"/>
-              <a:cs typeface="Times New Roman" panose="02020603050405020304" pitchFamily="18" charset="0"/>
-            </a:endParaRPr>
-          </a:p>
-          <a:p>
-            <a:pPr marL="0" indent="0" algn="just">
-              <a:buNone/>
-            </a:pPr>
-            <a:endParaRPr lang="pt-BR" sz="2400" dirty="0">
-              <a:latin typeface="Times New Roman" panose="02020603050405020304" pitchFamily="18" charset="0"/>
-              <a:cs typeface="Times New Roman" panose="02020603050405020304" pitchFamily="18" charset="0"/>
-            </a:endParaRPr>
-          </a:p>
-          <a:p>
-            <a:pPr marL="0" indent="0" algn="just">
-              <a:buNone/>
-            </a:pPr>
-            <a:r>
-              <a:rPr lang="pt-BR" sz="2400" dirty="0">
-                <a:latin typeface="Times New Roman" panose="02020603050405020304" pitchFamily="18" charset="0"/>
-                <a:cs typeface="Times New Roman" panose="02020603050405020304" pitchFamily="18" charset="0"/>
-              </a:rPr>
-              <a:t>[2] Algoritmos e Complexidade – Parte 2</a:t>
-            </a:r>
-          </a:p>
-          <a:p>
-            <a:pPr marL="0" indent="0" algn="just">
-              <a:buNone/>
-            </a:pPr>
-            <a:r>
-              <a:rPr lang="pt-BR" sz="2400" b="1" dirty="0">
-                <a:solidFill>
-                  <a:srgbClr val="FF0000"/>
-                </a:solidFill>
-                <a:latin typeface="Times New Roman" panose="02020603050405020304" pitchFamily="18" charset="0"/>
-                <a:cs typeface="Times New Roman" panose="02020603050405020304" pitchFamily="18" charset="0"/>
-              </a:rPr>
-              <a:t>Disponível em: </a:t>
-            </a:r>
-            <a:r>
-              <a:rPr lang="pt-BR" sz="2400" dirty="0">
-                <a:latin typeface="Times New Roman" panose="02020603050405020304" pitchFamily="18" charset="0"/>
-                <a:cs typeface="Times New Roman" panose="02020603050405020304" pitchFamily="18" charset="0"/>
-                <a:hlinkClick r:id="rId4"/>
-              </a:rPr>
-              <a:t>https://</a:t>
-            </a:r>
-            <a:endParaRPr lang="pt-BR" sz="2400" dirty="0">
-              <a:latin typeface="Times New Roman" panose="02020603050405020304" pitchFamily="18" charset="0"/>
-              <a:cs typeface="Times New Roman" panose="02020603050405020304" pitchFamily="18" charset="0"/>
-            </a:endParaRPr>
-          </a:p>
-          <a:p>
-            <a:pPr marL="0" indent="0" algn="just">
-              <a:buNone/>
-            </a:pPr>
-            <a:endParaRPr lang="pt-BR" sz="2400" dirty="0">
-              <a:latin typeface="Times New Roman" panose="02020603050405020304" pitchFamily="18" charset="0"/>
-              <a:cs typeface="Times New Roman" panose="02020603050405020304" pitchFamily="18" charset="0"/>
-            </a:endParaRPr>
-          </a:p>
-        </p:txBody>
-      </p:sp>
-    </p:spTree>
-    <p:extLst>
-      <p:ext uri="{BB962C8B-B14F-4D97-AF65-F5344CB8AC3E}">
-        <p14:creationId xmlns:p14="http://schemas.microsoft.com/office/powerpoint/2010/main" val="2747596967"/>
-      </p:ext>
-    </p:extLst>
-  </p:cSld>
-  <p:clrMapOvr>
-    <a:masterClrMapping/>
-  </p:clrMapOvr>
-  <p:transition spd="med"/>
-</p:sld>
-</file>
-
-<file path=ppt/slides/slide6.xml><?xml version="1.0" encoding="utf-8"?>
-<p:sld xmlns:a="http://schemas.openxmlformats.org/drawingml/2006/main" xmlns:r="http://schemas.openxmlformats.org/officeDocument/2006/relationships" xmlns:p="http://schemas.openxmlformats.org/presentationml/2006/main">
-  <p:cSld>
-    <p:spTree>
-      <p:nvGrpSpPr>
-        <p:cNvPr id="1" name=""/>
-        <p:cNvGrpSpPr/>
-        <p:nvPr/>
-      </p:nvGrpSpPr>
-      <p:grpSpPr>
-        <a:xfrm>
-          <a:off x="0" y="0"/>
-          <a:ext cx="0" cy="0"/>
-          <a:chOff x="0" y="0"/>
-          <a:chExt cx="0" cy="0"/>
-        </a:xfrm>
-      </p:grpSpPr>
-      <p:sp>
-        <p:nvSpPr>
-          <p:cNvPr id="6" name="Title 1"/>
-          <p:cNvSpPr>
-            <a:spLocks noGrp="1"/>
-          </p:cNvSpPr>
-          <p:nvPr>
-            <p:ph type="title"/>
-          </p:nvPr>
-        </p:nvSpPr>
-        <p:spPr>
-          <a:xfrm>
-            <a:off x="457200" y="205980"/>
-            <a:ext cx="8229600" cy="857251"/>
-          </a:xfrm>
-        </p:spPr>
-        <p:txBody>
-          <a:bodyPr>
-            <a:normAutofit/>
-          </a:bodyPr>
-          <a:lstStyle/>
-          <a:p>
-            <a:r>
-              <a:rPr lang="en-US" b="1" dirty="0" err="1">
-                <a:solidFill>
-                  <a:srgbClr val="0070C0"/>
-                </a:solidFill>
-              </a:rPr>
-              <a:t>Dinâmica</a:t>
-            </a:r>
-            <a:r>
-              <a:rPr lang="en-US" b="1" dirty="0">
-                <a:solidFill>
-                  <a:srgbClr val="0070C0"/>
-                </a:solidFill>
-              </a:rPr>
-              <a:t>/</a:t>
-            </a:r>
-            <a:r>
-              <a:rPr lang="en-US" b="1" dirty="0" err="1">
-                <a:solidFill>
-                  <a:srgbClr val="0070C0"/>
-                </a:solidFill>
-              </a:rPr>
-              <a:t>Atividades</a:t>
-            </a:r>
-            <a:endParaRPr lang="en-US" b="1" dirty="0">
-              <a:solidFill>
-                <a:srgbClr val="0070C0"/>
-              </a:solidFill>
-            </a:endParaRPr>
-          </a:p>
-        </p:txBody>
-      </p:sp>
-      <p:sp>
-        <p:nvSpPr>
-          <p:cNvPr id="8" name="Text Placeholder 2"/>
-          <p:cNvSpPr>
-            <a:spLocks noGrp="1"/>
-          </p:cNvSpPr>
-          <p:nvPr>
-            <p:ph type="body" sz="half" idx="1"/>
-          </p:nvPr>
-        </p:nvSpPr>
-        <p:spPr>
-          <a:xfrm>
-            <a:off x="139472" y="1063230"/>
-            <a:ext cx="8865056" cy="3606305"/>
-          </a:xfrm>
-        </p:spPr>
-        <p:txBody>
-          <a:bodyPr>
-            <a:noAutofit/>
-          </a:bodyPr>
-          <a:lstStyle/>
-          <a:p>
-            <a:pPr algn="just">
-              <a:buFont typeface="Wingdings" panose="05000000000000000000" pitchFamily="2" charset="2"/>
-              <a:buChar char="§"/>
-            </a:pPr>
-            <a:r>
-              <a:rPr lang="pt-BR" dirty="0">
-                <a:latin typeface="Times New Roman" panose="02020603050405020304" pitchFamily="18" charset="0"/>
-                <a:cs typeface="Times New Roman" panose="02020603050405020304" pitchFamily="18" charset="0"/>
-              </a:rPr>
-              <a:t>	Exercícios (Atividade Verificadora de Aprendizagem)</a:t>
-            </a:r>
-          </a:p>
-          <a:p>
-            <a:pPr marL="0" indent="0" algn="just">
-              <a:buNone/>
-            </a:pPr>
-            <a:r>
-              <a:rPr lang="pt-BR" dirty="0">
-                <a:latin typeface="Times New Roman" panose="02020603050405020304" pitchFamily="18" charset="0"/>
-                <a:cs typeface="Times New Roman" panose="02020603050405020304" pitchFamily="18" charset="0"/>
-              </a:rPr>
-              <a:t> </a:t>
-            </a:r>
-            <a:r>
-              <a:rPr lang="pt-BR" sz="2400" dirty="0">
-                <a:latin typeface="Times New Roman" panose="02020603050405020304" pitchFamily="18" charset="0"/>
-                <a:cs typeface="Times New Roman" panose="02020603050405020304" pitchFamily="18" charset="0"/>
-              </a:rPr>
-              <a:t>	</a:t>
-            </a:r>
-          </a:p>
-          <a:p>
-            <a:pPr marL="0" indent="0" algn="just">
-              <a:buNone/>
-            </a:pPr>
-            <a:endParaRPr lang="pt-BR" sz="2000" dirty="0">
-              <a:latin typeface="Calibri" panose="020F0502020204030204" pitchFamily="34" charset="0"/>
-            </a:endParaRPr>
-          </a:p>
-        </p:txBody>
-      </p:sp>
-    </p:spTree>
-    <p:extLst>
-      <p:ext uri="{BB962C8B-B14F-4D97-AF65-F5344CB8AC3E}">
-        <p14:creationId xmlns:p14="http://schemas.microsoft.com/office/powerpoint/2010/main" val="2470652989"/>
-      </p:ext>
-    </p:extLst>
-  </p:cSld>
-  <p:clrMapOvr>
-    <a:masterClrMapping/>
-  </p:clrMapOvr>
-  <p:transition spd="med"/>
-</p:sld>
-</file>
-
-<file path=ppt/slides/slide7.xml><?xml version="1.0" encoding="utf-8"?>
-<p:sld xmlns:a="http://schemas.openxmlformats.org/drawingml/2006/main" xmlns:r="http://schemas.openxmlformats.org/officeDocument/2006/relationships" xmlns:p="http://schemas.openxmlformats.org/presentationml/2006/main">
-  <p:cSld>
-    <p:spTree>
-      <p:nvGrpSpPr>
-        <p:cNvPr id="1" name=""/>
-        <p:cNvGrpSpPr/>
-        <p:nvPr/>
-      </p:nvGrpSpPr>
-      <p:grpSpPr>
-        <a:xfrm>
-          <a:off x="0" y="0"/>
-          <a:ext cx="0" cy="0"/>
-          <a:chOff x="0" y="0"/>
-          <a:chExt cx="0" cy="0"/>
-        </a:xfrm>
-      </p:grpSpPr>
-      <p:sp>
-        <p:nvSpPr>
-          <p:cNvPr id="6" name="Title 1"/>
-          <p:cNvSpPr>
-            <a:spLocks noGrp="1"/>
-          </p:cNvSpPr>
-          <p:nvPr>
-            <p:ph type="title"/>
-          </p:nvPr>
-        </p:nvSpPr>
-        <p:spPr>
-          <a:xfrm>
-            <a:off x="457200" y="205980"/>
-            <a:ext cx="8229600" cy="857251"/>
-          </a:xfrm>
-        </p:spPr>
-        <p:txBody>
-          <a:bodyPr>
-            <a:normAutofit/>
-          </a:bodyPr>
-          <a:lstStyle/>
-          <a:p>
-            <a:r>
-              <a:rPr lang="en-US" b="1" dirty="0" err="1">
-                <a:solidFill>
-                  <a:srgbClr val="0070C0"/>
-                </a:solidFill>
-              </a:rPr>
               <a:t>Referências</a:t>
             </a:r>
             <a:r>
@@ -5039,38 +9522,84 @@
               <a:buNone/>
             </a:pPr>
             <a:r>
-              <a:rPr lang="pt-BR" sz="1800" dirty="0">
-                <a:latin typeface="Calibri" panose="020F0502020204030204" pitchFamily="34" charset="0"/>
-              </a:rPr>
-              <a:t>[1] ...</a:t>
+              <a:rPr lang="pt-BR" sz="2200" dirty="0">
+                <a:latin typeface="Times New Roman" panose="02020603050405020304" pitchFamily="18" charset="0"/>
+                <a:cs typeface="Times New Roman" panose="02020603050405020304" pitchFamily="18" charset="0"/>
+              </a:rPr>
+              <a:t>[1] </a:t>
+            </a:r>
+            <a:r>
+              <a:rPr lang="pt-BR" sz="2200" b="1" dirty="0">
+                <a:latin typeface="Times New Roman" panose="02020603050405020304" pitchFamily="18" charset="0"/>
+                <a:cs typeface="Times New Roman" panose="02020603050405020304" pitchFamily="18" charset="0"/>
+              </a:rPr>
+              <a:t>CORMEN, Thomas H.; LEISERSON, Charles E.; RIVEST, Ronald L.; STEIN, Clifford</a:t>
+            </a:r>
+            <a:r>
+              <a:rPr lang="pt-BR" sz="2200" dirty="0">
+                <a:latin typeface="Times New Roman" panose="02020603050405020304" pitchFamily="18" charset="0"/>
+                <a:cs typeface="Times New Roman" panose="02020603050405020304" pitchFamily="18" charset="0"/>
+              </a:rPr>
+              <a:t>. Algoritmos: teoria e prática. 3. ed. Rio de Janeiro: Elsevier, 2012.</a:t>
             </a:r>
           </a:p>
           <a:p>
             <a:pPr marL="0" indent="0" algn="just">
               <a:buNone/>
             </a:pPr>
-            <a:endParaRPr lang="pt-BR" sz="1800" dirty="0">
-              <a:latin typeface="Calibri" panose="020F0502020204030204" pitchFamily="34" charset="0"/>
+            <a:endParaRPr lang="pt-BR" sz="2200" dirty="0">
+              <a:latin typeface="Times New Roman" panose="02020603050405020304" pitchFamily="18" charset="0"/>
+              <a:cs typeface="Times New Roman" panose="02020603050405020304" pitchFamily="18" charset="0"/>
             </a:endParaRPr>
           </a:p>
           <a:p>
             <a:pPr marL="0" indent="0" algn="just">
               <a:buNone/>
             </a:pPr>
-            <a:r>
-              <a:rPr lang="pt-BR" sz="1800" dirty="0">
-                <a:latin typeface="Calibri" panose="020F0502020204030204" pitchFamily="34" charset="0"/>
-              </a:rPr>
-              <a:t>[2] ...</a:t>
-            </a:r>
+            <a:endParaRPr lang="pt-BR" sz="2200" dirty="0">
+              <a:latin typeface="Times New Roman" panose="02020603050405020304" pitchFamily="18" charset="0"/>
+              <a:cs typeface="Times New Roman" panose="02020603050405020304" pitchFamily="18" charset="0"/>
+            </a:endParaRPr>
           </a:p>
           <a:p>
             <a:pPr marL="0" indent="0" algn="just">
               <a:buNone/>
             </a:pPr>
-            <a:endParaRPr lang="pt-BR" sz="1800" dirty="0">
-              <a:latin typeface="Calibri" panose="020F0502020204030204" pitchFamily="34" charset="0"/>
-            </a:endParaRPr>
+            <a:r>
+              <a:rPr lang="pt-BR" sz="2200" dirty="0">
+                <a:latin typeface="Times New Roman" panose="02020603050405020304" pitchFamily="18" charset="0"/>
+                <a:cs typeface="Times New Roman" panose="02020603050405020304" pitchFamily="18" charset="0"/>
+              </a:rPr>
+              <a:t>[2] </a:t>
+            </a:r>
+            <a:r>
+              <a:rPr lang="pt-BR" sz="2200" b="1" dirty="0">
+                <a:latin typeface="Times New Roman" panose="02020603050405020304" pitchFamily="18" charset="0"/>
+                <a:cs typeface="Times New Roman" panose="02020603050405020304" pitchFamily="18" charset="0"/>
+              </a:rPr>
+              <a:t>MANBER, </a:t>
+            </a:r>
+            <a:r>
+              <a:rPr lang="pt-BR" sz="2200" b="1" dirty="0" err="1">
+                <a:latin typeface="Times New Roman" panose="02020603050405020304" pitchFamily="18" charset="0"/>
+                <a:cs typeface="Times New Roman" panose="02020603050405020304" pitchFamily="18" charset="0"/>
+              </a:rPr>
+              <a:t>Udi</a:t>
+            </a:r>
+            <a:r>
+              <a:rPr lang="pt-BR" sz="2200" b="1" dirty="0">
+                <a:latin typeface="Times New Roman" panose="02020603050405020304" pitchFamily="18" charset="0"/>
+                <a:cs typeface="Times New Roman" panose="02020603050405020304" pitchFamily="18" charset="0"/>
+              </a:rPr>
+              <a:t>. </a:t>
+            </a:r>
+            <a:r>
+              <a:rPr lang="pt-BR" sz="2200" dirty="0">
+                <a:latin typeface="Times New Roman" panose="02020603050405020304" pitchFamily="18" charset="0"/>
+                <a:cs typeface="Times New Roman" panose="02020603050405020304" pitchFamily="18" charset="0"/>
+              </a:rPr>
+              <a:t>Introdução aos algoritmos: um enfoque prático. Rio de Janeiro: LTC, 1990.</a:t>
+            </a:r>
           </a:p>
         </p:txBody>
       </p:sp>
@@ -5088,7 +9617,7 @@
 </p:sld>
 </file>
 
-<file path=ppt/slides/slide8.xml><?xml version="1.0" encoding="utf-8"?>
+<file path=ppt/slides/slide23.xml><?xml version="1.0" encoding="utf-8"?>
 <p:sld xmlns:a="http://schemas.openxmlformats.org/drawingml/2006/main" xmlns:r="http://schemas.openxmlformats.org/officeDocument/2006/relationships" xmlns:p="http://schemas.openxmlformats.org/presentationml/2006/main">
   <p:cSld>
     <p:spTree>
@@ -5535,6 +10064,2199 @@
         </p:spPr>
       </p:pic>
     </p:spTree>
+  </p:cSld>
+  <p:clrMapOvr>
+    <a:masterClrMapping/>
+  </p:clrMapOvr>
+  <p:transition spd="med"/>
+</p:sld>
+</file>
+
+<file path=ppt/slides/slide3.xml><?xml version="1.0" encoding="utf-8"?>
+<p:sld xmlns:a="http://schemas.openxmlformats.org/drawingml/2006/main" xmlns:r="http://schemas.openxmlformats.org/officeDocument/2006/relationships" xmlns:p="http://schemas.openxmlformats.org/presentationml/2006/main">
+  <p:cSld>
+    <p:spTree>
+      <p:nvGrpSpPr>
+        <p:cNvPr id="1" name="">
+          <a:extLst>
+            <a:ext uri="{FF2B5EF4-FFF2-40B4-BE49-F238E27FC236}">
+              <a16:creationId xmlns:a16="http://schemas.microsoft.com/office/drawing/2014/main" id="{9FD83EE4-E4A2-465F-E38D-7E20168403AC}"/>
+            </a:ext>
+          </a:extLst>
+        </p:cNvPr>
+        <p:cNvGrpSpPr/>
+        <p:nvPr/>
+      </p:nvGrpSpPr>
+      <p:grpSpPr>
+        <a:xfrm>
+          <a:off x="0" y="0"/>
+          <a:ext cx="0" cy="0"/>
+          <a:chOff x="0" y="0"/>
+          <a:chExt cx="0" cy="0"/>
+        </a:xfrm>
+      </p:grpSpPr>
+      <p:sp>
+        <p:nvSpPr>
+          <p:cNvPr id="6" name="Title 1">
+            <a:extLst>
+              <a:ext uri="{FF2B5EF4-FFF2-40B4-BE49-F238E27FC236}">
+                <a16:creationId xmlns:a16="http://schemas.microsoft.com/office/drawing/2014/main" id="{D5F82E9A-7555-3CF8-68BD-B04607547889}"/>
+              </a:ext>
+            </a:extLst>
+          </p:cNvPr>
+          <p:cNvSpPr>
+            <a:spLocks noGrp="1"/>
+          </p:cNvSpPr>
+          <p:nvPr>
+            <p:ph type="title"/>
+          </p:nvPr>
+        </p:nvSpPr>
+        <p:spPr>
+          <a:xfrm>
+            <a:off x="457200" y="205980"/>
+            <a:ext cx="8229600" cy="857251"/>
+          </a:xfrm>
+        </p:spPr>
+        <p:txBody>
+          <a:bodyPr>
+            <a:normAutofit/>
+          </a:bodyPr>
+          <a:lstStyle/>
+          <a:p>
+            <a:r>
+              <a:rPr lang="en-US" b="1" dirty="0" err="1">
+                <a:solidFill>
+                  <a:srgbClr val="0070C0"/>
+                </a:solidFill>
+              </a:rPr>
+              <a:t>Recursividade</a:t>
+            </a:r>
+            <a:endParaRPr lang="en-US" b="1" dirty="0">
+              <a:solidFill>
+                <a:srgbClr val="0070C0"/>
+              </a:solidFill>
+            </a:endParaRPr>
+          </a:p>
+        </p:txBody>
+      </p:sp>
+      <p:sp>
+        <p:nvSpPr>
+          <p:cNvPr id="8" name="Text Placeholder 2">
+            <a:extLst>
+              <a:ext uri="{FF2B5EF4-FFF2-40B4-BE49-F238E27FC236}">
+                <a16:creationId xmlns:a16="http://schemas.microsoft.com/office/drawing/2014/main" id="{99308A55-D18D-9B16-1E46-CCF819FF2638}"/>
+              </a:ext>
+            </a:extLst>
+          </p:cNvPr>
+          <p:cNvSpPr>
+            <a:spLocks noGrp="1"/>
+          </p:cNvSpPr>
+          <p:nvPr>
+            <p:ph type="body" sz="half" idx="1"/>
+          </p:nvPr>
+        </p:nvSpPr>
+        <p:spPr>
+          <a:xfrm>
+            <a:off x="142865" y="1200150"/>
+            <a:ext cx="8865056" cy="3737370"/>
+          </a:xfrm>
+        </p:spPr>
+        <p:txBody>
+          <a:bodyPr>
+            <a:noAutofit/>
+          </a:bodyPr>
+          <a:lstStyle/>
+          <a:p>
+            <a:pPr algn="just"/>
+            <a:r>
+              <a:rPr lang="pt-BR" sz="2200" b="1" dirty="0">
+                <a:solidFill>
+                  <a:schemeClr val="tx1"/>
+                </a:solidFill>
+                <a:latin typeface="Times New Roman" panose="02020603050405020304" pitchFamily="18" charset="0"/>
+                <a:cs typeface="Times New Roman" panose="02020603050405020304" pitchFamily="18" charset="0"/>
+              </a:rPr>
+              <a:t>Algoritmo</a:t>
+            </a:r>
+            <a:r>
+              <a:rPr lang="pt-BR" sz="2200" dirty="0">
+                <a:solidFill>
+                  <a:schemeClr val="tx1"/>
+                </a:solidFill>
+                <a:latin typeface="Times New Roman" panose="02020603050405020304" pitchFamily="18" charset="0"/>
+                <a:cs typeface="Times New Roman" panose="02020603050405020304" pitchFamily="18" charset="0"/>
+              </a:rPr>
+              <a:t>: sequência de passos finitos e ordenados para resolver um problema.</a:t>
+            </a:r>
+          </a:p>
+          <a:p>
+            <a:pPr algn="just"/>
+            <a:r>
+              <a:rPr lang="pt-BR" sz="2200" b="1" dirty="0">
+                <a:solidFill>
+                  <a:srgbClr val="FF0000"/>
+                </a:solidFill>
+                <a:latin typeface="Times New Roman" panose="02020603050405020304" pitchFamily="18" charset="0"/>
+                <a:cs typeface="Times New Roman" panose="02020603050405020304" pitchFamily="18" charset="0"/>
+              </a:rPr>
+              <a:t>Complexidade</a:t>
+            </a:r>
+            <a:r>
+              <a:rPr lang="pt-BR" sz="2200" dirty="0">
+                <a:solidFill>
+                  <a:schemeClr val="tx1"/>
+                </a:solidFill>
+                <a:latin typeface="Times New Roman" panose="02020603050405020304" pitchFamily="18" charset="0"/>
+                <a:cs typeface="Times New Roman" panose="02020603050405020304" pitchFamily="18" charset="0"/>
+              </a:rPr>
+              <a:t>: mede o custo de um algoritmo em termos de tempo de execução (complexidade temporal) e memória utilizada (complexidade espacial).</a:t>
+            </a:r>
+          </a:p>
+          <a:p>
+            <a:pPr algn="just"/>
+            <a:r>
+              <a:rPr lang="pt-BR" sz="2200" b="1" dirty="0">
+                <a:solidFill>
+                  <a:schemeClr val="tx1"/>
+                </a:solidFill>
+                <a:latin typeface="Times New Roman" panose="02020603050405020304" pitchFamily="18" charset="0"/>
+                <a:cs typeface="Times New Roman" panose="02020603050405020304" pitchFamily="18" charset="0"/>
+              </a:rPr>
+              <a:t>Recursividade</a:t>
+            </a:r>
+            <a:r>
+              <a:rPr lang="pt-BR" sz="2200" dirty="0">
+                <a:solidFill>
+                  <a:schemeClr val="tx1"/>
+                </a:solidFill>
+                <a:latin typeface="Times New Roman" panose="02020603050405020304" pitchFamily="18" charset="0"/>
+                <a:cs typeface="Times New Roman" panose="02020603050405020304" pitchFamily="18" charset="0"/>
+              </a:rPr>
+              <a:t>: técnica poderosa, mas pode aumentar ou reduzir a complexidade dependendo da implementação.</a:t>
+            </a:r>
+          </a:p>
+          <a:p>
+            <a:pPr marL="0" indent="0" algn="just">
+              <a:buNone/>
+            </a:pPr>
+            <a:endParaRPr lang="pt-BR" sz="2200" dirty="0">
+              <a:solidFill>
+                <a:schemeClr val="tx1"/>
+              </a:solidFill>
+              <a:latin typeface="Times New Roman" panose="02020603050405020304" pitchFamily="18" charset="0"/>
+              <a:cs typeface="Times New Roman" panose="02020603050405020304" pitchFamily="18" charset="0"/>
+            </a:endParaRPr>
+          </a:p>
+          <a:p>
+            <a:pPr marL="0" indent="0" algn="just">
+              <a:buNone/>
+            </a:pPr>
+            <a:r>
+              <a:rPr lang="pt-BR" sz="2200" dirty="0">
+                <a:solidFill>
+                  <a:schemeClr val="tx1"/>
+                </a:solidFill>
+                <a:latin typeface="Times New Roman" panose="02020603050405020304" pitchFamily="18" charset="0"/>
+                <a:cs typeface="Times New Roman" panose="02020603050405020304" pitchFamily="18" charset="0"/>
+              </a:rPr>
+              <a:t>	</a:t>
+            </a:r>
+            <a:r>
+              <a:rPr lang="pt-BR" sz="2200" dirty="0">
+                <a:solidFill>
+                  <a:schemeClr val="tx1"/>
+                </a:solidFill>
+                <a:latin typeface="Times New Roman" panose="02020603050405020304" pitchFamily="18" charset="0"/>
+                <a:cs typeface="Times New Roman" panose="02020603050405020304" pitchFamily="18" charset="0"/>
+                <a:hlinkClick r:id="rId3"/>
+              </a:rPr>
+              <a:t>https://www.cs.usfca.edu/~galles/visualization/Algorithms.html</a:t>
+            </a:r>
+            <a:r>
+              <a:rPr lang="pt-BR" sz="2200" dirty="0">
+                <a:solidFill>
+                  <a:schemeClr val="tx1"/>
+                </a:solidFill>
+                <a:latin typeface="Times New Roman" panose="02020603050405020304" pitchFamily="18" charset="0"/>
+                <a:cs typeface="Times New Roman" panose="02020603050405020304" pitchFamily="18" charset="0"/>
+              </a:rPr>
+              <a:t> </a:t>
+            </a:r>
+          </a:p>
+          <a:p>
+            <a:pPr marL="0" indent="0" algn="just">
+              <a:buNone/>
+            </a:pPr>
+            <a:r>
+              <a:rPr lang="pt-BR" sz="2200" dirty="0">
+                <a:solidFill>
+                  <a:schemeClr val="tx1"/>
+                </a:solidFill>
+                <a:latin typeface="Times New Roman" panose="02020603050405020304" pitchFamily="18" charset="0"/>
+                <a:cs typeface="Times New Roman" panose="02020603050405020304" pitchFamily="18" charset="0"/>
+              </a:rPr>
+              <a:t>	</a:t>
+            </a:r>
+            <a:r>
+              <a:rPr lang="pt-BR" sz="2200" dirty="0">
+                <a:solidFill>
+                  <a:schemeClr val="tx1"/>
+                </a:solidFill>
+                <a:latin typeface="Times New Roman" panose="02020603050405020304" pitchFamily="18" charset="0"/>
+                <a:cs typeface="Times New Roman" panose="02020603050405020304" pitchFamily="18" charset="0"/>
+                <a:hlinkClick r:id="rId4"/>
+              </a:rPr>
+              <a:t>https://visualgo.net</a:t>
+            </a:r>
+            <a:endParaRPr lang="pt-BR" sz="2200" dirty="0">
+              <a:solidFill>
+                <a:schemeClr val="tx1"/>
+              </a:solidFill>
+              <a:latin typeface="Times New Roman" panose="02020603050405020304" pitchFamily="18" charset="0"/>
+              <a:cs typeface="Times New Roman" panose="02020603050405020304" pitchFamily="18" charset="0"/>
+            </a:endParaRPr>
+          </a:p>
+        </p:txBody>
+      </p:sp>
+    </p:spTree>
+    <p:extLst>
+      <p:ext uri="{BB962C8B-B14F-4D97-AF65-F5344CB8AC3E}">
+        <p14:creationId xmlns:p14="http://schemas.microsoft.com/office/powerpoint/2010/main" val="2230544893"/>
+      </p:ext>
+    </p:extLst>
+  </p:cSld>
+  <p:clrMapOvr>
+    <a:masterClrMapping/>
+  </p:clrMapOvr>
+  <p:transition spd="med"/>
+</p:sld>
+</file>
+
+<file path=ppt/slides/slide4.xml><?xml version="1.0" encoding="utf-8"?>
+<p:sld xmlns:a="http://schemas.openxmlformats.org/drawingml/2006/main" xmlns:r="http://schemas.openxmlformats.org/officeDocument/2006/relationships" xmlns:p="http://schemas.openxmlformats.org/presentationml/2006/main">
+  <p:cSld>
+    <p:spTree>
+      <p:nvGrpSpPr>
+        <p:cNvPr id="1" name=""/>
+        <p:cNvGrpSpPr/>
+        <p:nvPr/>
+      </p:nvGrpSpPr>
+      <p:grpSpPr>
+        <a:xfrm>
+          <a:off x="0" y="0"/>
+          <a:ext cx="0" cy="0"/>
+          <a:chOff x="0" y="0"/>
+          <a:chExt cx="0" cy="0"/>
+        </a:xfrm>
+      </p:grpSpPr>
+      <p:sp>
+        <p:nvSpPr>
+          <p:cNvPr id="6" name="Title 1"/>
+          <p:cNvSpPr>
+            <a:spLocks noGrp="1"/>
+          </p:cNvSpPr>
+          <p:nvPr>
+            <p:ph type="title"/>
+          </p:nvPr>
+        </p:nvSpPr>
+        <p:spPr>
+          <a:xfrm>
+            <a:off x="457200" y="205980"/>
+            <a:ext cx="8229600" cy="857251"/>
+          </a:xfrm>
+        </p:spPr>
+        <p:txBody>
+          <a:bodyPr>
+            <a:normAutofit/>
+          </a:bodyPr>
+          <a:lstStyle/>
+          <a:p>
+            <a:r>
+              <a:rPr lang="en-US" b="1" dirty="0" err="1">
+                <a:solidFill>
+                  <a:srgbClr val="0070C0"/>
+                </a:solidFill>
+              </a:rPr>
+              <a:t>Recursividade</a:t>
+            </a:r>
+            <a:endParaRPr lang="en-US" b="1" dirty="0">
+              <a:solidFill>
+                <a:srgbClr val="0070C0"/>
+              </a:solidFill>
+            </a:endParaRPr>
+          </a:p>
+        </p:txBody>
+      </p:sp>
+      <p:sp>
+        <p:nvSpPr>
+          <p:cNvPr id="8" name="Text Placeholder 2"/>
+          <p:cNvSpPr>
+            <a:spLocks noGrp="1"/>
+          </p:cNvSpPr>
+          <p:nvPr>
+            <p:ph type="body" sz="half" idx="1"/>
+          </p:nvPr>
+        </p:nvSpPr>
+        <p:spPr>
+          <a:xfrm>
+            <a:off x="142865" y="1200150"/>
+            <a:ext cx="8865056" cy="3737370"/>
+          </a:xfrm>
+        </p:spPr>
+        <p:txBody>
+          <a:bodyPr>
+            <a:noAutofit/>
+          </a:bodyPr>
+          <a:lstStyle/>
+          <a:p>
+            <a:pPr marL="0" indent="0" algn="just">
+              <a:buNone/>
+            </a:pPr>
+            <a:r>
+              <a:rPr lang="pt-BR" sz="2400" dirty="0">
+                <a:solidFill>
+                  <a:schemeClr val="tx1"/>
+                </a:solidFill>
+                <a:latin typeface="Times New Roman" panose="02020603050405020304" pitchFamily="18" charset="0"/>
+                <a:cs typeface="Times New Roman" panose="02020603050405020304" pitchFamily="18" charset="0"/>
+              </a:rPr>
+              <a:t>Um algoritmo é </a:t>
+            </a:r>
+            <a:r>
+              <a:rPr lang="pt-BR" sz="2400" b="1" dirty="0">
+                <a:solidFill>
+                  <a:schemeClr val="tx1"/>
+                </a:solidFill>
+                <a:latin typeface="Times New Roman" panose="02020603050405020304" pitchFamily="18" charset="0"/>
+                <a:cs typeface="Times New Roman" panose="02020603050405020304" pitchFamily="18" charset="0"/>
+              </a:rPr>
+              <a:t>recursivo</a:t>
+            </a:r>
+            <a:r>
+              <a:rPr lang="pt-BR" sz="2400" dirty="0">
+                <a:solidFill>
+                  <a:schemeClr val="tx1"/>
+                </a:solidFill>
+                <a:latin typeface="Times New Roman" panose="02020603050405020304" pitchFamily="18" charset="0"/>
+                <a:cs typeface="Times New Roman" panose="02020603050405020304" pitchFamily="18" charset="0"/>
+              </a:rPr>
+              <a:t> quando uma função chama a si mesma para resolver um problema menor.</a:t>
+            </a:r>
+          </a:p>
+          <a:p>
+            <a:pPr marL="0" indent="0" algn="just">
+              <a:buNone/>
+            </a:pPr>
+            <a:endParaRPr lang="pt-BR" sz="2400" dirty="0">
+              <a:solidFill>
+                <a:schemeClr val="tx1"/>
+              </a:solidFill>
+              <a:latin typeface="Times New Roman" panose="02020603050405020304" pitchFamily="18" charset="0"/>
+              <a:cs typeface="Times New Roman" panose="02020603050405020304" pitchFamily="18" charset="0"/>
+            </a:endParaRPr>
+          </a:p>
+          <a:p>
+            <a:pPr marL="0" indent="0" algn="just">
+              <a:buNone/>
+            </a:pPr>
+            <a:r>
+              <a:rPr lang="pt-BR" sz="2400" dirty="0" err="1">
+                <a:solidFill>
+                  <a:schemeClr val="tx1"/>
+                </a:solidFill>
+                <a:latin typeface="Times New Roman" panose="02020603050405020304" pitchFamily="18" charset="0"/>
+                <a:cs typeface="Times New Roman" panose="02020603050405020304" pitchFamily="18" charset="0"/>
+              </a:rPr>
+              <a:t>def</a:t>
+            </a:r>
+            <a:r>
+              <a:rPr lang="pt-BR" sz="2400" dirty="0">
+                <a:solidFill>
+                  <a:schemeClr val="tx1"/>
+                </a:solidFill>
+                <a:latin typeface="Times New Roman" panose="02020603050405020304" pitchFamily="18" charset="0"/>
+                <a:cs typeface="Times New Roman" panose="02020603050405020304" pitchFamily="18" charset="0"/>
+              </a:rPr>
+              <a:t> </a:t>
+            </a:r>
+            <a:r>
+              <a:rPr lang="pt-BR" sz="2400" b="1" dirty="0" err="1">
+                <a:solidFill>
+                  <a:schemeClr val="tx1"/>
+                </a:solidFill>
+                <a:latin typeface="Times New Roman" panose="02020603050405020304" pitchFamily="18" charset="0"/>
+                <a:cs typeface="Times New Roman" panose="02020603050405020304" pitchFamily="18" charset="0"/>
+              </a:rPr>
+              <a:t>funcaoRecursiva</a:t>
+            </a:r>
+            <a:r>
+              <a:rPr lang="pt-BR" sz="2400" dirty="0">
+                <a:solidFill>
+                  <a:schemeClr val="tx1"/>
+                </a:solidFill>
+                <a:latin typeface="Times New Roman" panose="02020603050405020304" pitchFamily="18" charset="0"/>
+                <a:cs typeface="Times New Roman" panose="02020603050405020304" pitchFamily="18" charset="0"/>
+              </a:rPr>
+              <a:t>():</a:t>
+            </a:r>
+          </a:p>
+          <a:p>
+            <a:pPr marL="0" indent="0" algn="just">
+              <a:buNone/>
+            </a:pPr>
+            <a:r>
+              <a:rPr lang="pt-BR" sz="2400" dirty="0">
+                <a:solidFill>
+                  <a:schemeClr val="tx1"/>
+                </a:solidFill>
+                <a:latin typeface="Times New Roman" panose="02020603050405020304" pitchFamily="18" charset="0"/>
+                <a:cs typeface="Times New Roman" panose="02020603050405020304" pitchFamily="18" charset="0"/>
+              </a:rPr>
+              <a:t>    </a:t>
+            </a:r>
+            <a:r>
+              <a:rPr lang="pt-BR" sz="2400" dirty="0" err="1">
+                <a:solidFill>
+                  <a:schemeClr val="tx1"/>
+                </a:solidFill>
+                <a:latin typeface="Times New Roman" panose="02020603050405020304" pitchFamily="18" charset="0"/>
+                <a:cs typeface="Times New Roman" panose="02020603050405020304" pitchFamily="18" charset="0"/>
+              </a:rPr>
+              <a:t>if</a:t>
+            </a:r>
+            <a:r>
+              <a:rPr lang="pt-BR" sz="2400" dirty="0">
+                <a:solidFill>
+                  <a:schemeClr val="tx1"/>
+                </a:solidFill>
+                <a:latin typeface="Times New Roman" panose="02020603050405020304" pitchFamily="18" charset="0"/>
+                <a:cs typeface="Times New Roman" panose="02020603050405020304" pitchFamily="18" charset="0"/>
+              </a:rPr>
+              <a:t> (</a:t>
+            </a:r>
+            <a:r>
+              <a:rPr lang="pt-BR" sz="2400" b="1" dirty="0">
+                <a:solidFill>
+                  <a:srgbClr val="FF0000"/>
+                </a:solidFill>
+                <a:latin typeface="Times New Roman" panose="02020603050405020304" pitchFamily="18" charset="0"/>
+                <a:cs typeface="Times New Roman" panose="02020603050405020304" pitchFamily="18" charset="0"/>
+              </a:rPr>
+              <a:t>caso base</a:t>
+            </a:r>
+            <a:r>
+              <a:rPr lang="pt-BR" sz="2400" dirty="0">
+                <a:solidFill>
+                  <a:schemeClr val="tx1"/>
+                </a:solidFill>
+                <a:latin typeface="Times New Roman" panose="02020603050405020304" pitchFamily="18" charset="0"/>
+                <a:cs typeface="Times New Roman" panose="02020603050405020304" pitchFamily="18" charset="0"/>
+              </a:rPr>
+              <a:t>):</a:t>
+            </a:r>
+          </a:p>
+          <a:p>
+            <a:pPr marL="0" indent="0" algn="just">
+              <a:buNone/>
+            </a:pPr>
+            <a:r>
+              <a:rPr lang="pt-BR" sz="2400" dirty="0">
+                <a:solidFill>
+                  <a:schemeClr val="tx1"/>
+                </a:solidFill>
+                <a:latin typeface="Times New Roman" panose="02020603050405020304" pitchFamily="18" charset="0"/>
+                <a:cs typeface="Times New Roman" panose="02020603050405020304" pitchFamily="18" charset="0"/>
+              </a:rPr>
+              <a:t>        </a:t>
+            </a:r>
+            <a:r>
+              <a:rPr lang="pt-BR" sz="2400" b="1" dirty="0" err="1">
+                <a:solidFill>
+                  <a:schemeClr val="tx1"/>
+                </a:solidFill>
+                <a:latin typeface="Times New Roman" panose="02020603050405020304" pitchFamily="18" charset="0"/>
+                <a:cs typeface="Times New Roman" panose="02020603050405020304" pitchFamily="18" charset="0"/>
+              </a:rPr>
+              <a:t>return</a:t>
+            </a:r>
+            <a:r>
+              <a:rPr lang="pt-BR" sz="2400" dirty="0">
+                <a:solidFill>
+                  <a:schemeClr val="tx1"/>
+                </a:solidFill>
+                <a:latin typeface="Times New Roman" panose="02020603050405020304" pitchFamily="18" charset="0"/>
+                <a:cs typeface="Times New Roman" panose="02020603050405020304" pitchFamily="18" charset="0"/>
+              </a:rPr>
+              <a:t> resultado</a:t>
+            </a:r>
+          </a:p>
+          <a:p>
+            <a:pPr marL="0" indent="0" algn="just">
+              <a:buNone/>
+            </a:pPr>
+            <a:r>
+              <a:rPr lang="pt-BR" sz="2400" dirty="0">
+                <a:solidFill>
+                  <a:schemeClr val="tx1"/>
+                </a:solidFill>
+                <a:latin typeface="Times New Roman" panose="02020603050405020304" pitchFamily="18" charset="0"/>
+                <a:cs typeface="Times New Roman" panose="02020603050405020304" pitchFamily="18" charset="0"/>
+              </a:rPr>
+              <a:t>    </a:t>
+            </a:r>
+            <a:r>
+              <a:rPr lang="pt-BR" sz="2400" dirty="0" err="1">
+                <a:solidFill>
+                  <a:schemeClr val="tx1"/>
+                </a:solidFill>
+                <a:latin typeface="Times New Roman" panose="02020603050405020304" pitchFamily="18" charset="0"/>
+                <a:cs typeface="Times New Roman" panose="02020603050405020304" pitchFamily="18" charset="0"/>
+              </a:rPr>
+              <a:t>else</a:t>
+            </a:r>
+            <a:r>
+              <a:rPr lang="pt-BR" sz="2400" dirty="0">
+                <a:solidFill>
+                  <a:schemeClr val="tx1"/>
+                </a:solidFill>
+                <a:latin typeface="Times New Roman" panose="02020603050405020304" pitchFamily="18" charset="0"/>
+                <a:cs typeface="Times New Roman" panose="02020603050405020304" pitchFamily="18" charset="0"/>
+              </a:rPr>
+              <a:t>:</a:t>
+            </a:r>
+          </a:p>
+          <a:p>
+            <a:pPr marL="0" indent="0" algn="just">
+              <a:buNone/>
+            </a:pPr>
+            <a:r>
+              <a:rPr lang="pt-BR" sz="2400" dirty="0">
+                <a:solidFill>
+                  <a:schemeClr val="tx1"/>
+                </a:solidFill>
+                <a:latin typeface="Times New Roman" panose="02020603050405020304" pitchFamily="18" charset="0"/>
+                <a:cs typeface="Times New Roman" panose="02020603050405020304" pitchFamily="18" charset="0"/>
+              </a:rPr>
+              <a:t>        </a:t>
+            </a:r>
+            <a:r>
+              <a:rPr lang="pt-BR" sz="2400" dirty="0" err="1">
+                <a:solidFill>
+                  <a:schemeClr val="tx1"/>
+                </a:solidFill>
+                <a:latin typeface="Times New Roman" panose="02020603050405020304" pitchFamily="18" charset="0"/>
+                <a:cs typeface="Times New Roman" panose="02020603050405020304" pitchFamily="18" charset="0"/>
+              </a:rPr>
+              <a:t>return</a:t>
+            </a:r>
+            <a:r>
+              <a:rPr lang="pt-BR" sz="2400" dirty="0">
+                <a:solidFill>
+                  <a:schemeClr val="tx1"/>
+                </a:solidFill>
+                <a:latin typeface="Times New Roman" panose="02020603050405020304" pitchFamily="18" charset="0"/>
+                <a:cs typeface="Times New Roman" panose="02020603050405020304" pitchFamily="18" charset="0"/>
+              </a:rPr>
+              <a:t> </a:t>
+            </a:r>
+            <a:r>
+              <a:rPr lang="pt-BR" sz="2400" b="1" dirty="0" err="1">
+                <a:solidFill>
+                  <a:schemeClr val="tx1"/>
+                </a:solidFill>
+                <a:latin typeface="Times New Roman" panose="02020603050405020304" pitchFamily="18" charset="0"/>
+                <a:cs typeface="Times New Roman" panose="02020603050405020304" pitchFamily="18" charset="0"/>
+              </a:rPr>
+              <a:t>funcaoRecursiva</a:t>
+            </a:r>
+            <a:r>
+              <a:rPr lang="pt-BR" sz="2400" dirty="0">
+                <a:solidFill>
+                  <a:schemeClr val="tx1"/>
+                </a:solidFill>
+                <a:latin typeface="Times New Roman" panose="02020603050405020304" pitchFamily="18" charset="0"/>
+                <a:cs typeface="Times New Roman" panose="02020603050405020304" pitchFamily="18" charset="0"/>
+              </a:rPr>
+              <a:t> // (</a:t>
+            </a:r>
+            <a:r>
+              <a:rPr lang="pt-BR" sz="2400" b="1" dirty="0">
+                <a:solidFill>
+                  <a:srgbClr val="FF0000"/>
+                </a:solidFill>
+                <a:latin typeface="Times New Roman" panose="02020603050405020304" pitchFamily="18" charset="0"/>
+                <a:cs typeface="Times New Roman" panose="02020603050405020304" pitchFamily="18" charset="0"/>
+              </a:rPr>
+              <a:t>problema menor</a:t>
+            </a:r>
+            <a:r>
+              <a:rPr lang="pt-BR" sz="2400" dirty="0">
+                <a:solidFill>
+                  <a:schemeClr val="tx1"/>
+                </a:solidFill>
+                <a:latin typeface="Times New Roman" panose="02020603050405020304" pitchFamily="18" charset="0"/>
+                <a:cs typeface="Times New Roman" panose="02020603050405020304" pitchFamily="18" charset="0"/>
+              </a:rPr>
+              <a:t>)</a:t>
+            </a:r>
+          </a:p>
+        </p:txBody>
+      </p:sp>
+    </p:spTree>
+    <p:extLst>
+      <p:ext uri="{BB962C8B-B14F-4D97-AF65-F5344CB8AC3E}">
+        <p14:creationId xmlns:p14="http://schemas.microsoft.com/office/powerpoint/2010/main" val="1362980025"/>
+      </p:ext>
+    </p:extLst>
+  </p:cSld>
+  <p:clrMapOvr>
+    <a:masterClrMapping/>
+  </p:clrMapOvr>
+  <p:transition spd="med"/>
+</p:sld>
+</file>
+
+<file path=ppt/slides/slide5.xml><?xml version="1.0" encoding="utf-8"?>
+<p:sld xmlns:a="http://schemas.openxmlformats.org/drawingml/2006/main" xmlns:r="http://schemas.openxmlformats.org/officeDocument/2006/relationships" xmlns:p="http://schemas.openxmlformats.org/presentationml/2006/main">
+  <p:cSld>
+    <p:spTree>
+      <p:nvGrpSpPr>
+        <p:cNvPr id="1" name="">
+          <a:extLst>
+            <a:ext uri="{FF2B5EF4-FFF2-40B4-BE49-F238E27FC236}">
+              <a16:creationId xmlns:a16="http://schemas.microsoft.com/office/drawing/2014/main" id="{B814D2E6-405D-D1D1-EFB6-4D7166D00312}"/>
+            </a:ext>
+          </a:extLst>
+        </p:cNvPr>
+        <p:cNvGrpSpPr/>
+        <p:nvPr/>
+      </p:nvGrpSpPr>
+      <p:grpSpPr>
+        <a:xfrm>
+          <a:off x="0" y="0"/>
+          <a:ext cx="0" cy="0"/>
+          <a:chOff x="0" y="0"/>
+          <a:chExt cx="0" cy="0"/>
+        </a:xfrm>
+      </p:grpSpPr>
+      <p:sp>
+        <p:nvSpPr>
+          <p:cNvPr id="6" name="Title 1">
+            <a:extLst>
+              <a:ext uri="{FF2B5EF4-FFF2-40B4-BE49-F238E27FC236}">
+                <a16:creationId xmlns:a16="http://schemas.microsoft.com/office/drawing/2014/main" id="{E5A3F988-EE0B-2061-594B-F106EA423676}"/>
+              </a:ext>
+            </a:extLst>
+          </p:cNvPr>
+          <p:cNvSpPr>
+            <a:spLocks noGrp="1"/>
+          </p:cNvSpPr>
+          <p:nvPr>
+            <p:ph type="title"/>
+          </p:nvPr>
+        </p:nvSpPr>
+        <p:spPr>
+          <a:xfrm>
+            <a:off x="457200" y="205980"/>
+            <a:ext cx="8229600" cy="857251"/>
+          </a:xfrm>
+        </p:spPr>
+        <p:txBody>
+          <a:bodyPr>
+            <a:normAutofit/>
+          </a:bodyPr>
+          <a:lstStyle/>
+          <a:p>
+            <a:r>
+              <a:rPr lang="en-US" b="1" dirty="0" err="1">
+                <a:solidFill>
+                  <a:srgbClr val="0070C0"/>
+                </a:solidFill>
+              </a:rPr>
+              <a:t>Recursividade</a:t>
+            </a:r>
+            <a:r>
+              <a:rPr lang="en-US" b="1" dirty="0">
+                <a:solidFill>
+                  <a:srgbClr val="0070C0"/>
+                </a:solidFill>
+              </a:rPr>
+              <a:t> – Caso Base</a:t>
+            </a:r>
+          </a:p>
+        </p:txBody>
+      </p:sp>
+      <p:sp>
+        <p:nvSpPr>
+          <p:cNvPr id="8" name="Text Placeholder 2">
+            <a:extLst>
+              <a:ext uri="{FF2B5EF4-FFF2-40B4-BE49-F238E27FC236}">
+                <a16:creationId xmlns:a16="http://schemas.microsoft.com/office/drawing/2014/main" id="{1AF35BE7-658D-4252-E787-B5E7455E96FB}"/>
+              </a:ext>
+            </a:extLst>
+          </p:cNvPr>
+          <p:cNvSpPr>
+            <a:spLocks noGrp="1"/>
+          </p:cNvSpPr>
+          <p:nvPr>
+            <p:ph type="body" sz="half" idx="1"/>
+          </p:nvPr>
+        </p:nvSpPr>
+        <p:spPr>
+          <a:xfrm>
+            <a:off x="142865" y="1011892"/>
+            <a:ext cx="8865056" cy="3925628"/>
+          </a:xfrm>
+        </p:spPr>
+        <p:txBody>
+          <a:bodyPr>
+            <a:noAutofit/>
+          </a:bodyPr>
+          <a:lstStyle/>
+          <a:p>
+            <a:pPr algn="just"/>
+            <a:r>
+              <a:rPr lang="pt-BR" sz="2400" b="1" dirty="0">
+                <a:solidFill>
+                  <a:schemeClr val="tx1"/>
+                </a:solidFill>
+                <a:latin typeface="Times New Roman" panose="02020603050405020304" pitchFamily="18" charset="0"/>
+                <a:cs typeface="Times New Roman" panose="02020603050405020304" pitchFamily="18" charset="0"/>
+              </a:rPr>
+              <a:t>Caso base</a:t>
+            </a:r>
+            <a:r>
+              <a:rPr lang="pt-BR" sz="2400" dirty="0">
+                <a:solidFill>
+                  <a:schemeClr val="tx1"/>
+                </a:solidFill>
+                <a:latin typeface="Times New Roman" panose="02020603050405020304" pitchFamily="18" charset="0"/>
+                <a:cs typeface="Times New Roman" panose="02020603050405020304" pitchFamily="18" charset="0"/>
+              </a:rPr>
+              <a:t>: condição que termina a recursão.</a:t>
+            </a:r>
+          </a:p>
+          <a:p>
+            <a:pPr algn="just"/>
+            <a:r>
+              <a:rPr lang="pt-BR" sz="2400" b="1" dirty="0">
+                <a:solidFill>
+                  <a:schemeClr val="tx1"/>
+                </a:solidFill>
+                <a:latin typeface="Times New Roman" panose="02020603050405020304" pitchFamily="18" charset="0"/>
+                <a:cs typeface="Times New Roman" panose="02020603050405020304" pitchFamily="18" charset="0"/>
+              </a:rPr>
+              <a:t>Chamada recursiva</a:t>
+            </a:r>
+            <a:r>
+              <a:rPr lang="pt-BR" sz="2400" dirty="0">
+                <a:solidFill>
+                  <a:schemeClr val="tx1"/>
+                </a:solidFill>
+                <a:latin typeface="Times New Roman" panose="02020603050405020304" pitchFamily="18" charset="0"/>
+                <a:cs typeface="Times New Roman" panose="02020603050405020304" pitchFamily="18" charset="0"/>
+              </a:rPr>
+              <a:t>: chamada da função com uma versão menor do problema.</a:t>
+            </a:r>
+          </a:p>
+          <a:p>
+            <a:pPr algn="just"/>
+            <a:endParaRPr lang="pt-BR" sz="2400" dirty="0">
+              <a:solidFill>
+                <a:schemeClr val="tx1"/>
+              </a:solidFill>
+              <a:latin typeface="Times New Roman" panose="02020603050405020304" pitchFamily="18" charset="0"/>
+              <a:cs typeface="Times New Roman" panose="02020603050405020304" pitchFamily="18" charset="0"/>
+            </a:endParaRPr>
+          </a:p>
+          <a:p>
+            <a:pPr marL="0" indent="0" algn="just">
+              <a:buNone/>
+            </a:pPr>
+            <a:r>
+              <a:rPr lang="pt-BR" sz="2400" b="1" dirty="0">
+                <a:solidFill>
+                  <a:schemeClr val="tx1"/>
+                </a:solidFill>
+                <a:latin typeface="Times New Roman" panose="02020603050405020304" pitchFamily="18" charset="0"/>
+                <a:cs typeface="Times New Roman" panose="02020603050405020304" pitchFamily="18" charset="0"/>
+              </a:rPr>
+              <a:t>Definição matemática Fatorial</a:t>
+            </a:r>
+            <a:r>
+              <a:rPr lang="pt-BR" sz="2400" dirty="0">
+                <a:solidFill>
+                  <a:schemeClr val="tx1"/>
+                </a:solidFill>
+                <a:latin typeface="Times New Roman" panose="02020603050405020304" pitchFamily="18" charset="0"/>
+                <a:cs typeface="Times New Roman" panose="02020603050405020304" pitchFamily="18" charset="0"/>
+              </a:rPr>
+              <a:t>:</a:t>
+            </a:r>
+          </a:p>
+          <a:p>
+            <a:pPr algn="just"/>
+            <a:r>
+              <a:rPr lang="pt-BR" sz="2400" dirty="0">
+                <a:solidFill>
+                  <a:schemeClr val="tx1"/>
+                </a:solidFill>
+                <a:latin typeface="Times New Roman" panose="02020603050405020304" pitchFamily="18" charset="0"/>
+                <a:cs typeface="Times New Roman" panose="02020603050405020304" pitchFamily="18" charset="0"/>
+              </a:rPr>
+              <a:t>n! = n × (n-1)!</a:t>
+            </a:r>
+          </a:p>
+          <a:p>
+            <a:pPr algn="just"/>
+            <a:r>
+              <a:rPr lang="pt-BR" sz="2400" dirty="0">
+                <a:solidFill>
+                  <a:schemeClr val="tx1"/>
+                </a:solidFill>
+                <a:latin typeface="Times New Roman" panose="02020603050405020304" pitchFamily="18" charset="0"/>
+                <a:cs typeface="Times New Roman" panose="02020603050405020304" pitchFamily="18" charset="0"/>
+              </a:rPr>
+              <a:t>0! = 1 // </a:t>
+            </a:r>
+            <a:r>
+              <a:rPr lang="pt-BR" sz="2400" b="1" dirty="0">
+                <a:solidFill>
+                  <a:schemeClr val="tx1"/>
+                </a:solidFill>
+                <a:latin typeface="Times New Roman" panose="02020603050405020304" pitchFamily="18" charset="0"/>
+                <a:cs typeface="Times New Roman" panose="02020603050405020304" pitchFamily="18" charset="0"/>
+              </a:rPr>
+              <a:t>Caso Base </a:t>
+            </a:r>
+            <a:r>
+              <a:rPr lang="pt-BR" sz="2400" dirty="0">
+                <a:solidFill>
+                  <a:schemeClr val="tx1"/>
+                </a:solidFill>
+                <a:latin typeface="Times New Roman" panose="02020603050405020304" pitchFamily="18" charset="0"/>
+                <a:cs typeface="Times New Roman" panose="02020603050405020304" pitchFamily="18" charset="0"/>
+              </a:rPr>
+              <a:t>-  condição de parada</a:t>
+            </a:r>
+          </a:p>
+          <a:p>
+            <a:pPr marL="0" indent="0" algn="just">
+              <a:buNone/>
+            </a:pPr>
+            <a:endParaRPr lang="pt-BR" sz="2400" dirty="0">
+              <a:solidFill>
+                <a:schemeClr val="tx1"/>
+              </a:solidFill>
+              <a:latin typeface="Times New Roman" panose="02020603050405020304" pitchFamily="18" charset="0"/>
+              <a:cs typeface="Times New Roman" panose="02020603050405020304" pitchFamily="18" charset="0"/>
+            </a:endParaRPr>
+          </a:p>
+        </p:txBody>
+      </p:sp>
+    </p:spTree>
+    <p:extLst>
+      <p:ext uri="{BB962C8B-B14F-4D97-AF65-F5344CB8AC3E}">
+        <p14:creationId xmlns:p14="http://schemas.microsoft.com/office/powerpoint/2010/main" val="1037060234"/>
+      </p:ext>
+    </p:extLst>
+  </p:cSld>
+  <p:clrMapOvr>
+    <a:masterClrMapping/>
+  </p:clrMapOvr>
+  <p:transition spd="med"/>
+</p:sld>
+</file>
+
+<file path=ppt/slides/slide6.xml><?xml version="1.0" encoding="utf-8"?>
+<p:sld xmlns:a="http://schemas.openxmlformats.org/drawingml/2006/main" xmlns:r="http://schemas.openxmlformats.org/officeDocument/2006/relationships" xmlns:p="http://schemas.openxmlformats.org/presentationml/2006/main">
+  <p:cSld>
+    <p:spTree>
+      <p:nvGrpSpPr>
+        <p:cNvPr id="1" name="">
+          <a:extLst>
+            <a:ext uri="{FF2B5EF4-FFF2-40B4-BE49-F238E27FC236}">
+              <a16:creationId xmlns:a16="http://schemas.microsoft.com/office/drawing/2014/main" id="{83115A5F-10A9-91A6-A399-D08061D6C7A3}"/>
+            </a:ext>
+          </a:extLst>
+        </p:cNvPr>
+        <p:cNvGrpSpPr/>
+        <p:nvPr/>
+      </p:nvGrpSpPr>
+      <p:grpSpPr>
+        <a:xfrm>
+          <a:off x="0" y="0"/>
+          <a:ext cx="0" cy="0"/>
+          <a:chOff x="0" y="0"/>
+          <a:chExt cx="0" cy="0"/>
+        </a:xfrm>
+      </p:grpSpPr>
+      <p:sp>
+        <p:nvSpPr>
+          <p:cNvPr id="6" name="Title 1">
+            <a:extLst>
+              <a:ext uri="{FF2B5EF4-FFF2-40B4-BE49-F238E27FC236}">
+                <a16:creationId xmlns:a16="http://schemas.microsoft.com/office/drawing/2014/main" id="{4DE24359-A617-2816-BF5A-2A7B14A8F73F}"/>
+              </a:ext>
+            </a:extLst>
+          </p:cNvPr>
+          <p:cNvSpPr>
+            <a:spLocks noGrp="1"/>
+          </p:cNvSpPr>
+          <p:nvPr>
+            <p:ph type="title"/>
+          </p:nvPr>
+        </p:nvSpPr>
+        <p:spPr>
+          <a:xfrm>
+            <a:off x="457200" y="205980"/>
+            <a:ext cx="8229600" cy="857251"/>
+          </a:xfrm>
+        </p:spPr>
+        <p:txBody>
+          <a:bodyPr>
+            <a:normAutofit/>
+          </a:bodyPr>
+          <a:lstStyle/>
+          <a:p>
+            <a:r>
+              <a:rPr lang="en-US" b="1" dirty="0" err="1">
+                <a:solidFill>
+                  <a:srgbClr val="0070C0"/>
+                </a:solidFill>
+              </a:rPr>
+              <a:t>Recursividade</a:t>
+            </a:r>
+            <a:r>
+              <a:rPr lang="en-US" b="1" dirty="0">
+                <a:solidFill>
+                  <a:srgbClr val="0070C0"/>
+                </a:solidFill>
+              </a:rPr>
+              <a:t> – </a:t>
+            </a:r>
+            <a:r>
+              <a:rPr lang="en-US" b="1" dirty="0" err="1">
+                <a:solidFill>
+                  <a:srgbClr val="0070C0"/>
+                </a:solidFill>
+              </a:rPr>
+              <a:t>Exemplo</a:t>
+            </a:r>
+            <a:r>
+              <a:rPr lang="en-US" b="1" dirty="0">
+                <a:solidFill>
+                  <a:srgbClr val="0070C0"/>
+                </a:solidFill>
+              </a:rPr>
+              <a:t> 1 Python</a:t>
+            </a:r>
+          </a:p>
+        </p:txBody>
+      </p:sp>
+      <p:sp>
+        <p:nvSpPr>
+          <p:cNvPr id="8" name="Text Placeholder 2">
+            <a:extLst>
+              <a:ext uri="{FF2B5EF4-FFF2-40B4-BE49-F238E27FC236}">
+                <a16:creationId xmlns:a16="http://schemas.microsoft.com/office/drawing/2014/main" id="{1C8CA764-53A5-B7F7-B7BF-DF245EB609CD}"/>
+              </a:ext>
+            </a:extLst>
+          </p:cNvPr>
+          <p:cNvSpPr>
+            <a:spLocks noGrp="1"/>
+          </p:cNvSpPr>
+          <p:nvPr>
+            <p:ph type="body" sz="half" idx="1"/>
+          </p:nvPr>
+        </p:nvSpPr>
+        <p:spPr>
+          <a:xfrm>
+            <a:off x="142865" y="1200150"/>
+            <a:ext cx="8865056" cy="3737370"/>
+          </a:xfrm>
+        </p:spPr>
+        <p:txBody>
+          <a:bodyPr>
+            <a:noAutofit/>
+          </a:bodyPr>
+          <a:lstStyle/>
+          <a:p>
+            <a:pPr marL="0" indent="0" algn="just">
+              <a:buNone/>
+            </a:pPr>
+            <a:r>
+              <a:rPr lang="pt-BR" sz="2400" dirty="0" err="1">
+                <a:solidFill>
+                  <a:schemeClr val="tx1"/>
+                </a:solidFill>
+                <a:latin typeface="Times New Roman" panose="02020603050405020304" pitchFamily="18" charset="0"/>
+                <a:cs typeface="Times New Roman" panose="02020603050405020304" pitchFamily="18" charset="0"/>
+              </a:rPr>
+              <a:t>def</a:t>
+            </a:r>
+            <a:r>
+              <a:rPr lang="pt-BR" sz="2400" dirty="0">
+                <a:solidFill>
+                  <a:schemeClr val="tx1"/>
+                </a:solidFill>
+                <a:latin typeface="Times New Roman" panose="02020603050405020304" pitchFamily="18" charset="0"/>
+                <a:cs typeface="Times New Roman" panose="02020603050405020304" pitchFamily="18" charset="0"/>
+              </a:rPr>
+              <a:t> </a:t>
+            </a:r>
+            <a:r>
+              <a:rPr lang="pt-BR" sz="2400" b="1" dirty="0">
+                <a:solidFill>
+                  <a:srgbClr val="FF0000"/>
+                </a:solidFill>
+                <a:latin typeface="Times New Roman" panose="02020603050405020304" pitchFamily="18" charset="0"/>
+                <a:cs typeface="Times New Roman" panose="02020603050405020304" pitchFamily="18" charset="0"/>
+              </a:rPr>
+              <a:t>fatorial</a:t>
+            </a:r>
+            <a:r>
+              <a:rPr lang="pt-BR" sz="2400" dirty="0">
+                <a:solidFill>
+                  <a:schemeClr val="tx1"/>
+                </a:solidFill>
+                <a:latin typeface="Times New Roman" panose="02020603050405020304" pitchFamily="18" charset="0"/>
+                <a:cs typeface="Times New Roman" panose="02020603050405020304" pitchFamily="18" charset="0"/>
+              </a:rPr>
+              <a:t>(n):</a:t>
+            </a:r>
+          </a:p>
+          <a:p>
+            <a:pPr marL="0" indent="0" algn="just">
+              <a:buNone/>
+            </a:pPr>
+            <a:r>
+              <a:rPr lang="pt-BR" sz="2400" dirty="0">
+                <a:solidFill>
+                  <a:schemeClr val="tx1"/>
+                </a:solidFill>
+                <a:latin typeface="Times New Roman" panose="02020603050405020304" pitchFamily="18" charset="0"/>
+                <a:cs typeface="Times New Roman" panose="02020603050405020304" pitchFamily="18" charset="0"/>
+              </a:rPr>
+              <a:t>    </a:t>
+            </a:r>
+            <a:r>
+              <a:rPr lang="pt-BR" sz="2400" dirty="0" err="1">
+                <a:solidFill>
+                  <a:schemeClr val="tx1"/>
+                </a:solidFill>
+                <a:latin typeface="Times New Roman" panose="02020603050405020304" pitchFamily="18" charset="0"/>
+                <a:cs typeface="Times New Roman" panose="02020603050405020304" pitchFamily="18" charset="0"/>
+              </a:rPr>
+              <a:t>if</a:t>
+            </a:r>
+            <a:r>
+              <a:rPr lang="pt-BR" sz="2400" dirty="0">
+                <a:solidFill>
+                  <a:schemeClr val="tx1"/>
+                </a:solidFill>
+                <a:latin typeface="Times New Roman" panose="02020603050405020304" pitchFamily="18" charset="0"/>
+                <a:cs typeface="Times New Roman" panose="02020603050405020304" pitchFamily="18" charset="0"/>
+              </a:rPr>
+              <a:t> n == 0: // </a:t>
+            </a:r>
+            <a:r>
+              <a:rPr lang="pt-BR" sz="2400" b="1" dirty="0">
+                <a:solidFill>
+                  <a:schemeClr val="tx1"/>
+                </a:solidFill>
+                <a:latin typeface="Times New Roman" panose="02020603050405020304" pitchFamily="18" charset="0"/>
+                <a:cs typeface="Times New Roman" panose="02020603050405020304" pitchFamily="18" charset="0"/>
+              </a:rPr>
+              <a:t>Case Base</a:t>
+            </a:r>
+          </a:p>
+          <a:p>
+            <a:pPr marL="0" indent="0" algn="just">
+              <a:buNone/>
+            </a:pPr>
+            <a:r>
+              <a:rPr lang="pt-BR" sz="2400" dirty="0">
+                <a:solidFill>
+                  <a:schemeClr val="tx1"/>
+                </a:solidFill>
+                <a:latin typeface="Times New Roman" panose="02020603050405020304" pitchFamily="18" charset="0"/>
+                <a:cs typeface="Times New Roman" panose="02020603050405020304" pitchFamily="18" charset="0"/>
+              </a:rPr>
+              <a:t>        </a:t>
+            </a:r>
+            <a:r>
+              <a:rPr lang="pt-BR" sz="2400" b="1" dirty="0" err="1">
+                <a:solidFill>
+                  <a:schemeClr val="tx1"/>
+                </a:solidFill>
+                <a:latin typeface="Times New Roman" panose="02020603050405020304" pitchFamily="18" charset="0"/>
+                <a:cs typeface="Times New Roman" panose="02020603050405020304" pitchFamily="18" charset="0"/>
+              </a:rPr>
+              <a:t>return</a:t>
+            </a:r>
+            <a:r>
+              <a:rPr lang="pt-BR" sz="2400" dirty="0">
+                <a:solidFill>
+                  <a:schemeClr val="tx1"/>
+                </a:solidFill>
+                <a:latin typeface="Times New Roman" panose="02020603050405020304" pitchFamily="18" charset="0"/>
+                <a:cs typeface="Times New Roman" panose="02020603050405020304" pitchFamily="18" charset="0"/>
+              </a:rPr>
+              <a:t> 1</a:t>
+            </a:r>
+          </a:p>
+          <a:p>
+            <a:pPr marL="0" indent="0" algn="just">
+              <a:buNone/>
+            </a:pPr>
+            <a:r>
+              <a:rPr lang="pt-BR" sz="2400" dirty="0">
+                <a:solidFill>
+                  <a:schemeClr val="tx1"/>
+                </a:solidFill>
+                <a:latin typeface="Times New Roman" panose="02020603050405020304" pitchFamily="18" charset="0"/>
+                <a:cs typeface="Times New Roman" panose="02020603050405020304" pitchFamily="18" charset="0"/>
+              </a:rPr>
+              <a:t>    </a:t>
+            </a:r>
+            <a:r>
+              <a:rPr lang="pt-BR" sz="2400" dirty="0" err="1">
+                <a:solidFill>
+                  <a:schemeClr val="tx1"/>
+                </a:solidFill>
+                <a:latin typeface="Times New Roman" panose="02020603050405020304" pitchFamily="18" charset="0"/>
+                <a:cs typeface="Times New Roman" panose="02020603050405020304" pitchFamily="18" charset="0"/>
+              </a:rPr>
+              <a:t>else</a:t>
+            </a:r>
+            <a:r>
+              <a:rPr lang="pt-BR" sz="2400" dirty="0">
+                <a:solidFill>
+                  <a:schemeClr val="tx1"/>
+                </a:solidFill>
+                <a:latin typeface="Times New Roman" panose="02020603050405020304" pitchFamily="18" charset="0"/>
+                <a:cs typeface="Times New Roman" panose="02020603050405020304" pitchFamily="18" charset="0"/>
+              </a:rPr>
+              <a:t>:</a:t>
+            </a:r>
+          </a:p>
+          <a:p>
+            <a:pPr marL="0" indent="0" algn="just">
+              <a:buNone/>
+            </a:pPr>
+            <a:r>
+              <a:rPr lang="pt-BR" sz="2400" dirty="0">
+                <a:solidFill>
+                  <a:schemeClr val="tx1"/>
+                </a:solidFill>
+                <a:latin typeface="Times New Roman" panose="02020603050405020304" pitchFamily="18" charset="0"/>
+                <a:cs typeface="Times New Roman" panose="02020603050405020304" pitchFamily="18" charset="0"/>
+              </a:rPr>
+              <a:t>        </a:t>
+            </a:r>
+            <a:r>
+              <a:rPr lang="pt-BR" sz="2400" b="1" dirty="0" err="1">
+                <a:solidFill>
+                  <a:schemeClr val="tx1"/>
+                </a:solidFill>
+                <a:latin typeface="Times New Roman" panose="02020603050405020304" pitchFamily="18" charset="0"/>
+                <a:cs typeface="Times New Roman" panose="02020603050405020304" pitchFamily="18" charset="0"/>
+              </a:rPr>
+              <a:t>return</a:t>
+            </a:r>
+            <a:r>
+              <a:rPr lang="pt-BR" sz="2400" dirty="0">
+                <a:solidFill>
+                  <a:schemeClr val="tx1"/>
+                </a:solidFill>
+                <a:latin typeface="Times New Roman" panose="02020603050405020304" pitchFamily="18" charset="0"/>
+                <a:cs typeface="Times New Roman" panose="02020603050405020304" pitchFamily="18" charset="0"/>
+              </a:rPr>
+              <a:t> n * </a:t>
+            </a:r>
+            <a:r>
+              <a:rPr lang="pt-BR" sz="2400" b="1" dirty="0">
+                <a:solidFill>
+                  <a:srgbClr val="FF0000"/>
+                </a:solidFill>
+                <a:latin typeface="Times New Roman" panose="02020603050405020304" pitchFamily="18" charset="0"/>
+                <a:cs typeface="Times New Roman" panose="02020603050405020304" pitchFamily="18" charset="0"/>
+              </a:rPr>
+              <a:t>fatorial</a:t>
+            </a:r>
+            <a:r>
+              <a:rPr lang="pt-BR" sz="2400" dirty="0">
+                <a:solidFill>
+                  <a:schemeClr val="tx1"/>
+                </a:solidFill>
+                <a:latin typeface="Times New Roman" panose="02020603050405020304" pitchFamily="18" charset="0"/>
+                <a:cs typeface="Times New Roman" panose="02020603050405020304" pitchFamily="18" charset="0"/>
+              </a:rPr>
+              <a:t>(n - 1)</a:t>
+            </a:r>
+          </a:p>
+        </p:txBody>
+      </p:sp>
+    </p:spTree>
+    <p:extLst>
+      <p:ext uri="{BB962C8B-B14F-4D97-AF65-F5344CB8AC3E}">
+        <p14:creationId xmlns:p14="http://schemas.microsoft.com/office/powerpoint/2010/main" val="311264759"/>
+      </p:ext>
+    </p:extLst>
+  </p:cSld>
+  <p:clrMapOvr>
+    <a:masterClrMapping/>
+  </p:clrMapOvr>
+  <p:transition spd="med"/>
+</p:sld>
+</file>
+
+<file path=ppt/slides/slide7.xml><?xml version="1.0" encoding="utf-8"?>
+<p:sld xmlns:a="http://schemas.openxmlformats.org/drawingml/2006/main" xmlns:r="http://schemas.openxmlformats.org/officeDocument/2006/relationships" xmlns:p="http://schemas.openxmlformats.org/presentationml/2006/main">
+  <p:cSld>
+    <p:spTree>
+      <p:nvGrpSpPr>
+        <p:cNvPr id="1" name="">
+          <a:extLst>
+            <a:ext uri="{FF2B5EF4-FFF2-40B4-BE49-F238E27FC236}">
+              <a16:creationId xmlns:a16="http://schemas.microsoft.com/office/drawing/2014/main" id="{AE5DDAD4-C52A-CE28-933C-4C008BCD40C2}"/>
+            </a:ext>
+          </a:extLst>
+        </p:cNvPr>
+        <p:cNvGrpSpPr/>
+        <p:nvPr/>
+      </p:nvGrpSpPr>
+      <p:grpSpPr>
+        <a:xfrm>
+          <a:off x="0" y="0"/>
+          <a:ext cx="0" cy="0"/>
+          <a:chOff x="0" y="0"/>
+          <a:chExt cx="0" cy="0"/>
+        </a:xfrm>
+      </p:grpSpPr>
+      <p:sp>
+        <p:nvSpPr>
+          <p:cNvPr id="6" name="Title 1">
+            <a:extLst>
+              <a:ext uri="{FF2B5EF4-FFF2-40B4-BE49-F238E27FC236}">
+                <a16:creationId xmlns:a16="http://schemas.microsoft.com/office/drawing/2014/main" id="{7A5EEDE1-49A8-086B-193D-2178028E2E36}"/>
+              </a:ext>
+            </a:extLst>
+          </p:cNvPr>
+          <p:cNvSpPr>
+            <a:spLocks noGrp="1"/>
+          </p:cNvSpPr>
+          <p:nvPr>
+            <p:ph type="title"/>
+          </p:nvPr>
+        </p:nvSpPr>
+        <p:spPr>
+          <a:xfrm>
+            <a:off x="457200" y="205980"/>
+            <a:ext cx="8229600" cy="857251"/>
+          </a:xfrm>
+        </p:spPr>
+        <p:txBody>
+          <a:bodyPr>
+            <a:normAutofit/>
+          </a:bodyPr>
+          <a:lstStyle/>
+          <a:p>
+            <a:r>
+              <a:rPr lang="en-US" b="1" dirty="0" err="1">
+                <a:solidFill>
+                  <a:srgbClr val="0070C0"/>
+                </a:solidFill>
+              </a:rPr>
+              <a:t>Recursividade</a:t>
+            </a:r>
+            <a:r>
+              <a:rPr lang="en-US" b="1" dirty="0">
+                <a:solidFill>
+                  <a:srgbClr val="0070C0"/>
+                </a:solidFill>
+              </a:rPr>
+              <a:t> – </a:t>
+            </a:r>
+            <a:r>
+              <a:rPr lang="en-US" b="1" dirty="0" err="1">
+                <a:solidFill>
+                  <a:srgbClr val="0070C0"/>
+                </a:solidFill>
+              </a:rPr>
+              <a:t>Exemplo</a:t>
+            </a:r>
+            <a:r>
+              <a:rPr lang="en-US" b="1" dirty="0">
+                <a:solidFill>
+                  <a:srgbClr val="0070C0"/>
+                </a:solidFill>
+              </a:rPr>
+              <a:t> 2 Ling C</a:t>
+            </a:r>
+          </a:p>
+        </p:txBody>
+      </p:sp>
+      <p:sp>
+        <p:nvSpPr>
+          <p:cNvPr id="8" name="Text Placeholder 2">
+            <a:extLst>
+              <a:ext uri="{FF2B5EF4-FFF2-40B4-BE49-F238E27FC236}">
+                <a16:creationId xmlns:a16="http://schemas.microsoft.com/office/drawing/2014/main" id="{3B311A83-2B0B-BED9-8627-A4EACD2FA729}"/>
+              </a:ext>
+            </a:extLst>
+          </p:cNvPr>
+          <p:cNvSpPr>
+            <a:spLocks noGrp="1"/>
+          </p:cNvSpPr>
+          <p:nvPr>
+            <p:ph type="body" sz="half" idx="1"/>
+          </p:nvPr>
+        </p:nvSpPr>
+        <p:spPr>
+          <a:xfrm>
+            <a:off x="142865" y="1200150"/>
+            <a:ext cx="8865056" cy="3737370"/>
+          </a:xfrm>
+        </p:spPr>
+        <p:txBody>
+          <a:bodyPr>
+            <a:noAutofit/>
+          </a:bodyPr>
+          <a:lstStyle/>
+          <a:p>
+            <a:pPr marL="0" indent="0" algn="just">
+              <a:buNone/>
+            </a:pPr>
+            <a:r>
+              <a:rPr lang="pt-BR" sz="2400" dirty="0" err="1">
+                <a:solidFill>
+                  <a:schemeClr val="tx1"/>
+                </a:solidFill>
+                <a:latin typeface="Times New Roman" panose="02020603050405020304" pitchFamily="18" charset="0"/>
+                <a:cs typeface="Times New Roman" panose="02020603050405020304" pitchFamily="18" charset="0"/>
+              </a:rPr>
+              <a:t>int</a:t>
+            </a:r>
+            <a:r>
+              <a:rPr lang="pt-BR" sz="2400" dirty="0">
+                <a:solidFill>
+                  <a:schemeClr val="tx1"/>
+                </a:solidFill>
+                <a:latin typeface="Times New Roman" panose="02020603050405020304" pitchFamily="18" charset="0"/>
+                <a:cs typeface="Times New Roman" panose="02020603050405020304" pitchFamily="18" charset="0"/>
+              </a:rPr>
+              <a:t> </a:t>
+            </a:r>
+            <a:r>
+              <a:rPr lang="pt-BR" sz="2400" b="1" dirty="0">
+                <a:solidFill>
+                  <a:srgbClr val="FF0000"/>
+                </a:solidFill>
+                <a:latin typeface="Times New Roman" panose="02020603050405020304" pitchFamily="18" charset="0"/>
+                <a:cs typeface="Times New Roman" panose="02020603050405020304" pitchFamily="18" charset="0"/>
+              </a:rPr>
+              <a:t>fatorial</a:t>
+            </a:r>
+            <a:r>
+              <a:rPr lang="pt-BR" sz="2400" dirty="0">
+                <a:solidFill>
+                  <a:schemeClr val="tx1"/>
+                </a:solidFill>
+                <a:latin typeface="Times New Roman" panose="02020603050405020304" pitchFamily="18" charset="0"/>
+                <a:cs typeface="Times New Roman" panose="02020603050405020304" pitchFamily="18" charset="0"/>
+              </a:rPr>
+              <a:t>(</a:t>
+            </a:r>
+            <a:r>
+              <a:rPr lang="pt-BR" sz="2400" dirty="0" err="1">
+                <a:solidFill>
+                  <a:schemeClr val="tx1"/>
+                </a:solidFill>
+                <a:latin typeface="Times New Roman" panose="02020603050405020304" pitchFamily="18" charset="0"/>
+                <a:cs typeface="Times New Roman" panose="02020603050405020304" pitchFamily="18" charset="0"/>
+              </a:rPr>
+              <a:t>int</a:t>
+            </a:r>
+            <a:r>
+              <a:rPr lang="pt-BR" sz="2400" dirty="0">
+                <a:solidFill>
+                  <a:schemeClr val="tx1"/>
+                </a:solidFill>
+                <a:latin typeface="Times New Roman" panose="02020603050405020304" pitchFamily="18" charset="0"/>
+                <a:cs typeface="Times New Roman" panose="02020603050405020304" pitchFamily="18" charset="0"/>
+              </a:rPr>
+              <a:t> n) {</a:t>
+            </a:r>
+          </a:p>
+          <a:p>
+            <a:pPr marL="0" indent="0" algn="just">
+              <a:buNone/>
+            </a:pPr>
+            <a:r>
+              <a:rPr lang="pt-BR" sz="2400" dirty="0">
+                <a:solidFill>
+                  <a:schemeClr val="tx1"/>
+                </a:solidFill>
+                <a:latin typeface="Times New Roman" panose="02020603050405020304" pitchFamily="18" charset="0"/>
+                <a:cs typeface="Times New Roman" panose="02020603050405020304" pitchFamily="18" charset="0"/>
+              </a:rPr>
+              <a:t>    </a:t>
+            </a:r>
+            <a:r>
+              <a:rPr lang="pt-BR" sz="2400" dirty="0" err="1">
+                <a:solidFill>
+                  <a:schemeClr val="tx1"/>
+                </a:solidFill>
+                <a:latin typeface="Times New Roman" panose="02020603050405020304" pitchFamily="18" charset="0"/>
+                <a:cs typeface="Times New Roman" panose="02020603050405020304" pitchFamily="18" charset="0"/>
+              </a:rPr>
+              <a:t>if</a:t>
+            </a:r>
+            <a:r>
+              <a:rPr lang="pt-BR" sz="2400" dirty="0">
+                <a:solidFill>
+                  <a:schemeClr val="tx1"/>
+                </a:solidFill>
+                <a:latin typeface="Times New Roman" panose="02020603050405020304" pitchFamily="18" charset="0"/>
+                <a:cs typeface="Times New Roman" panose="02020603050405020304" pitchFamily="18" charset="0"/>
+              </a:rPr>
+              <a:t> (</a:t>
+            </a:r>
+            <a:r>
+              <a:rPr lang="pt-BR" sz="2400" b="1" dirty="0">
+                <a:solidFill>
+                  <a:schemeClr val="tx1"/>
+                </a:solidFill>
+                <a:latin typeface="Times New Roman" panose="02020603050405020304" pitchFamily="18" charset="0"/>
+                <a:cs typeface="Times New Roman" panose="02020603050405020304" pitchFamily="18" charset="0"/>
+              </a:rPr>
+              <a:t>n == 0</a:t>
+            </a:r>
+            <a:r>
+              <a:rPr lang="pt-BR" sz="2400" dirty="0">
+                <a:solidFill>
+                  <a:schemeClr val="tx1"/>
+                </a:solidFill>
+                <a:latin typeface="Times New Roman" panose="02020603050405020304" pitchFamily="18" charset="0"/>
+                <a:cs typeface="Times New Roman" panose="02020603050405020304" pitchFamily="18" charset="0"/>
+              </a:rPr>
+              <a:t>) </a:t>
+            </a:r>
+          </a:p>
+          <a:p>
+            <a:pPr marL="0" indent="0" algn="just">
+              <a:buNone/>
+            </a:pPr>
+            <a:r>
+              <a:rPr lang="pt-BR" sz="2400" dirty="0">
+                <a:solidFill>
+                  <a:schemeClr val="tx1"/>
+                </a:solidFill>
+                <a:latin typeface="Times New Roman" panose="02020603050405020304" pitchFamily="18" charset="0"/>
+                <a:cs typeface="Times New Roman" panose="02020603050405020304" pitchFamily="18" charset="0"/>
+              </a:rPr>
+              <a:t>		</a:t>
+            </a:r>
+            <a:r>
+              <a:rPr lang="pt-BR" sz="2400" dirty="0" err="1">
+                <a:solidFill>
+                  <a:schemeClr val="tx1"/>
+                </a:solidFill>
+                <a:latin typeface="Times New Roman" panose="02020603050405020304" pitchFamily="18" charset="0"/>
+                <a:cs typeface="Times New Roman" panose="02020603050405020304" pitchFamily="18" charset="0"/>
+              </a:rPr>
+              <a:t>return</a:t>
+            </a:r>
+            <a:r>
+              <a:rPr lang="pt-BR" sz="2400" dirty="0">
+                <a:solidFill>
+                  <a:schemeClr val="tx1"/>
+                </a:solidFill>
+                <a:latin typeface="Times New Roman" panose="02020603050405020304" pitchFamily="18" charset="0"/>
+                <a:cs typeface="Times New Roman" panose="02020603050405020304" pitchFamily="18" charset="0"/>
+              </a:rPr>
+              <a:t> 1; // caso base</a:t>
+            </a:r>
+          </a:p>
+          <a:p>
+            <a:pPr marL="0" indent="0" algn="just">
+              <a:buNone/>
+            </a:pPr>
+            <a:endParaRPr lang="pt-BR" sz="2400" dirty="0">
+              <a:solidFill>
+                <a:schemeClr val="tx1"/>
+              </a:solidFill>
+              <a:latin typeface="Times New Roman" panose="02020603050405020304" pitchFamily="18" charset="0"/>
+              <a:cs typeface="Times New Roman" panose="02020603050405020304" pitchFamily="18" charset="0"/>
+            </a:endParaRPr>
+          </a:p>
+          <a:p>
+            <a:pPr marL="0" indent="0" algn="just">
+              <a:buNone/>
+            </a:pPr>
+            <a:r>
+              <a:rPr lang="pt-BR" sz="2400" dirty="0">
+                <a:solidFill>
+                  <a:schemeClr val="tx1"/>
+                </a:solidFill>
+                <a:latin typeface="Times New Roman" panose="02020603050405020304" pitchFamily="18" charset="0"/>
+                <a:cs typeface="Times New Roman" panose="02020603050405020304" pitchFamily="18" charset="0"/>
+              </a:rPr>
+              <a:t>    </a:t>
+            </a:r>
+            <a:r>
+              <a:rPr lang="pt-BR" sz="2400" dirty="0" err="1">
+                <a:solidFill>
+                  <a:schemeClr val="tx1"/>
+                </a:solidFill>
+                <a:latin typeface="Times New Roman" panose="02020603050405020304" pitchFamily="18" charset="0"/>
+                <a:cs typeface="Times New Roman" panose="02020603050405020304" pitchFamily="18" charset="0"/>
+              </a:rPr>
+              <a:t>return</a:t>
+            </a:r>
+            <a:r>
+              <a:rPr lang="pt-BR" sz="2400" dirty="0">
+                <a:solidFill>
+                  <a:schemeClr val="tx1"/>
+                </a:solidFill>
+                <a:latin typeface="Times New Roman" panose="02020603050405020304" pitchFamily="18" charset="0"/>
+                <a:cs typeface="Times New Roman" panose="02020603050405020304" pitchFamily="18" charset="0"/>
+              </a:rPr>
+              <a:t> n * </a:t>
+            </a:r>
+            <a:r>
+              <a:rPr lang="pt-BR" sz="2400" b="1" dirty="0">
+                <a:solidFill>
+                  <a:srgbClr val="FF0000"/>
+                </a:solidFill>
+                <a:latin typeface="Times New Roman" panose="02020603050405020304" pitchFamily="18" charset="0"/>
+                <a:cs typeface="Times New Roman" panose="02020603050405020304" pitchFamily="18" charset="0"/>
+              </a:rPr>
+              <a:t>fatorial</a:t>
+            </a:r>
+            <a:r>
+              <a:rPr lang="pt-BR" sz="2400" dirty="0">
+                <a:solidFill>
+                  <a:schemeClr val="tx1"/>
+                </a:solidFill>
+                <a:latin typeface="Times New Roman" panose="02020603050405020304" pitchFamily="18" charset="0"/>
+                <a:cs typeface="Times New Roman" panose="02020603050405020304" pitchFamily="18" charset="0"/>
+              </a:rPr>
+              <a:t>(n - 1); // </a:t>
+            </a:r>
+            <a:r>
+              <a:rPr lang="pt-BR" sz="2400" b="1" dirty="0">
+                <a:solidFill>
+                  <a:schemeClr val="tx1"/>
+                </a:solidFill>
+                <a:latin typeface="Times New Roman" panose="02020603050405020304" pitchFamily="18" charset="0"/>
+                <a:cs typeface="Times New Roman" panose="02020603050405020304" pitchFamily="18" charset="0"/>
+              </a:rPr>
+              <a:t>chamada recursiva</a:t>
+            </a:r>
+          </a:p>
+          <a:p>
+            <a:pPr marL="0" indent="0" algn="just">
+              <a:buNone/>
+            </a:pPr>
+            <a:r>
+              <a:rPr lang="pt-BR" sz="2400" dirty="0">
+                <a:solidFill>
+                  <a:schemeClr val="tx1"/>
+                </a:solidFill>
+                <a:latin typeface="Times New Roman" panose="02020603050405020304" pitchFamily="18" charset="0"/>
+                <a:cs typeface="Times New Roman" panose="02020603050405020304" pitchFamily="18" charset="0"/>
+              </a:rPr>
+              <a:t>}</a:t>
+            </a:r>
+          </a:p>
+        </p:txBody>
+      </p:sp>
+    </p:spTree>
+    <p:extLst>
+      <p:ext uri="{BB962C8B-B14F-4D97-AF65-F5344CB8AC3E}">
+        <p14:creationId xmlns:p14="http://schemas.microsoft.com/office/powerpoint/2010/main" val="2285338820"/>
+      </p:ext>
+    </p:extLst>
+  </p:cSld>
+  <p:clrMapOvr>
+    <a:masterClrMapping/>
+  </p:clrMapOvr>
+  <p:transition spd="med"/>
+</p:sld>
+</file>
+
+<file path=ppt/slides/slide8.xml><?xml version="1.0" encoding="utf-8"?>
+<p:sld xmlns:a="http://schemas.openxmlformats.org/drawingml/2006/main" xmlns:r="http://schemas.openxmlformats.org/officeDocument/2006/relationships" xmlns:p="http://schemas.openxmlformats.org/presentationml/2006/main">
+  <p:cSld>
+    <p:spTree>
+      <p:nvGrpSpPr>
+        <p:cNvPr id="1" name="">
+          <a:extLst>
+            <a:ext uri="{FF2B5EF4-FFF2-40B4-BE49-F238E27FC236}">
+              <a16:creationId xmlns:a16="http://schemas.microsoft.com/office/drawing/2014/main" id="{7938AC22-C4EE-EDB5-0394-902EEAA2E47A}"/>
+            </a:ext>
+          </a:extLst>
+        </p:cNvPr>
+        <p:cNvGrpSpPr/>
+        <p:nvPr/>
+      </p:nvGrpSpPr>
+      <p:grpSpPr>
+        <a:xfrm>
+          <a:off x="0" y="0"/>
+          <a:ext cx="0" cy="0"/>
+          <a:chOff x="0" y="0"/>
+          <a:chExt cx="0" cy="0"/>
+        </a:xfrm>
+      </p:grpSpPr>
+      <p:sp>
+        <p:nvSpPr>
+          <p:cNvPr id="6" name="Title 1">
+            <a:extLst>
+              <a:ext uri="{FF2B5EF4-FFF2-40B4-BE49-F238E27FC236}">
+                <a16:creationId xmlns:a16="http://schemas.microsoft.com/office/drawing/2014/main" id="{508E3F56-903A-929D-C409-6BFD3E789E6A}"/>
+              </a:ext>
+            </a:extLst>
+          </p:cNvPr>
+          <p:cNvSpPr>
+            <a:spLocks noGrp="1"/>
+          </p:cNvSpPr>
+          <p:nvPr>
+            <p:ph type="title"/>
+          </p:nvPr>
+        </p:nvSpPr>
+        <p:spPr>
+          <a:xfrm>
+            <a:off x="457200" y="205980"/>
+            <a:ext cx="8229600" cy="857251"/>
+          </a:xfrm>
+        </p:spPr>
+        <p:txBody>
+          <a:bodyPr>
+            <a:normAutofit/>
+          </a:bodyPr>
+          <a:lstStyle/>
+          <a:p>
+            <a:r>
+              <a:rPr lang="en-US" b="1" dirty="0" err="1">
+                <a:solidFill>
+                  <a:srgbClr val="0070C0"/>
+                </a:solidFill>
+              </a:rPr>
+              <a:t>Recursividade</a:t>
+            </a:r>
+            <a:r>
+              <a:rPr lang="en-US" b="1" dirty="0">
+                <a:solidFill>
+                  <a:srgbClr val="0070C0"/>
+                </a:solidFill>
+              </a:rPr>
+              <a:t> – </a:t>
+            </a:r>
+            <a:r>
+              <a:rPr lang="en-US" b="1" dirty="0" err="1">
+                <a:solidFill>
+                  <a:srgbClr val="0070C0"/>
+                </a:solidFill>
+              </a:rPr>
+              <a:t>Exemplo</a:t>
+            </a:r>
+            <a:r>
+              <a:rPr lang="en-US" b="1" dirty="0">
+                <a:solidFill>
+                  <a:srgbClr val="0070C0"/>
+                </a:solidFill>
+              </a:rPr>
+              <a:t> 3</a:t>
+            </a:r>
+          </a:p>
+        </p:txBody>
+      </p:sp>
+      <p:sp>
+        <p:nvSpPr>
+          <p:cNvPr id="8" name="Text Placeholder 2">
+            <a:extLst>
+              <a:ext uri="{FF2B5EF4-FFF2-40B4-BE49-F238E27FC236}">
+                <a16:creationId xmlns:a16="http://schemas.microsoft.com/office/drawing/2014/main" id="{EECFC87A-364B-D053-9314-CDFCF2910992}"/>
+              </a:ext>
+            </a:extLst>
+          </p:cNvPr>
+          <p:cNvSpPr>
+            <a:spLocks noGrp="1"/>
+          </p:cNvSpPr>
+          <p:nvPr>
+            <p:ph type="body" sz="half" idx="1"/>
+          </p:nvPr>
+        </p:nvSpPr>
+        <p:spPr>
+          <a:xfrm>
+            <a:off x="142865" y="1200150"/>
+            <a:ext cx="8865056" cy="3737370"/>
+          </a:xfrm>
+        </p:spPr>
+        <p:txBody>
+          <a:bodyPr>
+            <a:noAutofit/>
+          </a:bodyPr>
+          <a:lstStyle/>
+          <a:p>
+            <a:pPr marL="0" indent="0" algn="just">
+              <a:buNone/>
+            </a:pPr>
+            <a:r>
+              <a:rPr lang="pt-BR" sz="2400" b="1" dirty="0">
+                <a:solidFill>
+                  <a:schemeClr val="tx1"/>
+                </a:solidFill>
+                <a:latin typeface="Times New Roman" panose="02020603050405020304" pitchFamily="18" charset="0"/>
+                <a:cs typeface="Times New Roman" panose="02020603050405020304" pitchFamily="18" charset="0"/>
+              </a:rPr>
+              <a:t>Sequência de Fibonacci</a:t>
+            </a:r>
+            <a:r>
+              <a:rPr lang="pt-BR" sz="2400" dirty="0">
+                <a:solidFill>
+                  <a:schemeClr val="tx1"/>
+                </a:solidFill>
+                <a:latin typeface="Times New Roman" panose="02020603050405020304" pitchFamily="18" charset="0"/>
+                <a:cs typeface="Times New Roman" panose="02020603050405020304" pitchFamily="18" charset="0"/>
+              </a:rPr>
+              <a:t>:</a:t>
+            </a:r>
+          </a:p>
+          <a:p>
+            <a:pPr algn="just"/>
+            <a:r>
+              <a:rPr lang="pt-BR" sz="2400" dirty="0">
+                <a:solidFill>
+                  <a:schemeClr val="tx1"/>
+                </a:solidFill>
+                <a:latin typeface="Times New Roman" panose="02020603050405020304" pitchFamily="18" charset="0"/>
+                <a:cs typeface="Times New Roman" panose="02020603050405020304" pitchFamily="18" charset="0"/>
+              </a:rPr>
+              <a:t>F(0) = 0</a:t>
+            </a:r>
+          </a:p>
+          <a:p>
+            <a:pPr algn="just"/>
+            <a:r>
+              <a:rPr lang="pt-BR" sz="2400" dirty="0">
+                <a:solidFill>
+                  <a:schemeClr val="tx1"/>
+                </a:solidFill>
+                <a:latin typeface="Times New Roman" panose="02020603050405020304" pitchFamily="18" charset="0"/>
+                <a:cs typeface="Times New Roman" panose="02020603050405020304" pitchFamily="18" charset="0"/>
+              </a:rPr>
+              <a:t>F(1) = 1</a:t>
+            </a:r>
+          </a:p>
+          <a:p>
+            <a:pPr algn="just"/>
+            <a:r>
+              <a:rPr lang="pt-BR" sz="2400" dirty="0">
+                <a:solidFill>
+                  <a:schemeClr val="tx1"/>
+                </a:solidFill>
+                <a:latin typeface="Times New Roman" panose="02020603050405020304" pitchFamily="18" charset="0"/>
+                <a:cs typeface="Times New Roman" panose="02020603050405020304" pitchFamily="18" charset="0"/>
+              </a:rPr>
+              <a:t>F(n) = F(n-1) + F(n)</a:t>
+            </a:r>
+          </a:p>
+        </p:txBody>
+      </p:sp>
+    </p:spTree>
+    <p:extLst>
+      <p:ext uri="{BB962C8B-B14F-4D97-AF65-F5344CB8AC3E}">
+        <p14:creationId xmlns:p14="http://schemas.microsoft.com/office/powerpoint/2010/main" val="2745467500"/>
+      </p:ext>
+    </p:extLst>
+  </p:cSld>
+  <p:clrMapOvr>
+    <a:masterClrMapping/>
+  </p:clrMapOvr>
+  <p:transition spd="med"/>
+</p:sld>
+</file>
+
+<file path=ppt/slides/slide9.xml><?xml version="1.0" encoding="utf-8"?>
+<p:sld xmlns:a="http://schemas.openxmlformats.org/drawingml/2006/main" xmlns:r="http://schemas.openxmlformats.org/officeDocument/2006/relationships" xmlns:p="http://schemas.openxmlformats.org/presentationml/2006/main">
+  <p:cSld>
+    <p:spTree>
+      <p:nvGrpSpPr>
+        <p:cNvPr id="1" name="">
+          <a:extLst>
+            <a:ext uri="{FF2B5EF4-FFF2-40B4-BE49-F238E27FC236}">
+              <a16:creationId xmlns:a16="http://schemas.microsoft.com/office/drawing/2014/main" id="{DFA18F8F-DE02-BE09-49C6-331A7F335FC1}"/>
+            </a:ext>
+          </a:extLst>
+        </p:cNvPr>
+        <p:cNvGrpSpPr/>
+        <p:nvPr/>
+      </p:nvGrpSpPr>
+      <p:grpSpPr>
+        <a:xfrm>
+          <a:off x="0" y="0"/>
+          <a:ext cx="0" cy="0"/>
+          <a:chOff x="0" y="0"/>
+          <a:chExt cx="0" cy="0"/>
+        </a:xfrm>
+      </p:grpSpPr>
+      <p:sp>
+        <p:nvSpPr>
+          <p:cNvPr id="6" name="Title 1">
+            <a:extLst>
+              <a:ext uri="{FF2B5EF4-FFF2-40B4-BE49-F238E27FC236}">
+                <a16:creationId xmlns:a16="http://schemas.microsoft.com/office/drawing/2014/main" id="{1957490C-48B2-4A59-DDFE-95706ECE8C9B}"/>
+              </a:ext>
+            </a:extLst>
+          </p:cNvPr>
+          <p:cNvSpPr>
+            <a:spLocks noGrp="1"/>
+          </p:cNvSpPr>
+          <p:nvPr>
+            <p:ph type="title"/>
+          </p:nvPr>
+        </p:nvSpPr>
+        <p:spPr>
+          <a:xfrm>
+            <a:off x="457200" y="205980"/>
+            <a:ext cx="8229600" cy="857251"/>
+          </a:xfrm>
+        </p:spPr>
+        <p:txBody>
+          <a:bodyPr>
+            <a:normAutofit/>
+          </a:bodyPr>
+          <a:lstStyle/>
+          <a:p>
+            <a:r>
+              <a:rPr lang="en-US" b="1" dirty="0" err="1">
+                <a:solidFill>
+                  <a:srgbClr val="0070C0"/>
+                </a:solidFill>
+              </a:rPr>
+              <a:t>Recursividade</a:t>
+            </a:r>
+            <a:r>
+              <a:rPr lang="en-US" b="1" dirty="0">
+                <a:solidFill>
+                  <a:srgbClr val="0070C0"/>
+                </a:solidFill>
+              </a:rPr>
+              <a:t> – </a:t>
+            </a:r>
+            <a:r>
+              <a:rPr lang="en-US" b="1" dirty="0" err="1">
+                <a:solidFill>
+                  <a:srgbClr val="0070C0"/>
+                </a:solidFill>
+              </a:rPr>
+              <a:t>Exemplo</a:t>
+            </a:r>
+            <a:r>
+              <a:rPr lang="en-US" b="1" dirty="0">
+                <a:solidFill>
+                  <a:srgbClr val="0070C0"/>
+                </a:solidFill>
+              </a:rPr>
+              <a:t> 3</a:t>
+            </a:r>
+          </a:p>
+        </p:txBody>
+      </p:sp>
+      <p:sp>
+        <p:nvSpPr>
+          <p:cNvPr id="8" name="Text Placeholder 2">
+            <a:extLst>
+              <a:ext uri="{FF2B5EF4-FFF2-40B4-BE49-F238E27FC236}">
+                <a16:creationId xmlns:a16="http://schemas.microsoft.com/office/drawing/2014/main" id="{1D66728F-5AA0-53E0-3DA9-C74A932C40C4}"/>
+              </a:ext>
+            </a:extLst>
+          </p:cNvPr>
+          <p:cNvSpPr>
+            <a:spLocks noGrp="1"/>
+          </p:cNvSpPr>
+          <p:nvPr>
+            <p:ph type="body" sz="half" idx="1"/>
+          </p:nvPr>
+        </p:nvSpPr>
+        <p:spPr>
+          <a:xfrm>
+            <a:off x="142865" y="1200150"/>
+            <a:ext cx="8865056" cy="3737370"/>
+          </a:xfrm>
+        </p:spPr>
+        <p:txBody>
+          <a:bodyPr>
+            <a:noAutofit/>
+          </a:bodyPr>
+          <a:lstStyle/>
+          <a:p>
+            <a:pPr marL="0" indent="0" algn="just">
+              <a:buNone/>
+            </a:pPr>
+            <a:r>
+              <a:rPr lang="en-US" sz="2400" dirty="0">
+                <a:solidFill>
+                  <a:schemeClr val="tx1"/>
+                </a:solidFill>
+                <a:latin typeface="Times New Roman" panose="02020603050405020304" pitchFamily="18" charset="0"/>
+                <a:cs typeface="Times New Roman" panose="02020603050405020304" pitchFamily="18" charset="0"/>
+              </a:rPr>
+              <a:t>def </a:t>
+            </a:r>
+            <a:r>
+              <a:rPr lang="en-US" sz="2400" b="1" dirty="0" err="1">
+                <a:solidFill>
+                  <a:srgbClr val="FF0000"/>
+                </a:solidFill>
+                <a:latin typeface="Times New Roman" panose="02020603050405020304" pitchFamily="18" charset="0"/>
+                <a:cs typeface="Times New Roman" panose="02020603050405020304" pitchFamily="18" charset="0"/>
+              </a:rPr>
+              <a:t>fibonacci</a:t>
+            </a:r>
+            <a:r>
+              <a:rPr lang="en-US" sz="2400" dirty="0">
+                <a:solidFill>
+                  <a:schemeClr val="tx1"/>
+                </a:solidFill>
+                <a:latin typeface="Times New Roman" panose="02020603050405020304" pitchFamily="18" charset="0"/>
+                <a:cs typeface="Times New Roman" panose="02020603050405020304" pitchFamily="18" charset="0"/>
+              </a:rPr>
+              <a:t>(n):</a:t>
+            </a:r>
+          </a:p>
+          <a:p>
+            <a:pPr marL="0" indent="0" algn="just">
+              <a:buNone/>
+            </a:pPr>
+            <a:r>
+              <a:rPr lang="en-US" sz="2400" dirty="0">
+                <a:solidFill>
+                  <a:schemeClr val="tx1"/>
+                </a:solidFill>
+                <a:latin typeface="Times New Roman" panose="02020603050405020304" pitchFamily="18" charset="0"/>
+                <a:cs typeface="Times New Roman" panose="02020603050405020304" pitchFamily="18" charset="0"/>
+              </a:rPr>
+              <a:t>    if n == 0:</a:t>
+            </a:r>
+          </a:p>
+          <a:p>
+            <a:pPr marL="0" indent="0" algn="just">
+              <a:buNone/>
+            </a:pPr>
+            <a:r>
+              <a:rPr lang="en-US" sz="2400" dirty="0">
+                <a:solidFill>
+                  <a:schemeClr val="tx1"/>
+                </a:solidFill>
+                <a:latin typeface="Times New Roman" panose="02020603050405020304" pitchFamily="18" charset="0"/>
+                <a:cs typeface="Times New Roman" panose="02020603050405020304" pitchFamily="18" charset="0"/>
+              </a:rPr>
+              <a:t>        </a:t>
+            </a:r>
+            <a:r>
+              <a:rPr lang="en-US" sz="2400" b="1" dirty="0">
+                <a:solidFill>
+                  <a:schemeClr val="tx1"/>
+                </a:solidFill>
+                <a:latin typeface="Times New Roman" panose="02020603050405020304" pitchFamily="18" charset="0"/>
+                <a:cs typeface="Times New Roman" panose="02020603050405020304" pitchFamily="18" charset="0"/>
+              </a:rPr>
+              <a:t>return</a:t>
+            </a:r>
+            <a:r>
+              <a:rPr lang="en-US" sz="2400" dirty="0">
+                <a:solidFill>
+                  <a:schemeClr val="tx1"/>
+                </a:solidFill>
+                <a:latin typeface="Times New Roman" panose="02020603050405020304" pitchFamily="18" charset="0"/>
+                <a:cs typeface="Times New Roman" panose="02020603050405020304" pitchFamily="18" charset="0"/>
+              </a:rPr>
+              <a:t> 0</a:t>
+            </a:r>
+          </a:p>
+          <a:p>
+            <a:pPr marL="0" indent="0" algn="just">
+              <a:buNone/>
+            </a:pPr>
+            <a:r>
+              <a:rPr lang="en-US" sz="2400" dirty="0">
+                <a:solidFill>
+                  <a:schemeClr val="tx1"/>
+                </a:solidFill>
+                <a:latin typeface="Times New Roman" panose="02020603050405020304" pitchFamily="18" charset="0"/>
+                <a:cs typeface="Times New Roman" panose="02020603050405020304" pitchFamily="18" charset="0"/>
+              </a:rPr>
+              <a:t>    </a:t>
+            </a:r>
+            <a:r>
+              <a:rPr lang="en-US" sz="2400" dirty="0" err="1">
+                <a:solidFill>
+                  <a:schemeClr val="tx1"/>
+                </a:solidFill>
+                <a:latin typeface="Times New Roman" panose="02020603050405020304" pitchFamily="18" charset="0"/>
+                <a:cs typeface="Times New Roman" panose="02020603050405020304" pitchFamily="18" charset="0"/>
+              </a:rPr>
+              <a:t>elif</a:t>
+            </a:r>
+            <a:r>
+              <a:rPr lang="en-US" sz="2400" dirty="0">
+                <a:solidFill>
+                  <a:schemeClr val="tx1"/>
+                </a:solidFill>
+                <a:latin typeface="Times New Roman" panose="02020603050405020304" pitchFamily="18" charset="0"/>
+                <a:cs typeface="Times New Roman" panose="02020603050405020304" pitchFamily="18" charset="0"/>
+              </a:rPr>
+              <a:t> n == 1:</a:t>
+            </a:r>
+          </a:p>
+          <a:p>
+            <a:pPr marL="0" indent="0" algn="just">
+              <a:buNone/>
+            </a:pPr>
+            <a:r>
+              <a:rPr lang="en-US" sz="2400" dirty="0">
+                <a:solidFill>
+                  <a:schemeClr val="tx1"/>
+                </a:solidFill>
+                <a:latin typeface="Times New Roman" panose="02020603050405020304" pitchFamily="18" charset="0"/>
+                <a:cs typeface="Times New Roman" panose="02020603050405020304" pitchFamily="18" charset="0"/>
+              </a:rPr>
+              <a:t>        </a:t>
+            </a:r>
+            <a:r>
+              <a:rPr lang="en-US" sz="2400" b="1" dirty="0">
+                <a:solidFill>
+                  <a:schemeClr val="tx1"/>
+                </a:solidFill>
+                <a:latin typeface="Times New Roman" panose="02020603050405020304" pitchFamily="18" charset="0"/>
+                <a:cs typeface="Times New Roman" panose="02020603050405020304" pitchFamily="18" charset="0"/>
+              </a:rPr>
+              <a:t>return</a:t>
+            </a:r>
+            <a:r>
+              <a:rPr lang="en-US" sz="2400" dirty="0">
+                <a:solidFill>
+                  <a:schemeClr val="tx1"/>
+                </a:solidFill>
+                <a:latin typeface="Times New Roman" panose="02020603050405020304" pitchFamily="18" charset="0"/>
+                <a:cs typeface="Times New Roman" panose="02020603050405020304" pitchFamily="18" charset="0"/>
+              </a:rPr>
+              <a:t> 1</a:t>
+            </a:r>
+          </a:p>
+          <a:p>
+            <a:pPr marL="0" indent="0" algn="just">
+              <a:buNone/>
+            </a:pPr>
+            <a:r>
+              <a:rPr lang="en-US" sz="2400" dirty="0">
+                <a:solidFill>
+                  <a:schemeClr val="tx1"/>
+                </a:solidFill>
+                <a:latin typeface="Times New Roman" panose="02020603050405020304" pitchFamily="18" charset="0"/>
+                <a:cs typeface="Times New Roman" panose="02020603050405020304" pitchFamily="18" charset="0"/>
+              </a:rPr>
+              <a:t>    else:</a:t>
+            </a:r>
+          </a:p>
+          <a:p>
+            <a:pPr marL="0" indent="0" algn="just">
+              <a:buNone/>
+            </a:pPr>
+            <a:r>
+              <a:rPr lang="en-US" sz="2400" dirty="0">
+                <a:solidFill>
+                  <a:schemeClr val="tx1"/>
+                </a:solidFill>
+                <a:latin typeface="Times New Roman" panose="02020603050405020304" pitchFamily="18" charset="0"/>
+                <a:cs typeface="Times New Roman" panose="02020603050405020304" pitchFamily="18" charset="0"/>
+              </a:rPr>
+              <a:t>        </a:t>
+            </a:r>
+            <a:r>
+              <a:rPr lang="en-US" sz="2400" b="1" dirty="0">
+                <a:solidFill>
+                  <a:schemeClr val="tx1"/>
+                </a:solidFill>
+                <a:latin typeface="Times New Roman" panose="02020603050405020304" pitchFamily="18" charset="0"/>
+                <a:cs typeface="Times New Roman" panose="02020603050405020304" pitchFamily="18" charset="0"/>
+              </a:rPr>
+              <a:t>return</a:t>
+            </a:r>
+            <a:r>
+              <a:rPr lang="en-US" sz="2400" dirty="0">
+                <a:solidFill>
+                  <a:schemeClr val="tx1"/>
+                </a:solidFill>
+                <a:latin typeface="Times New Roman" panose="02020603050405020304" pitchFamily="18" charset="0"/>
+                <a:cs typeface="Times New Roman" panose="02020603050405020304" pitchFamily="18" charset="0"/>
+              </a:rPr>
+              <a:t> </a:t>
+            </a:r>
+            <a:r>
+              <a:rPr lang="en-US" sz="2400" b="1" dirty="0" err="1">
+                <a:solidFill>
+                  <a:srgbClr val="FF0000"/>
+                </a:solidFill>
+                <a:latin typeface="Times New Roman" panose="02020603050405020304" pitchFamily="18" charset="0"/>
+                <a:cs typeface="Times New Roman" panose="02020603050405020304" pitchFamily="18" charset="0"/>
+              </a:rPr>
+              <a:t>fibonacci</a:t>
+            </a:r>
+            <a:r>
+              <a:rPr lang="en-US" sz="2400" dirty="0">
+                <a:solidFill>
+                  <a:schemeClr val="tx1"/>
+                </a:solidFill>
+                <a:latin typeface="Times New Roman" panose="02020603050405020304" pitchFamily="18" charset="0"/>
+                <a:cs typeface="Times New Roman" panose="02020603050405020304" pitchFamily="18" charset="0"/>
+              </a:rPr>
+              <a:t>(n - 1) + </a:t>
+            </a:r>
+            <a:r>
+              <a:rPr lang="en-US" sz="2400" b="1" dirty="0" err="1">
+                <a:solidFill>
+                  <a:srgbClr val="FF0000"/>
+                </a:solidFill>
+                <a:latin typeface="Times New Roman" panose="02020603050405020304" pitchFamily="18" charset="0"/>
+                <a:cs typeface="Times New Roman" panose="02020603050405020304" pitchFamily="18" charset="0"/>
+              </a:rPr>
+              <a:t>fibonacci</a:t>
+            </a:r>
+            <a:r>
+              <a:rPr lang="en-US" sz="2400" dirty="0">
+                <a:solidFill>
+                  <a:schemeClr val="tx1"/>
+                </a:solidFill>
+                <a:latin typeface="Times New Roman" panose="02020603050405020304" pitchFamily="18" charset="0"/>
+                <a:cs typeface="Times New Roman" panose="02020603050405020304" pitchFamily="18" charset="0"/>
+              </a:rPr>
+              <a:t>(n - 2) </a:t>
+            </a:r>
+            <a:r>
+              <a:rPr lang="pt-BR" sz="2400" dirty="0">
+                <a:solidFill>
+                  <a:schemeClr val="tx1"/>
+                </a:solidFill>
+                <a:latin typeface="Times New Roman" panose="02020603050405020304" pitchFamily="18" charset="0"/>
+                <a:cs typeface="Times New Roman" panose="02020603050405020304" pitchFamily="18" charset="0"/>
+              </a:rPr>
+              <a:t>-2</a:t>
+            </a:r>
+          </a:p>
+        </p:txBody>
+      </p:sp>
+    </p:spTree>
+    <p:extLst>
+      <p:ext uri="{BB962C8B-B14F-4D97-AF65-F5344CB8AC3E}">
+        <p14:creationId xmlns:p14="http://schemas.microsoft.com/office/powerpoint/2010/main" val="631469042"/>
+      </p:ext>
+    </p:extLst>
   </p:cSld>
   <p:clrMapOvr>
     <a:masterClrMapping/>
